--- a/企业微信开发自建内部应用代开发篇.pptx
+++ b/企业微信开发自建内部应用代开发篇.pptx
@@ -9,6 +9,11 @@
     <p:sldId id="257" r:id="rId4"/>
     <p:sldId id="314" r:id="rId5"/>
     <p:sldId id="291" r:id="rId6"/>
+    <p:sldId id="317" r:id="rId7"/>
+    <p:sldId id="318" r:id="rId8"/>
+    <p:sldId id="319" r:id="rId9"/>
+    <p:sldId id="321" r:id="rId10"/>
+    <p:sldId id="320" r:id="rId11"/>
   </p:sldIdLst>
   <p:sldSz cx="12192000" cy="6858000"/>
   <p:notesSz cx="7103745" cy="10234295"/>
@@ -5022,6 +5027,5118 @@
 </p:sld>
 </file>
 
+<file path=ppt/slides/slide5.xml><?xml version="1.0" encoding="utf-8"?>
+<p:sld xmlns:a="http://schemas.openxmlformats.org/drawingml/2006/main" xmlns:r="http://schemas.openxmlformats.org/officeDocument/2006/relationships" xmlns:p="http://schemas.openxmlformats.org/presentationml/2006/main">
+  <p:cSld>
+    <p:spTree>
+      <p:nvGrpSpPr>
+        <p:cNvPr id="1" name=""/>
+        <p:cNvGrpSpPr/>
+        <p:nvPr/>
+      </p:nvGrpSpPr>
+      <p:grpSpPr/>
+      <p:sp>
+        <p:nvSpPr>
+          <p:cNvPr id="2" name="文本框 1"/>
+          <p:cNvSpPr txBox="1"/>
+          <p:nvPr/>
+        </p:nvSpPr>
+        <p:spPr>
+          <a:xfrm>
+            <a:off x="365125" y="217170"/>
+            <a:ext cx="11593830" cy="7784465"/>
+          </a:xfrm>
+          <a:prstGeom prst="rect">
+            <a:avLst/>
+          </a:prstGeom>
+          <a:noFill/>
+          <a:ln w="12700" cap="flat">
+            <a:noFill/>
+            <a:miter lim="400000"/>
+          </a:ln>
+        </p:spPr>
+        <p:style>
+          <a:lnRef idx="0">
+            <a:scrgbClr r="0" g="0" b="0"/>
+          </a:lnRef>
+          <a:fillRef idx="0">
+            <a:scrgbClr r="0" g="0" b="0"/>
+          </a:fillRef>
+          <a:effectRef idx="0">
+            <a:scrgbClr r="0" g="0" b="0"/>
+          </a:effectRef>
+          <a:fontRef idx="none"/>
+        </p:style>
+        <p:txBody>
+          <a:bodyPr rot="0" vertOverflow="overflow" horzOverflow="overflow" vert="horz" wrap="square" lIns="45719" tIns="45719" rIns="45719" bIns="45719" numCol="1" spcCol="38100" rtlCol="0" anchor="t" forceAA="0">
+            <a:spAutoFit/>
+          </a:bodyPr>
+          <a:p>
+            <a:pPr marL="0" marR="0" indent="0" algn="l" defTabSz="914400" rtl="0" fontAlgn="auto" latinLnBrk="0" hangingPunct="0">
+              <a:lnSpc>
+                <a:spcPct val="100000"/>
+              </a:lnSpc>
+              <a:spcBef>
+                <a:spcPts val="0"/>
+              </a:spcBef>
+              <a:spcAft>
+                <a:spcPts val="0"/>
+              </a:spcAft>
+              <a:buClrTx/>
+              <a:buSzTx/>
+              <a:buFontTx/>
+              <a:buNone/>
+            </a:pPr>
+            <a:r>
+              <a:rPr kumimoji="0" lang="zh-CN" altLang="en-US" sz="2000" b="0" i="0" u="none" strike="noStrike" cap="none" spc="0" normalizeH="0" baseline="0" dirty="0" smtClean="0">
+                <a:solidFill>
+                  <a:schemeClr val="bg1">
+                    <a:lumMod val="50000"/>
+                  </a:schemeClr>
+                </a:solidFill>
+                <a:latin typeface="苹方-简" panose="020B0400000000000000" charset="-122"/>
+                <a:ea typeface="苹方-简" panose="020B0400000000000000" charset="-122"/>
+                <a:cs typeface="苹方-简" panose="020B0400000000000000" charset="-122"/>
+                <a:sym typeface="Times New Roman" panose="02020803070505020304"/>
+              </a:rPr>
+              <a:t> 企业扫描服务商代开发二维码，授权成功后，企业侧自动创建由该服务商代开发的自建应用，初始状态为开发中，不可正常使用。</a:t>
+            </a:r>
+            <a:endParaRPr kumimoji="0" lang="zh-CN" altLang="en-US" sz="2000" b="0" i="0" u="none" strike="noStrike" cap="none" spc="0" normalizeH="0" baseline="0" dirty="0" smtClean="0">
+              <a:solidFill>
+                <a:schemeClr val="bg1">
+                  <a:lumMod val="50000"/>
+                </a:schemeClr>
+              </a:solidFill>
+              <a:latin typeface="苹方-简" panose="020B0400000000000000" charset="-122"/>
+              <a:ea typeface="苹方-简" panose="020B0400000000000000" charset="-122"/>
+              <a:cs typeface="苹方-简" panose="020B0400000000000000" charset="-122"/>
+              <a:sym typeface="Times New Roman" panose="02020803070505020304"/>
+            </a:endParaRPr>
+          </a:p>
+          <a:p>
+            <a:pPr marL="0" marR="0" indent="0" algn="l" defTabSz="914400" rtl="0" fontAlgn="auto" latinLnBrk="0" hangingPunct="0">
+              <a:lnSpc>
+                <a:spcPct val="100000"/>
+              </a:lnSpc>
+              <a:spcBef>
+                <a:spcPts val="0"/>
+              </a:spcBef>
+              <a:spcAft>
+                <a:spcPts val="0"/>
+              </a:spcAft>
+              <a:buClrTx/>
+              <a:buSzTx/>
+              <a:buFontTx/>
+              <a:buNone/>
+            </a:pPr>
+            <a:r>
+              <a:rPr kumimoji="0" lang="zh-CN" altLang="en-US" sz="2000" b="1" i="0" u="none" strike="noStrike" cap="none" spc="0" normalizeH="0" baseline="0" dirty="0" smtClean="0">
+                <a:solidFill>
+                  <a:schemeClr val="bg1">
+                    <a:lumMod val="50000"/>
+                  </a:schemeClr>
+                </a:solidFill>
+                <a:latin typeface="PingFang SC Semibold" panose="020B0400000000000000" charset="-122"/>
+                <a:ea typeface="PingFang SC Semibold" panose="020B0400000000000000" charset="-122"/>
+                <a:cs typeface="苹方-简" panose="020B0400000000000000" charset="-122"/>
+                <a:sym typeface="Times New Roman" panose="02020803070505020304"/>
+              </a:rPr>
+              <a:t>最终都为了获取应用</a:t>
+            </a:r>
+            <a:r>
+              <a:rPr kumimoji="0" lang="en-US" altLang="zh-CN" sz="2000" b="1" i="0" u="none" strike="noStrike" cap="none" spc="0" normalizeH="0" baseline="0" dirty="0" smtClean="0">
+                <a:solidFill>
+                  <a:schemeClr val="bg1">
+                    <a:lumMod val="50000"/>
+                  </a:schemeClr>
+                </a:solidFill>
+                <a:latin typeface="PingFang SC Semibold" panose="020B0400000000000000" charset="-122"/>
+                <a:ea typeface="PingFang SC Semibold" panose="020B0400000000000000" charset="-122"/>
+                <a:cs typeface="苹方-简" panose="020B0400000000000000" charset="-122"/>
+                <a:sym typeface="Times New Roman" panose="02020803070505020304"/>
+              </a:rPr>
+              <a:t>id</a:t>
+            </a:r>
+            <a:r>
+              <a:rPr kumimoji="0" lang="zh-CN" altLang="en-US" sz="2000" b="1" i="0" u="none" strike="noStrike" cap="none" spc="0" normalizeH="0" baseline="0" dirty="0" smtClean="0">
+                <a:solidFill>
+                  <a:schemeClr val="bg1">
+                    <a:lumMod val="50000"/>
+                  </a:schemeClr>
+                </a:solidFill>
+                <a:latin typeface="PingFang SC Semibold" panose="020B0400000000000000" charset="-122"/>
+                <a:ea typeface="PingFang SC Semibold" panose="020B0400000000000000" charset="-122"/>
+                <a:cs typeface="苹方-简" panose="020B0400000000000000" charset="-122"/>
+                <a:sym typeface="Times New Roman" panose="02020803070505020304"/>
+              </a:rPr>
+              <a:t>与</a:t>
+            </a:r>
+            <a:r>
+              <a:rPr kumimoji="0" lang="en-US" altLang="zh-CN" sz="2000" b="1" i="0" u="none" strike="noStrike" cap="none" spc="0" normalizeH="0" baseline="0" dirty="0" smtClean="0">
+                <a:solidFill>
+                  <a:schemeClr val="bg1">
+                    <a:lumMod val="50000"/>
+                  </a:schemeClr>
+                </a:solidFill>
+                <a:latin typeface="PingFang SC Semibold" panose="020B0400000000000000" charset="-122"/>
+                <a:ea typeface="PingFang SC Semibold" panose="020B0400000000000000" charset="-122"/>
+                <a:cs typeface="苹方-简" panose="020B0400000000000000" charset="-122"/>
+                <a:sym typeface="Times New Roman" panose="02020803070505020304"/>
+              </a:rPr>
+              <a:t>sercert</a:t>
+            </a:r>
+            <a:r>
+              <a:rPr kumimoji="0" lang="zh-CN" altLang="en-US" sz="2000" b="1" i="0" u="none" strike="noStrike" cap="none" spc="0" normalizeH="0" baseline="0" dirty="0" smtClean="0">
+                <a:solidFill>
+                  <a:schemeClr val="bg1">
+                    <a:lumMod val="50000"/>
+                  </a:schemeClr>
+                </a:solidFill>
+                <a:latin typeface="PingFang SC Semibold" panose="020B0400000000000000" charset="-122"/>
+                <a:ea typeface="PingFang SC Semibold" panose="020B0400000000000000" charset="-122"/>
+                <a:cs typeface="苹方-简" panose="020B0400000000000000" charset="-122"/>
+                <a:sym typeface="Times New Roman" panose="02020803070505020304"/>
+              </a:rPr>
+              <a:t>为客户做代开发</a:t>
+            </a:r>
+            <a:endParaRPr kumimoji="0" lang="zh-CN" altLang="en-US" sz="2000" b="0" i="0" u="none" strike="noStrike" cap="none" spc="0" normalizeH="0" baseline="0" dirty="0" smtClean="0">
+              <a:solidFill>
+                <a:schemeClr val="bg1">
+                  <a:lumMod val="50000"/>
+                </a:schemeClr>
+              </a:solidFill>
+              <a:latin typeface="苹方-简" panose="020B0400000000000000" charset="-122"/>
+              <a:ea typeface="苹方-简" panose="020B0400000000000000" charset="-122"/>
+              <a:cs typeface="苹方-简" panose="020B0400000000000000" charset="-122"/>
+              <a:sym typeface="Times New Roman" panose="02020803070505020304"/>
+            </a:endParaRPr>
+          </a:p>
+          <a:p>
+            <a:pPr marL="0" marR="0" indent="0" algn="l" defTabSz="914400" rtl="0" fontAlgn="auto" latinLnBrk="0" hangingPunct="0">
+              <a:lnSpc>
+                <a:spcPct val="100000"/>
+              </a:lnSpc>
+              <a:spcBef>
+                <a:spcPts val="0"/>
+              </a:spcBef>
+              <a:spcAft>
+                <a:spcPts val="0"/>
+              </a:spcAft>
+              <a:buClrTx/>
+              <a:buSzTx/>
+              <a:buFontTx/>
+              <a:buNone/>
+            </a:pPr>
+            <a:endParaRPr kumimoji="0" lang="zh-CN" altLang="en-US" sz="2000" b="0" i="0" u="none" strike="noStrike" cap="none" spc="0" normalizeH="0" baseline="0" dirty="0" smtClean="0">
+              <a:solidFill>
+                <a:schemeClr val="bg1">
+                  <a:lumMod val="50000"/>
+                </a:schemeClr>
+              </a:solidFill>
+              <a:latin typeface="苹方-简" panose="020B0400000000000000" charset="-122"/>
+              <a:ea typeface="苹方-简" panose="020B0400000000000000" charset="-122"/>
+              <a:cs typeface="苹方-简" panose="020B0400000000000000" charset="-122"/>
+              <a:sym typeface="Times New Roman" panose="02020803070505020304"/>
+            </a:endParaRPr>
+          </a:p>
+          <a:p>
+            <a:pPr marL="0" marR="0" indent="0" algn="l" defTabSz="914400" rtl="0" fontAlgn="auto" latinLnBrk="0" hangingPunct="0">
+              <a:lnSpc>
+                <a:spcPct val="100000"/>
+              </a:lnSpc>
+              <a:spcBef>
+                <a:spcPts val="0"/>
+              </a:spcBef>
+              <a:spcAft>
+                <a:spcPts val="0"/>
+              </a:spcAft>
+              <a:buClrTx/>
+              <a:buSzTx/>
+              <a:buFontTx/>
+              <a:buNone/>
+            </a:pPr>
+            <a:r>
+              <a:rPr kumimoji="0" lang="zh-CN" altLang="en-US" sz="2000" b="0" i="0" u="none" strike="noStrike" cap="none" spc="0" normalizeH="0" baseline="0" dirty="0" smtClean="0">
+                <a:solidFill>
+                  <a:schemeClr val="bg1">
+                    <a:lumMod val="50000"/>
+                  </a:schemeClr>
+                </a:solidFill>
+                <a:latin typeface="苹方-简" panose="020B0400000000000000" charset="-122"/>
+                <a:ea typeface="苹方-简" panose="020B0400000000000000" charset="-122"/>
+                <a:cs typeface="苹方-简" panose="020B0400000000000000" charset="-122"/>
+                <a:sym typeface="Times New Roman" panose="02020803070505020304"/>
+              </a:rPr>
+              <a:t>授权成功通知</a:t>
+            </a:r>
+            <a:r>
+              <a:rPr kumimoji="0" lang="en-US" altLang="zh-CN" sz="2000" b="0" i="0" u="none" strike="noStrike" cap="none" spc="0" normalizeH="0" baseline="0" dirty="0" smtClean="0">
+                <a:solidFill>
+                  <a:schemeClr val="bg1">
+                    <a:lumMod val="50000"/>
+                  </a:schemeClr>
+                </a:solidFill>
+                <a:latin typeface="苹方-简" panose="020B0400000000000000" charset="-122"/>
+                <a:ea typeface="苹方-简" panose="020B0400000000000000" charset="-122"/>
+                <a:cs typeface="苹方-简" panose="020B0400000000000000" charset="-122"/>
+                <a:sym typeface="Times New Roman" panose="02020803070505020304"/>
+              </a:rPr>
+              <a:t>,</a:t>
+            </a:r>
+            <a:r>
+              <a:rPr kumimoji="0" lang="zh-CN" altLang="en-US" sz="2000" b="0" i="0" u="none" strike="noStrike" cap="none" spc="0" normalizeH="0" baseline="0" dirty="0" smtClean="0">
+                <a:solidFill>
+                  <a:schemeClr val="bg1">
+                    <a:lumMod val="50000"/>
+                  </a:schemeClr>
+                </a:solidFill>
+                <a:latin typeface="苹方-简" panose="020B0400000000000000" charset="-122"/>
+                <a:ea typeface="苹方-简" panose="020B0400000000000000" charset="-122"/>
+                <a:cs typeface="苹方-简" panose="020B0400000000000000" charset="-122"/>
+                <a:sym typeface="Times New Roman" panose="02020803070505020304"/>
+              </a:rPr>
+              <a:t>获取授权信息临时授权码</a:t>
+            </a:r>
+            <a:endParaRPr kumimoji="0" lang="zh-CN" altLang="en-US" sz="2000" b="0" i="0" u="none" strike="noStrike" cap="none" spc="0" normalizeH="0" baseline="0" dirty="0" smtClean="0">
+              <a:solidFill>
+                <a:schemeClr val="bg1">
+                  <a:lumMod val="50000"/>
+                </a:schemeClr>
+              </a:solidFill>
+              <a:latin typeface="苹方-简" panose="020B0400000000000000" charset="-122"/>
+              <a:ea typeface="苹方-简" panose="020B0400000000000000" charset="-122"/>
+              <a:cs typeface="苹方-简" panose="020B0400000000000000" charset="-122"/>
+              <a:sym typeface="Times New Roman" panose="02020803070505020304"/>
+            </a:endParaRPr>
+          </a:p>
+          <a:p>
+            <a:pPr marL="0" marR="0" indent="0" algn="l" defTabSz="914400" rtl="0" fontAlgn="auto" latinLnBrk="0" hangingPunct="0">
+              <a:lnSpc>
+                <a:spcPct val="100000"/>
+              </a:lnSpc>
+              <a:spcBef>
+                <a:spcPts val="0"/>
+              </a:spcBef>
+              <a:spcAft>
+                <a:spcPts val="0"/>
+              </a:spcAft>
+              <a:buClrTx/>
+              <a:buSzTx/>
+              <a:buFontTx/>
+              <a:buNone/>
+            </a:pPr>
+            <a:r>
+              <a:rPr lang="zh-CN" altLang="en-US" sz="2000" dirty="0" smtClean="0">
+                <a:solidFill>
+                  <a:schemeClr val="bg1">
+                    <a:lumMod val="50000"/>
+                  </a:schemeClr>
+                </a:solidFill>
+                <a:latin typeface="苹方-简" panose="020B0400000000000000" charset="-122"/>
+                <a:ea typeface="苹方-简" panose="020B0400000000000000" charset="-122"/>
+                <a:cs typeface="苹方-简" panose="020B0400000000000000" charset="-122"/>
+                <a:sym typeface="Times New Roman" panose="02020803070505020304"/>
+              </a:rPr>
+              <a:t>企业微信会向代开发模板回调URL发送</a:t>
+            </a:r>
+            <a:r>
+              <a:rPr lang="en-US" altLang="zh-CN" sz="2000" dirty="0" smtClean="0">
+                <a:solidFill>
+                  <a:schemeClr val="bg1">
+                    <a:lumMod val="50000"/>
+                  </a:schemeClr>
+                </a:solidFill>
+                <a:latin typeface="苹方-简" panose="020B0400000000000000" charset="-122"/>
+                <a:ea typeface="苹方-简" panose="020B0400000000000000" charset="-122"/>
+                <a:cs typeface="苹方-简" panose="020B0400000000000000" charset="-122"/>
+                <a:sym typeface="Times New Roman" panose="02020803070505020304"/>
+              </a:rPr>
+              <a:t>post</a:t>
+            </a:r>
+            <a:r>
+              <a:rPr lang="zh-CN" altLang="en-US" sz="2000" dirty="0" smtClean="0">
+                <a:solidFill>
+                  <a:schemeClr val="bg1">
+                    <a:lumMod val="50000"/>
+                  </a:schemeClr>
+                </a:solidFill>
+                <a:latin typeface="苹方-简" panose="020B0400000000000000" charset="-122"/>
+                <a:ea typeface="苹方-简" panose="020B0400000000000000" charset="-122"/>
+                <a:cs typeface="苹方-简" panose="020B0400000000000000" charset="-122"/>
+                <a:sym typeface="Times New Roman" panose="02020803070505020304"/>
+              </a:rPr>
+              <a:t>请求，通知解密获取</a:t>
+            </a:r>
+            <a:r>
+              <a:rPr lang="en-US" altLang="zh-CN" sz="2000" dirty="0" smtClean="0">
+                <a:solidFill>
+                  <a:schemeClr val="bg1">
+                    <a:lumMod val="50000"/>
+                  </a:schemeClr>
+                </a:solidFill>
+                <a:latin typeface="苹方-简" panose="020B0400000000000000" charset="-122"/>
+                <a:ea typeface="苹方-简" panose="020B0400000000000000" charset="-122"/>
+                <a:cs typeface="苹方-简" panose="020B0400000000000000" charset="-122"/>
+                <a:sym typeface="Times New Roman" panose="02020803070505020304"/>
+              </a:rPr>
+              <a:t>authcode</a:t>
+            </a:r>
+            <a:endParaRPr kumimoji="0" lang="zh-CN" altLang="en-US" sz="2000" b="0" i="0" u="none" strike="noStrike" cap="none" spc="0" normalizeH="0" baseline="0" dirty="0" smtClean="0">
+              <a:solidFill>
+                <a:schemeClr val="bg1">
+                  <a:lumMod val="50000"/>
+                </a:schemeClr>
+              </a:solidFill>
+              <a:latin typeface="苹方-简" panose="020B0400000000000000" charset="-122"/>
+              <a:ea typeface="苹方-简" panose="020B0400000000000000" charset="-122"/>
+              <a:cs typeface="苹方-简" panose="020B0400000000000000" charset="-122"/>
+              <a:sym typeface="Times New Roman" panose="02020803070505020304"/>
+            </a:endParaRPr>
+          </a:p>
+          <a:p>
+            <a:pPr marL="0" marR="0" indent="0" algn="l" defTabSz="914400" rtl="0" fontAlgn="auto" latinLnBrk="0" hangingPunct="0">
+              <a:lnSpc>
+                <a:spcPct val="100000"/>
+              </a:lnSpc>
+              <a:spcBef>
+                <a:spcPts val="0"/>
+              </a:spcBef>
+              <a:spcAft>
+                <a:spcPts val="0"/>
+              </a:spcAft>
+              <a:buClrTx/>
+              <a:buSzTx/>
+              <a:buFontTx/>
+              <a:buNone/>
+            </a:pPr>
+            <a:endParaRPr kumimoji="0" lang="zh-CN" altLang="en-US" sz="2000" b="0" i="0" u="none" strike="noStrike" cap="none" spc="0" normalizeH="0" baseline="0" dirty="0" smtClean="0">
+              <a:solidFill>
+                <a:schemeClr val="bg1">
+                  <a:lumMod val="50000"/>
+                </a:schemeClr>
+              </a:solidFill>
+              <a:latin typeface="苹方-简" panose="020B0400000000000000" charset="-122"/>
+              <a:ea typeface="苹方-简" panose="020B0400000000000000" charset="-122"/>
+              <a:cs typeface="苹方-简" panose="020B0400000000000000" charset="-122"/>
+              <a:sym typeface="Times New Roman" panose="02020803070505020304"/>
+            </a:endParaRPr>
+          </a:p>
+          <a:p>
+            <a:pPr marL="0" marR="0" indent="0" algn="l" defTabSz="914400" rtl="0" fontAlgn="auto" latinLnBrk="0" hangingPunct="0">
+              <a:lnSpc>
+                <a:spcPct val="100000"/>
+              </a:lnSpc>
+              <a:spcBef>
+                <a:spcPts val="0"/>
+              </a:spcBef>
+              <a:spcAft>
+                <a:spcPts val="0"/>
+              </a:spcAft>
+              <a:buClrTx/>
+              <a:buSzTx/>
+              <a:buFontTx/>
+              <a:buNone/>
+            </a:pPr>
+            <a:r>
+              <a:rPr kumimoji="0" lang="zh-CN" altLang="en-US" sz="2000" b="0" i="0" u="none" strike="noStrike" cap="none" spc="0" normalizeH="0" baseline="0" dirty="0" smtClean="0">
+                <a:solidFill>
+                  <a:schemeClr val="bg1">
+                    <a:lumMod val="50000"/>
+                  </a:schemeClr>
+                </a:solidFill>
+                <a:latin typeface="苹方-简" panose="020B0400000000000000" charset="-122"/>
+                <a:ea typeface="苹方-简" panose="020B0400000000000000" charset="-122"/>
+                <a:cs typeface="苹方-简" panose="020B0400000000000000" charset="-122"/>
+                <a:sym typeface="Times New Roman" panose="02020803070505020304"/>
+              </a:rPr>
+              <a:t>&lt;xml&gt;</a:t>
+            </a:r>
+            <a:endParaRPr kumimoji="0" lang="zh-CN" altLang="en-US" sz="2000" b="0" i="0" u="none" strike="noStrike" cap="none" spc="0" normalizeH="0" baseline="0" dirty="0" smtClean="0">
+              <a:solidFill>
+                <a:schemeClr val="bg1">
+                  <a:lumMod val="50000"/>
+                </a:schemeClr>
+              </a:solidFill>
+              <a:latin typeface="苹方-简" panose="020B0400000000000000" charset="-122"/>
+              <a:ea typeface="苹方-简" panose="020B0400000000000000" charset="-122"/>
+              <a:cs typeface="苹方-简" panose="020B0400000000000000" charset="-122"/>
+              <a:sym typeface="Times New Roman" panose="02020803070505020304"/>
+            </a:endParaRPr>
+          </a:p>
+          <a:p>
+            <a:pPr marL="0" marR="0" indent="0" algn="l" defTabSz="914400" rtl="0" fontAlgn="auto" latinLnBrk="0" hangingPunct="0">
+              <a:lnSpc>
+                <a:spcPct val="100000"/>
+              </a:lnSpc>
+              <a:spcBef>
+                <a:spcPts val="0"/>
+              </a:spcBef>
+              <a:spcAft>
+                <a:spcPts val="0"/>
+              </a:spcAft>
+              <a:buClrTx/>
+              <a:buSzTx/>
+              <a:buFontTx/>
+              <a:buNone/>
+            </a:pPr>
+            <a:r>
+              <a:rPr kumimoji="0" lang="zh-CN" altLang="en-US" sz="2000" b="0" i="0" u="none" strike="noStrike" cap="none" spc="0" normalizeH="0" baseline="0" dirty="0" smtClean="0">
+                <a:solidFill>
+                  <a:schemeClr val="bg1">
+                    <a:lumMod val="50000"/>
+                  </a:schemeClr>
+                </a:solidFill>
+                <a:latin typeface="苹方-简" panose="020B0400000000000000" charset="-122"/>
+                <a:ea typeface="苹方-简" panose="020B0400000000000000" charset="-122"/>
+                <a:cs typeface="苹方-简" panose="020B0400000000000000" charset="-122"/>
+                <a:sym typeface="Times New Roman" panose="02020803070505020304"/>
+              </a:rPr>
+              <a:t>    &lt;SuiteId&gt;&lt;![CDATA[ww4asffe9xxx4c0f4c]]&gt;&lt;/SuiteId&gt;</a:t>
+            </a:r>
+            <a:endParaRPr kumimoji="0" lang="zh-CN" altLang="en-US" sz="2000" b="0" i="0" u="none" strike="noStrike" cap="none" spc="0" normalizeH="0" baseline="0" dirty="0" smtClean="0">
+              <a:solidFill>
+                <a:schemeClr val="bg1">
+                  <a:lumMod val="50000"/>
+                </a:schemeClr>
+              </a:solidFill>
+              <a:latin typeface="苹方-简" panose="020B0400000000000000" charset="-122"/>
+              <a:ea typeface="苹方-简" panose="020B0400000000000000" charset="-122"/>
+              <a:cs typeface="苹方-简" panose="020B0400000000000000" charset="-122"/>
+              <a:sym typeface="Times New Roman" panose="02020803070505020304"/>
+            </a:endParaRPr>
+          </a:p>
+          <a:p>
+            <a:pPr marL="0" marR="0" indent="0" algn="l" defTabSz="914400" rtl="0" fontAlgn="auto" latinLnBrk="0" hangingPunct="0">
+              <a:lnSpc>
+                <a:spcPct val="100000"/>
+              </a:lnSpc>
+              <a:spcBef>
+                <a:spcPts val="0"/>
+              </a:spcBef>
+              <a:spcAft>
+                <a:spcPts val="0"/>
+              </a:spcAft>
+              <a:buClrTx/>
+              <a:buSzTx/>
+              <a:buFontTx/>
+              <a:buNone/>
+            </a:pPr>
+            <a:r>
+              <a:rPr kumimoji="0" lang="zh-CN" altLang="en-US" sz="2000" b="0" i="0" u="none" strike="noStrike" cap="none" spc="0" normalizeH="0" baseline="0" dirty="0" smtClean="0">
+                <a:solidFill>
+                  <a:schemeClr val="bg1">
+                    <a:lumMod val="50000"/>
+                  </a:schemeClr>
+                </a:solidFill>
+                <a:latin typeface="苹方-简" panose="020B0400000000000000" charset="-122"/>
+                <a:ea typeface="苹方-简" panose="020B0400000000000000" charset="-122"/>
+                <a:cs typeface="苹方-简" panose="020B0400000000000000" charset="-122"/>
+                <a:sym typeface="Times New Roman" panose="02020803070505020304"/>
+              </a:rPr>
+              <a:t>    &lt;AuthCode&gt;&lt;![CDATA[AUTHCODE]]&gt;&lt;/AuthCode&gt;</a:t>
+            </a:r>
+            <a:endParaRPr kumimoji="0" lang="zh-CN" altLang="en-US" sz="2000" b="0" i="0" u="none" strike="noStrike" cap="none" spc="0" normalizeH="0" baseline="0" dirty="0" smtClean="0">
+              <a:solidFill>
+                <a:schemeClr val="bg1">
+                  <a:lumMod val="50000"/>
+                </a:schemeClr>
+              </a:solidFill>
+              <a:latin typeface="苹方-简" panose="020B0400000000000000" charset="-122"/>
+              <a:ea typeface="苹方-简" panose="020B0400000000000000" charset="-122"/>
+              <a:cs typeface="苹方-简" panose="020B0400000000000000" charset="-122"/>
+              <a:sym typeface="Times New Roman" panose="02020803070505020304"/>
+            </a:endParaRPr>
+          </a:p>
+          <a:p>
+            <a:pPr marL="0" marR="0" indent="0" algn="l" defTabSz="914400" rtl="0" fontAlgn="auto" latinLnBrk="0" hangingPunct="0">
+              <a:lnSpc>
+                <a:spcPct val="100000"/>
+              </a:lnSpc>
+              <a:spcBef>
+                <a:spcPts val="0"/>
+              </a:spcBef>
+              <a:spcAft>
+                <a:spcPts val="0"/>
+              </a:spcAft>
+              <a:buClrTx/>
+              <a:buSzTx/>
+              <a:buFontTx/>
+              <a:buNone/>
+            </a:pPr>
+            <a:r>
+              <a:rPr kumimoji="0" lang="zh-CN" altLang="en-US" sz="2000" b="0" i="0" u="none" strike="noStrike" cap="none" spc="0" normalizeH="0" baseline="0" dirty="0" smtClean="0">
+                <a:solidFill>
+                  <a:schemeClr val="bg1">
+                    <a:lumMod val="50000"/>
+                  </a:schemeClr>
+                </a:solidFill>
+                <a:latin typeface="苹方-简" panose="020B0400000000000000" charset="-122"/>
+                <a:ea typeface="苹方-简" panose="020B0400000000000000" charset="-122"/>
+                <a:cs typeface="苹方-简" panose="020B0400000000000000" charset="-122"/>
+                <a:sym typeface="Times New Roman" panose="02020803070505020304"/>
+              </a:rPr>
+              <a:t>    &lt;InfoType&gt;&lt;![CDATA[create_auth]]&gt;&lt;/InfoType&gt;</a:t>
+            </a:r>
+            <a:endParaRPr kumimoji="0" lang="zh-CN" altLang="en-US" sz="2000" b="0" i="0" u="none" strike="noStrike" cap="none" spc="0" normalizeH="0" baseline="0" dirty="0" smtClean="0">
+              <a:solidFill>
+                <a:schemeClr val="bg1">
+                  <a:lumMod val="50000"/>
+                </a:schemeClr>
+              </a:solidFill>
+              <a:latin typeface="苹方-简" panose="020B0400000000000000" charset="-122"/>
+              <a:ea typeface="苹方-简" panose="020B0400000000000000" charset="-122"/>
+              <a:cs typeface="苹方-简" panose="020B0400000000000000" charset="-122"/>
+              <a:sym typeface="Times New Roman" panose="02020803070505020304"/>
+            </a:endParaRPr>
+          </a:p>
+          <a:p>
+            <a:pPr marL="0" marR="0" indent="0" algn="l" defTabSz="914400" rtl="0" fontAlgn="auto" latinLnBrk="0" hangingPunct="0">
+              <a:lnSpc>
+                <a:spcPct val="100000"/>
+              </a:lnSpc>
+              <a:spcBef>
+                <a:spcPts val="0"/>
+              </a:spcBef>
+              <a:spcAft>
+                <a:spcPts val="0"/>
+              </a:spcAft>
+              <a:buClrTx/>
+              <a:buSzTx/>
+              <a:buFontTx/>
+              <a:buNone/>
+            </a:pPr>
+            <a:r>
+              <a:rPr kumimoji="0" lang="zh-CN" altLang="en-US" sz="2000" b="0" i="0" u="none" strike="noStrike" cap="none" spc="0" normalizeH="0" baseline="0" dirty="0" smtClean="0">
+                <a:solidFill>
+                  <a:schemeClr val="bg1">
+                    <a:lumMod val="50000"/>
+                  </a:schemeClr>
+                </a:solidFill>
+                <a:latin typeface="苹方-简" panose="020B0400000000000000" charset="-122"/>
+                <a:ea typeface="苹方-简" panose="020B0400000000000000" charset="-122"/>
+                <a:cs typeface="苹方-简" panose="020B0400000000000000" charset="-122"/>
+                <a:sym typeface="Times New Roman" panose="02020803070505020304"/>
+              </a:rPr>
+              <a:t>    &lt;TimeStamp&gt;1403610513&lt;/TimeStamp&gt;</a:t>
+            </a:r>
+            <a:endParaRPr kumimoji="0" lang="zh-CN" altLang="en-US" sz="2000" b="0" i="0" u="none" strike="noStrike" cap="none" spc="0" normalizeH="0" baseline="0" dirty="0" smtClean="0">
+              <a:solidFill>
+                <a:schemeClr val="bg1">
+                  <a:lumMod val="50000"/>
+                </a:schemeClr>
+              </a:solidFill>
+              <a:latin typeface="苹方-简" panose="020B0400000000000000" charset="-122"/>
+              <a:ea typeface="苹方-简" panose="020B0400000000000000" charset="-122"/>
+              <a:cs typeface="苹方-简" panose="020B0400000000000000" charset="-122"/>
+              <a:sym typeface="Times New Roman" panose="02020803070505020304"/>
+            </a:endParaRPr>
+          </a:p>
+          <a:p>
+            <a:pPr marL="0" marR="0" indent="0" algn="l" defTabSz="914400" rtl="0" fontAlgn="auto" latinLnBrk="0" hangingPunct="0">
+              <a:lnSpc>
+                <a:spcPct val="100000"/>
+              </a:lnSpc>
+              <a:spcBef>
+                <a:spcPts val="0"/>
+              </a:spcBef>
+              <a:spcAft>
+                <a:spcPts val="0"/>
+              </a:spcAft>
+              <a:buClrTx/>
+              <a:buSzTx/>
+              <a:buFontTx/>
+              <a:buNone/>
+            </a:pPr>
+            <a:r>
+              <a:rPr kumimoji="0" lang="zh-CN" altLang="en-US" sz="2000" b="0" i="0" u="none" strike="noStrike" cap="none" spc="0" normalizeH="0" baseline="0" dirty="0" smtClean="0">
+                <a:solidFill>
+                  <a:schemeClr val="bg1">
+                    <a:lumMod val="50000"/>
+                  </a:schemeClr>
+                </a:solidFill>
+                <a:latin typeface="苹方-简" panose="020B0400000000000000" charset="-122"/>
+                <a:ea typeface="苹方-简" panose="020B0400000000000000" charset="-122"/>
+                <a:cs typeface="苹方-简" panose="020B0400000000000000" charset="-122"/>
+                <a:sym typeface="Times New Roman" panose="02020803070505020304"/>
+              </a:rPr>
+              <a:t>    &lt;State&gt;&lt;![CDATA[123]]&gt;&lt;/State&gt;</a:t>
+            </a:r>
+            <a:endParaRPr kumimoji="0" lang="zh-CN" altLang="en-US" sz="2000" b="0" i="0" u="none" strike="noStrike" cap="none" spc="0" normalizeH="0" baseline="0" dirty="0" smtClean="0">
+              <a:solidFill>
+                <a:schemeClr val="bg1">
+                  <a:lumMod val="50000"/>
+                </a:schemeClr>
+              </a:solidFill>
+              <a:latin typeface="苹方-简" panose="020B0400000000000000" charset="-122"/>
+              <a:ea typeface="苹方-简" panose="020B0400000000000000" charset="-122"/>
+              <a:cs typeface="苹方-简" panose="020B0400000000000000" charset="-122"/>
+              <a:sym typeface="Times New Roman" panose="02020803070505020304"/>
+            </a:endParaRPr>
+          </a:p>
+          <a:p>
+            <a:pPr marL="0" marR="0" indent="0" algn="l" defTabSz="914400" rtl="0" fontAlgn="auto" latinLnBrk="0" hangingPunct="0">
+              <a:lnSpc>
+                <a:spcPct val="100000"/>
+              </a:lnSpc>
+              <a:spcBef>
+                <a:spcPts val="0"/>
+              </a:spcBef>
+              <a:spcAft>
+                <a:spcPts val="0"/>
+              </a:spcAft>
+              <a:buClrTx/>
+              <a:buSzTx/>
+              <a:buFontTx/>
+              <a:buNone/>
+            </a:pPr>
+            <a:r>
+              <a:rPr kumimoji="0" lang="zh-CN" altLang="en-US" sz="2000" b="0" i="0" u="none" strike="noStrike" cap="none" spc="0" normalizeH="0" baseline="0" dirty="0" smtClean="0">
+                <a:solidFill>
+                  <a:schemeClr val="bg1">
+                    <a:lumMod val="50000"/>
+                  </a:schemeClr>
+                </a:solidFill>
+                <a:latin typeface="苹方-简" panose="020B0400000000000000" charset="-122"/>
+                <a:ea typeface="苹方-简" panose="020B0400000000000000" charset="-122"/>
+                <a:cs typeface="苹方-简" panose="020B0400000000000000" charset="-122"/>
+                <a:sym typeface="Times New Roman" panose="02020803070505020304"/>
+              </a:rPr>
+              <a:t>&lt;/xml&gt;</a:t>
+            </a:r>
+            <a:endParaRPr kumimoji="0" lang="zh-CN" altLang="en-US" sz="2000" b="0" i="0" u="none" strike="noStrike" cap="none" spc="0" normalizeH="0" baseline="0" dirty="0" smtClean="0">
+              <a:solidFill>
+                <a:schemeClr val="bg1">
+                  <a:lumMod val="50000"/>
+                </a:schemeClr>
+              </a:solidFill>
+              <a:latin typeface="苹方-简" panose="020B0400000000000000" charset="-122"/>
+              <a:ea typeface="苹方-简" panose="020B0400000000000000" charset="-122"/>
+              <a:cs typeface="苹方-简" panose="020B0400000000000000" charset="-122"/>
+              <a:sym typeface="Times New Roman" panose="02020803070505020304"/>
+            </a:endParaRPr>
+          </a:p>
+          <a:p>
+            <a:pPr marL="0" marR="0" indent="0" algn="l" defTabSz="914400" rtl="0" fontAlgn="auto" latinLnBrk="0" hangingPunct="0">
+              <a:lnSpc>
+                <a:spcPct val="100000"/>
+              </a:lnSpc>
+              <a:spcBef>
+                <a:spcPts val="0"/>
+              </a:spcBef>
+              <a:spcAft>
+                <a:spcPts val="0"/>
+              </a:spcAft>
+              <a:buClrTx/>
+              <a:buSzTx/>
+              <a:buFontTx/>
+              <a:buNone/>
+            </a:pPr>
+            <a:endParaRPr kumimoji="0" lang="zh-CN" altLang="en-US" sz="2000" b="0" i="0" u="none" strike="noStrike" cap="none" spc="0" normalizeH="0" baseline="0" dirty="0" smtClean="0">
+              <a:solidFill>
+                <a:schemeClr val="bg1">
+                  <a:lumMod val="50000"/>
+                </a:schemeClr>
+              </a:solidFill>
+              <a:latin typeface="苹方-简" panose="020B0400000000000000" charset="-122"/>
+              <a:ea typeface="苹方-简" panose="020B0400000000000000" charset="-122"/>
+              <a:cs typeface="苹方-简" panose="020B0400000000000000" charset="-122"/>
+              <a:sym typeface="Times New Roman" panose="02020803070505020304"/>
+            </a:endParaRPr>
+          </a:p>
+          <a:p>
+            <a:pPr marL="0" marR="0" indent="0" algn="l" defTabSz="914400" rtl="0" fontAlgn="auto" latinLnBrk="0" hangingPunct="0">
+              <a:lnSpc>
+                <a:spcPct val="100000"/>
+              </a:lnSpc>
+              <a:spcBef>
+                <a:spcPts val="0"/>
+              </a:spcBef>
+              <a:spcAft>
+                <a:spcPts val="0"/>
+              </a:spcAft>
+              <a:buClrTx/>
+              <a:buSzTx/>
+              <a:buFontTx/>
+              <a:buNone/>
+            </a:pPr>
+            <a:r>
+              <a:rPr kumimoji="0" lang="zh-CN" altLang="en-US" sz="2000" b="0" i="0" u="none" strike="noStrike" cap="none" spc="0" normalizeH="0" baseline="0" dirty="0" smtClean="0">
+                <a:solidFill>
+                  <a:schemeClr val="bg1">
+                    <a:lumMod val="50000"/>
+                  </a:schemeClr>
+                </a:solidFill>
+                <a:latin typeface="苹方-简" panose="020B0400000000000000" charset="-122"/>
+                <a:ea typeface="苹方-简" panose="020B0400000000000000" charset="-122"/>
+                <a:cs typeface="苹方-简" panose="020B0400000000000000" charset="-122"/>
+                <a:sym typeface="Times New Roman" panose="02020803070505020304"/>
+              </a:rPr>
+              <a:t>需注意：</a:t>
+            </a:r>
+            <a:endParaRPr kumimoji="0" lang="zh-CN" altLang="en-US" sz="2000" b="0" i="0" u="none" strike="noStrike" cap="none" spc="0" normalizeH="0" baseline="0" dirty="0" smtClean="0">
+              <a:solidFill>
+                <a:schemeClr val="bg1">
+                  <a:lumMod val="50000"/>
+                </a:schemeClr>
+              </a:solidFill>
+              <a:latin typeface="苹方-简" panose="020B0400000000000000" charset="-122"/>
+              <a:ea typeface="苹方-简" panose="020B0400000000000000" charset="-122"/>
+              <a:cs typeface="苹方-简" panose="020B0400000000000000" charset="-122"/>
+              <a:sym typeface="Times New Roman" panose="02020803070505020304"/>
+            </a:endParaRPr>
+          </a:p>
+          <a:p>
+            <a:pPr marL="0" marR="0" indent="0" algn="l" defTabSz="914400" rtl="0" fontAlgn="auto" latinLnBrk="0" hangingPunct="0">
+              <a:lnSpc>
+                <a:spcPct val="100000"/>
+              </a:lnSpc>
+              <a:spcBef>
+                <a:spcPts val="0"/>
+              </a:spcBef>
+              <a:spcAft>
+                <a:spcPts val="0"/>
+              </a:spcAft>
+              <a:buClrTx/>
+              <a:buSzTx/>
+              <a:buFontTx/>
+              <a:buNone/>
+            </a:pPr>
+            <a:r>
+              <a:rPr kumimoji="0" lang="en-US" altLang="zh-CN" sz="2000" b="0" i="0" u="none" strike="noStrike" cap="none" spc="0" normalizeH="0" baseline="0" dirty="0" smtClean="0">
+                <a:solidFill>
+                  <a:schemeClr val="bg1">
+                    <a:lumMod val="50000"/>
+                  </a:schemeClr>
+                </a:solidFill>
+                <a:latin typeface="苹方-简" panose="020B0400000000000000" charset="-122"/>
+                <a:ea typeface="苹方-简" panose="020B0400000000000000" charset="-122"/>
+                <a:cs typeface="苹方-简" panose="020B0400000000000000" charset="-122"/>
+                <a:sym typeface="Times New Roman" panose="02020803070505020304"/>
+              </a:rPr>
+              <a:t>1</a:t>
+            </a:r>
+            <a:r>
+              <a:rPr kumimoji="0" lang="zh-CN" altLang="en-US" sz="2000" b="0" i="0" u="none" strike="noStrike" cap="none" spc="0" normalizeH="0" baseline="0" dirty="0" smtClean="0">
+                <a:solidFill>
+                  <a:schemeClr val="bg1">
+                    <a:lumMod val="50000"/>
+                  </a:schemeClr>
+                </a:solidFill>
+                <a:latin typeface="苹方-简" panose="020B0400000000000000" charset="-122"/>
+                <a:ea typeface="苹方-简" panose="020B0400000000000000" charset="-122"/>
+                <a:cs typeface="苹方-简" panose="020B0400000000000000" charset="-122"/>
+                <a:sym typeface="Times New Roman" panose="02020803070505020304"/>
+              </a:rPr>
+              <a:t>，应用代开发模版id即为suite_id。</a:t>
+            </a:r>
+            <a:endParaRPr kumimoji="0" lang="zh-CN" altLang="en-US" sz="2000" b="0" i="0" u="none" strike="noStrike" cap="none" spc="0" normalizeH="0" baseline="0" dirty="0" smtClean="0">
+              <a:solidFill>
+                <a:schemeClr val="bg1">
+                  <a:lumMod val="50000"/>
+                </a:schemeClr>
+              </a:solidFill>
+              <a:latin typeface="苹方-简" panose="020B0400000000000000" charset="-122"/>
+              <a:ea typeface="苹方-简" panose="020B0400000000000000" charset="-122"/>
+              <a:cs typeface="苹方-简" panose="020B0400000000000000" charset="-122"/>
+              <a:sym typeface="Times New Roman" panose="02020803070505020304"/>
+            </a:endParaRPr>
+          </a:p>
+          <a:p>
+            <a:pPr marL="0" marR="0" indent="0" algn="l" defTabSz="914400" rtl="0" fontAlgn="auto" latinLnBrk="0" hangingPunct="0">
+              <a:lnSpc>
+                <a:spcPct val="100000"/>
+              </a:lnSpc>
+              <a:spcBef>
+                <a:spcPts val="0"/>
+              </a:spcBef>
+              <a:spcAft>
+                <a:spcPts val="0"/>
+              </a:spcAft>
+              <a:buClrTx/>
+              <a:buSzTx/>
+              <a:buFontTx/>
+              <a:buNone/>
+            </a:pPr>
+            <a:r>
+              <a:rPr kumimoji="0" lang="en-US" altLang="zh-CN" sz="2000" b="0" i="0" u="none" strike="noStrike" cap="none" spc="0" normalizeH="0" baseline="0" dirty="0" smtClean="0">
+                <a:solidFill>
+                  <a:schemeClr val="bg1">
+                    <a:lumMod val="50000"/>
+                  </a:schemeClr>
+                </a:solidFill>
+                <a:latin typeface="苹方-简" panose="020B0400000000000000" charset="-122"/>
+                <a:ea typeface="苹方-简" panose="020B0400000000000000" charset="-122"/>
+                <a:cs typeface="苹方-简" panose="020B0400000000000000" charset="-122"/>
+                <a:sym typeface="Times New Roman" panose="02020803070505020304"/>
+              </a:rPr>
+              <a:t>2</a:t>
+            </a:r>
+            <a:r>
+              <a:rPr kumimoji="0" lang="zh-CN" altLang="en-US" sz="2000" b="0" i="0" u="none" strike="noStrike" cap="none" spc="0" normalizeH="0" baseline="0" dirty="0" smtClean="0">
+                <a:solidFill>
+                  <a:schemeClr val="bg1">
+                    <a:lumMod val="50000"/>
+                  </a:schemeClr>
+                </a:solidFill>
+                <a:latin typeface="苹方-简" panose="020B0400000000000000" charset="-122"/>
+                <a:ea typeface="苹方-简" panose="020B0400000000000000" charset="-122"/>
+                <a:cs typeface="苹方-简" panose="020B0400000000000000" charset="-122"/>
+                <a:sym typeface="Times New Roman" panose="02020803070505020304"/>
+              </a:rPr>
+              <a:t>，receiveid的内容为suiteid</a:t>
+            </a:r>
+            <a:endParaRPr kumimoji="0" lang="zh-CN" altLang="en-US" sz="2000" b="0" i="0" u="none" strike="noStrike" cap="none" spc="0" normalizeH="0" baseline="0" dirty="0" smtClean="0">
+              <a:solidFill>
+                <a:schemeClr val="bg1">
+                  <a:lumMod val="50000"/>
+                </a:schemeClr>
+              </a:solidFill>
+              <a:latin typeface="苹方-简" panose="020B0400000000000000" charset="-122"/>
+              <a:ea typeface="苹方-简" panose="020B0400000000000000" charset="-122"/>
+              <a:cs typeface="苹方-简" panose="020B0400000000000000" charset="-122"/>
+              <a:sym typeface="Times New Roman" panose="02020803070505020304"/>
+            </a:endParaRPr>
+          </a:p>
+          <a:p>
+            <a:pPr marL="0" marR="0" indent="0" algn="l" defTabSz="914400" rtl="0" fontAlgn="auto" latinLnBrk="0" hangingPunct="0">
+              <a:lnSpc>
+                <a:spcPct val="100000"/>
+              </a:lnSpc>
+              <a:spcBef>
+                <a:spcPts val="0"/>
+              </a:spcBef>
+              <a:spcAft>
+                <a:spcPts val="0"/>
+              </a:spcAft>
+              <a:buClrTx/>
+              <a:buSzTx/>
+              <a:buFontTx/>
+              <a:buNone/>
+            </a:pPr>
+            <a:r>
+              <a:rPr kumimoji="0" lang="en-US" altLang="zh-CN" sz="2000" b="0" i="0" u="none" strike="noStrike" cap="none" spc="0" normalizeH="0" baseline="0" dirty="0" smtClean="0">
+                <a:solidFill>
+                  <a:schemeClr val="bg1">
+                    <a:lumMod val="50000"/>
+                  </a:schemeClr>
+                </a:solidFill>
+                <a:latin typeface="苹方-简" panose="020B0400000000000000" charset="-122"/>
+                <a:ea typeface="苹方-简" panose="020B0400000000000000" charset="-122"/>
+                <a:cs typeface="苹方-简" panose="020B0400000000000000" charset="-122"/>
+                <a:sym typeface="Times New Roman" panose="02020803070505020304"/>
+              </a:rPr>
+              <a:t>3</a:t>
+            </a:r>
+            <a:r>
+              <a:rPr kumimoji="0" lang="zh-CN" altLang="en-US" sz="2000" b="0" i="0" u="none" strike="noStrike" cap="none" spc="0" normalizeH="0" baseline="0" dirty="0" smtClean="0">
+                <a:solidFill>
+                  <a:schemeClr val="bg1">
+                    <a:lumMod val="50000"/>
+                  </a:schemeClr>
+                </a:solidFill>
+                <a:latin typeface="苹方-简" panose="020B0400000000000000" charset="-122"/>
+                <a:ea typeface="苹方-简" panose="020B0400000000000000" charset="-122"/>
+                <a:cs typeface="苹方-简" panose="020B0400000000000000" charset="-122"/>
+                <a:sym typeface="Times New Roman" panose="02020803070505020304"/>
+              </a:rPr>
+              <a:t>，服务商在收到推送后都必须直接返回字符串 “success”，若返回值不是 “success”，企业微信会把返回内容当作错误信息</a:t>
+            </a:r>
+            <a:endParaRPr kumimoji="0" lang="zh-CN" altLang="en-US" sz="2000" b="0" i="0" u="none" strike="noStrike" cap="none" spc="0" normalizeH="0" baseline="0" dirty="0" smtClean="0">
+              <a:solidFill>
+                <a:schemeClr val="bg1">
+                  <a:lumMod val="50000"/>
+                </a:schemeClr>
+              </a:solidFill>
+              <a:latin typeface="苹方-简" panose="020B0400000000000000" charset="-122"/>
+              <a:ea typeface="苹方-简" panose="020B0400000000000000" charset="-122"/>
+              <a:cs typeface="苹方-简" panose="020B0400000000000000" charset="-122"/>
+              <a:sym typeface="Times New Roman" panose="02020803070505020304"/>
+            </a:endParaRPr>
+          </a:p>
+          <a:p>
+            <a:pPr marL="0" marR="0" indent="0" algn="l" defTabSz="914400" rtl="0" fontAlgn="auto" latinLnBrk="0" hangingPunct="0">
+              <a:lnSpc>
+                <a:spcPct val="100000"/>
+              </a:lnSpc>
+              <a:spcBef>
+                <a:spcPts val="0"/>
+              </a:spcBef>
+              <a:spcAft>
+                <a:spcPts val="0"/>
+              </a:spcAft>
+              <a:buClrTx/>
+              <a:buSzTx/>
+              <a:buFontTx/>
+              <a:buNone/>
+            </a:pPr>
+            <a:endParaRPr kumimoji="0" lang="zh-CN" altLang="en-US" sz="2000" b="0" i="0" u="none" strike="noStrike" cap="none" spc="0" normalizeH="0" baseline="0" dirty="0" smtClean="0">
+              <a:solidFill>
+                <a:schemeClr val="bg1">
+                  <a:lumMod val="50000"/>
+                </a:schemeClr>
+              </a:solidFill>
+              <a:latin typeface="苹方-简" panose="020B0400000000000000" charset="-122"/>
+              <a:ea typeface="苹方-简" panose="020B0400000000000000" charset="-122"/>
+              <a:cs typeface="苹方-简" panose="020B0400000000000000" charset="-122"/>
+              <a:sym typeface="Times New Roman" panose="02020803070505020304"/>
+            </a:endParaRPr>
+          </a:p>
+          <a:p>
+            <a:pPr marL="0" marR="0" indent="0" algn="l" defTabSz="914400" rtl="0" fontAlgn="auto" latinLnBrk="0" hangingPunct="0">
+              <a:lnSpc>
+                <a:spcPct val="100000"/>
+              </a:lnSpc>
+              <a:spcBef>
+                <a:spcPts val="0"/>
+              </a:spcBef>
+              <a:spcAft>
+                <a:spcPts val="0"/>
+              </a:spcAft>
+              <a:buClrTx/>
+              <a:buSzTx/>
+              <a:buFontTx/>
+              <a:buNone/>
+            </a:pPr>
+            <a:endParaRPr kumimoji="0" lang="zh-CN" altLang="en-US" sz="2000" b="0" i="0" u="none" strike="noStrike" cap="none" spc="0" normalizeH="0" baseline="0" dirty="0" smtClean="0">
+              <a:solidFill>
+                <a:schemeClr val="bg1">
+                  <a:lumMod val="50000"/>
+                </a:schemeClr>
+              </a:solidFill>
+              <a:latin typeface="苹方-简" panose="020B0400000000000000" charset="-122"/>
+              <a:ea typeface="苹方-简" panose="020B0400000000000000" charset="-122"/>
+              <a:cs typeface="苹方-简" panose="020B0400000000000000" charset="-122"/>
+              <a:sym typeface="Times New Roman" panose="02020803070505020304"/>
+            </a:endParaRPr>
+          </a:p>
+          <a:p>
+            <a:pPr marL="0" marR="0" indent="0" algn="l" defTabSz="914400" rtl="0" fontAlgn="auto" latinLnBrk="0" hangingPunct="0">
+              <a:lnSpc>
+                <a:spcPct val="100000"/>
+              </a:lnSpc>
+              <a:spcBef>
+                <a:spcPts val="0"/>
+              </a:spcBef>
+              <a:spcAft>
+                <a:spcPts val="0"/>
+              </a:spcAft>
+              <a:buClrTx/>
+              <a:buSzTx/>
+              <a:buFontTx/>
+              <a:buNone/>
+            </a:pPr>
+            <a:endParaRPr kumimoji="0" lang="zh-CN" altLang="en-US" sz="2000" b="0" i="0" u="none" strike="noStrike" cap="none" spc="0" normalizeH="0" baseline="0" dirty="0" smtClean="0">
+              <a:solidFill>
+                <a:schemeClr val="bg1">
+                  <a:lumMod val="50000"/>
+                </a:schemeClr>
+              </a:solidFill>
+              <a:latin typeface="苹方-简" panose="020B0400000000000000" charset="-122"/>
+              <a:ea typeface="苹方-简" panose="020B0400000000000000" charset="-122"/>
+              <a:cs typeface="苹方-简" panose="020B0400000000000000" charset="-122"/>
+              <a:sym typeface="Times New Roman" panose="02020803070505020304"/>
+            </a:endParaRPr>
+          </a:p>
+          <a:p>
+            <a:pPr marL="0" marR="0" indent="0" algn="l" defTabSz="914400" rtl="0" fontAlgn="auto" latinLnBrk="0" hangingPunct="0">
+              <a:lnSpc>
+                <a:spcPct val="100000"/>
+              </a:lnSpc>
+              <a:spcBef>
+                <a:spcPts val="0"/>
+              </a:spcBef>
+              <a:spcAft>
+                <a:spcPts val="0"/>
+              </a:spcAft>
+              <a:buClrTx/>
+              <a:buSzTx/>
+              <a:buFontTx/>
+              <a:buNone/>
+            </a:pPr>
+            <a:endParaRPr kumimoji="0" lang="zh-CN" altLang="en-US" sz="2000" b="0" i="0" u="none" strike="noStrike" cap="none" spc="0" normalizeH="0" baseline="0" dirty="0" smtClean="0">
+              <a:solidFill>
+                <a:schemeClr val="bg1">
+                  <a:lumMod val="50000"/>
+                </a:schemeClr>
+              </a:solidFill>
+              <a:latin typeface="苹方-简" panose="020B0400000000000000" charset="-122"/>
+              <a:ea typeface="苹方-简" panose="020B0400000000000000" charset="-122"/>
+              <a:cs typeface="苹方-简" panose="020B0400000000000000" charset="-122"/>
+              <a:sym typeface="Times New Roman" panose="02020803070505020304"/>
+            </a:endParaRPr>
+          </a:p>
+          <a:p>
+            <a:pPr marL="0" marR="0" indent="0" algn="l" defTabSz="914400" rtl="0" fontAlgn="auto" latinLnBrk="0" hangingPunct="0">
+              <a:lnSpc>
+                <a:spcPct val="100000"/>
+              </a:lnSpc>
+              <a:spcBef>
+                <a:spcPts val="0"/>
+              </a:spcBef>
+              <a:spcAft>
+                <a:spcPts val="0"/>
+              </a:spcAft>
+              <a:buClrTx/>
+              <a:buSzTx/>
+              <a:buFontTx/>
+              <a:buNone/>
+            </a:pPr>
+            <a:endParaRPr kumimoji="0" lang="zh-CN" altLang="en-US" sz="2000" b="0" i="0" u="none" strike="noStrike" cap="none" spc="0" normalizeH="0" baseline="0" dirty="0" smtClean="0">
+              <a:solidFill>
+                <a:schemeClr val="bg1">
+                  <a:lumMod val="50000"/>
+                </a:schemeClr>
+              </a:solidFill>
+              <a:latin typeface="苹方-简" panose="020B0400000000000000" charset="-122"/>
+              <a:ea typeface="苹方-简" panose="020B0400000000000000" charset="-122"/>
+              <a:cs typeface="苹方-简" panose="020B0400000000000000" charset="-122"/>
+              <a:sym typeface="Times New Roman" panose="02020803070505020304"/>
+            </a:endParaRPr>
+          </a:p>
+        </p:txBody>
+      </p:sp>
+    </p:spTree>
+  </p:cSld>
+  <p:clrMapOvr>
+    <a:masterClrMapping/>
+  </p:clrMapOvr>
+  <p:transition spd="med"/>
+</p:sld>
+</file>
+
+<file path=ppt/slides/slide6.xml><?xml version="1.0" encoding="utf-8"?>
+<p:sld xmlns:a="http://schemas.openxmlformats.org/drawingml/2006/main" xmlns:r="http://schemas.openxmlformats.org/officeDocument/2006/relationships" xmlns:p="http://schemas.openxmlformats.org/presentationml/2006/main">
+  <p:cSld>
+    <p:spTree>
+      <p:nvGrpSpPr>
+        <p:cNvPr id="1" name=""/>
+        <p:cNvGrpSpPr/>
+        <p:nvPr/>
+      </p:nvGrpSpPr>
+      <p:grpSpPr/>
+      <p:sp>
+        <p:nvSpPr>
+          <p:cNvPr id="2" name="文本框 1"/>
+          <p:cNvSpPr txBox="1"/>
+          <p:nvPr/>
+        </p:nvSpPr>
+        <p:spPr>
+          <a:xfrm>
+            <a:off x="482600" y="411480"/>
+            <a:ext cx="11515090" cy="7476490"/>
+          </a:xfrm>
+          <a:prstGeom prst="rect">
+            <a:avLst/>
+          </a:prstGeom>
+          <a:noFill/>
+          <a:ln w="12700" cap="flat">
+            <a:noFill/>
+            <a:miter lim="400000"/>
+          </a:ln>
+        </p:spPr>
+        <p:style>
+          <a:lnRef idx="0">
+            <a:scrgbClr r="0" g="0" b="0"/>
+          </a:lnRef>
+          <a:fillRef idx="0">
+            <a:scrgbClr r="0" g="0" b="0"/>
+          </a:fillRef>
+          <a:effectRef idx="0">
+            <a:scrgbClr r="0" g="0" b="0"/>
+          </a:effectRef>
+          <a:fontRef idx="none"/>
+        </p:style>
+        <p:txBody>
+          <a:bodyPr rot="0" vertOverflow="overflow" horzOverflow="overflow" vert="horz" wrap="square" lIns="45719" tIns="45719" rIns="45719" bIns="45719" numCol="1" spcCol="38100" rtlCol="0" anchor="t" forceAA="0">
+            <a:spAutoFit/>
+          </a:bodyPr>
+          <a:p>
+            <a:pPr marL="0" marR="0" indent="0" algn="l" defTabSz="914400" rtl="0" fontAlgn="auto" latinLnBrk="0" hangingPunct="0">
+              <a:lnSpc>
+                <a:spcPct val="100000"/>
+              </a:lnSpc>
+              <a:spcBef>
+                <a:spcPts val="0"/>
+              </a:spcBef>
+              <a:spcAft>
+                <a:spcPts val="0"/>
+              </a:spcAft>
+              <a:buClrTx/>
+              <a:buSzTx/>
+              <a:buFontTx/>
+              <a:buNone/>
+            </a:pPr>
+            <a:r>
+              <a:rPr kumimoji="0" lang="zh-CN" altLang="en-US" sz="2000" b="0" i="0" u="none" strike="noStrike" cap="none" spc="0" normalizeH="0" baseline="0" dirty="0" smtClean="0">
+                <a:solidFill>
+                  <a:schemeClr val="bg1">
+                    <a:lumMod val="50000"/>
+                  </a:schemeClr>
+                </a:solidFill>
+                <a:latin typeface="苹方-简" panose="020B0400000000000000" charset="-122"/>
+                <a:ea typeface="苹方-简" panose="020B0400000000000000" charset="-122"/>
+                <a:cs typeface="苹方-简" panose="020B0400000000000000" charset="-122"/>
+                <a:sym typeface="Times New Roman" panose="02020803070505020304"/>
+              </a:rPr>
+              <a:t> 一 为获取</a:t>
+            </a:r>
+            <a:r>
+              <a:rPr lang="zh-CN" altLang="en-US" sz="2000" dirty="0" smtClean="0">
+                <a:solidFill>
+                  <a:schemeClr val="bg1">
+                    <a:lumMod val="50000"/>
+                  </a:schemeClr>
+                </a:solidFill>
+                <a:latin typeface="苹方-简" panose="020B0400000000000000" charset="-122"/>
+                <a:ea typeface="苹方-简" panose="020B0400000000000000" charset="-122"/>
+                <a:cs typeface="苹方-简" panose="020B0400000000000000" charset="-122"/>
+                <a:sym typeface="Times New Roman" panose="02020803070505020304"/>
+              </a:rPr>
+              <a:t>代开发应用的secret</a:t>
+            </a:r>
+            <a:r>
+              <a:rPr lang="en-US" altLang="zh-CN" sz="2000" dirty="0" smtClean="0">
+                <a:solidFill>
+                  <a:schemeClr val="bg1">
+                    <a:lumMod val="50000"/>
+                  </a:schemeClr>
+                </a:solidFill>
+                <a:latin typeface="苹方-简" panose="020B0400000000000000" charset="-122"/>
+                <a:ea typeface="苹方-简" panose="020B0400000000000000" charset="-122"/>
+                <a:cs typeface="苹方-简" panose="020B0400000000000000" charset="-122"/>
+                <a:sym typeface="Times New Roman" panose="02020803070505020304"/>
+              </a:rPr>
+              <a:t>,</a:t>
+            </a:r>
+            <a:r>
+              <a:rPr lang="zh-CN" altLang="en-US" sz="2000" dirty="0" smtClean="0">
+                <a:solidFill>
+                  <a:schemeClr val="bg1">
+                    <a:lumMod val="50000"/>
+                  </a:schemeClr>
+                </a:solidFill>
+                <a:latin typeface="苹方-简" panose="020B0400000000000000" charset="-122"/>
+                <a:ea typeface="苹方-简" panose="020B0400000000000000" charset="-122"/>
+                <a:cs typeface="苹方-简" panose="020B0400000000000000" charset="-122"/>
+                <a:sym typeface="Times New Roman" panose="02020803070505020304"/>
+              </a:rPr>
+              <a:t>这个</a:t>
+            </a:r>
+            <a:r>
+              <a:rPr lang="en-US" altLang="zh-CN" sz="2000" dirty="0" smtClean="0">
+                <a:solidFill>
+                  <a:schemeClr val="bg1">
+                    <a:lumMod val="50000"/>
+                  </a:schemeClr>
+                </a:solidFill>
+                <a:latin typeface="苹方-简" panose="020B0400000000000000" charset="-122"/>
+                <a:ea typeface="苹方-简" panose="020B0400000000000000" charset="-122"/>
+                <a:cs typeface="苹方-简" panose="020B0400000000000000" charset="-122"/>
+                <a:sym typeface="Times New Roman" panose="02020803070505020304"/>
+              </a:rPr>
+              <a:t>secret</a:t>
+            </a:r>
+            <a:r>
+              <a:rPr lang="zh-CN" altLang="en-US" sz="2000" dirty="0" smtClean="0">
+                <a:solidFill>
+                  <a:schemeClr val="bg1">
+                    <a:lumMod val="50000"/>
+                  </a:schemeClr>
+                </a:solidFill>
+                <a:latin typeface="苹方-简" panose="020B0400000000000000" charset="-122"/>
+                <a:ea typeface="苹方-简" panose="020B0400000000000000" charset="-122"/>
+                <a:cs typeface="苹方-简" panose="020B0400000000000000" charset="-122"/>
+                <a:sym typeface="Times New Roman" panose="02020803070505020304"/>
+              </a:rPr>
+              <a:t>我们需要自己保存，其中还有应用的</a:t>
+            </a:r>
+            <a:r>
+              <a:rPr lang="en-US" altLang="zh-CN" sz="2000" dirty="0" smtClean="0">
+                <a:solidFill>
+                  <a:schemeClr val="bg1">
+                    <a:lumMod val="50000"/>
+                  </a:schemeClr>
+                </a:solidFill>
+                <a:latin typeface="苹方-简" panose="020B0400000000000000" charset="-122"/>
+                <a:ea typeface="苹方-简" panose="020B0400000000000000" charset="-122"/>
+                <a:cs typeface="苹方-简" panose="020B0400000000000000" charset="-122"/>
+                <a:sym typeface="Times New Roman" panose="02020803070505020304"/>
+              </a:rPr>
+              <a:t>id</a:t>
+            </a:r>
+            <a:r>
+              <a:rPr lang="zh-CN" altLang="en-US" sz="2000" dirty="0" smtClean="0">
+                <a:solidFill>
+                  <a:schemeClr val="bg1">
+                    <a:lumMod val="50000"/>
+                  </a:schemeClr>
+                </a:solidFill>
+                <a:latin typeface="苹方-简" panose="020B0400000000000000" charset="-122"/>
+                <a:ea typeface="苹方-简" panose="020B0400000000000000" charset="-122"/>
+                <a:cs typeface="苹方-简" panose="020B0400000000000000" charset="-122"/>
+                <a:sym typeface="Times New Roman" panose="02020803070505020304"/>
+              </a:rPr>
+              <a:t>，非常重要用于为客户代开发</a:t>
+            </a:r>
+            <a:endParaRPr kumimoji="0" lang="zh-CN" altLang="en-US" sz="2000" b="0" i="0" u="none" strike="noStrike" cap="none" spc="0" normalizeH="0" baseline="0" dirty="0" smtClean="0">
+              <a:solidFill>
+                <a:schemeClr val="bg1">
+                  <a:lumMod val="50000"/>
+                </a:schemeClr>
+              </a:solidFill>
+              <a:latin typeface="苹方-简" panose="020B0400000000000000" charset="-122"/>
+              <a:ea typeface="苹方-简" panose="020B0400000000000000" charset="-122"/>
+              <a:cs typeface="苹方-简" panose="020B0400000000000000" charset="-122"/>
+              <a:sym typeface="Times New Roman" panose="02020803070505020304"/>
+            </a:endParaRPr>
+          </a:p>
+          <a:p>
+            <a:pPr marL="0" marR="0" indent="0" algn="l" defTabSz="914400" rtl="0" fontAlgn="auto" latinLnBrk="0" hangingPunct="0">
+              <a:lnSpc>
+                <a:spcPct val="100000"/>
+              </a:lnSpc>
+              <a:spcBef>
+                <a:spcPts val="0"/>
+              </a:spcBef>
+              <a:spcAft>
+                <a:spcPts val="0"/>
+              </a:spcAft>
+              <a:buClrTx/>
+              <a:buSzTx/>
+              <a:buFontTx/>
+              <a:buNone/>
+            </a:pPr>
+            <a:endParaRPr kumimoji="0" lang="zh-CN" altLang="en-US" sz="2000" b="0" i="0" u="none" strike="noStrike" cap="none" spc="0" normalizeH="0" baseline="0" dirty="0" smtClean="0">
+              <a:solidFill>
+                <a:schemeClr val="bg1">
+                  <a:lumMod val="50000"/>
+                </a:schemeClr>
+              </a:solidFill>
+              <a:latin typeface="苹方-简" panose="020B0400000000000000" charset="-122"/>
+              <a:ea typeface="苹方-简" panose="020B0400000000000000" charset="-122"/>
+              <a:cs typeface="苹方-简" panose="020B0400000000000000" charset="-122"/>
+              <a:sym typeface="Times New Roman" panose="02020803070505020304"/>
+            </a:endParaRPr>
+          </a:p>
+          <a:p>
+            <a:pPr marL="0" marR="0" indent="0" algn="l" defTabSz="914400" rtl="0" fontAlgn="auto" latinLnBrk="0" hangingPunct="0">
+              <a:lnSpc>
+                <a:spcPct val="100000"/>
+              </a:lnSpc>
+              <a:spcBef>
+                <a:spcPts val="0"/>
+              </a:spcBef>
+              <a:spcAft>
+                <a:spcPts val="0"/>
+              </a:spcAft>
+              <a:buClrTx/>
+              <a:buSzTx/>
+              <a:buFontTx/>
+              <a:buNone/>
+            </a:pPr>
+            <a:r>
+              <a:rPr lang="zh-CN" altLang="en-US" sz="2000" dirty="0" smtClean="0">
+                <a:solidFill>
+                  <a:schemeClr val="bg1">
+                    <a:lumMod val="50000"/>
+                  </a:schemeClr>
+                </a:solidFill>
+                <a:latin typeface="苹方-简" panose="020B0400000000000000" charset="-122"/>
+                <a:ea typeface="苹方-简" panose="020B0400000000000000" charset="-122"/>
+                <a:cs typeface="苹方-简" panose="020B0400000000000000" charset="-122"/>
+                <a:sym typeface="Times New Roman" panose="02020803070505020304"/>
+              </a:rPr>
+              <a:t>开发者通过获取企业永久授权码接口获取到的permanent_code，即为代开发应用的secret</a:t>
+            </a:r>
+            <a:endParaRPr kumimoji="0" lang="zh-CN" altLang="en-US" sz="2000" b="0" i="0" u="none" strike="noStrike" cap="none" spc="0" normalizeH="0" baseline="0" dirty="0" smtClean="0">
+              <a:solidFill>
+                <a:schemeClr val="bg1">
+                  <a:lumMod val="50000"/>
+                </a:schemeClr>
+              </a:solidFill>
+              <a:latin typeface="苹方-简" panose="020B0400000000000000" charset="-122"/>
+              <a:ea typeface="苹方-简" panose="020B0400000000000000" charset="-122"/>
+              <a:cs typeface="苹方-简" panose="020B0400000000000000" charset="-122"/>
+              <a:sym typeface="Times New Roman" panose="02020803070505020304"/>
+            </a:endParaRPr>
+          </a:p>
+          <a:p>
+            <a:pPr marL="0" marR="0" indent="0" algn="l" defTabSz="914400" rtl="0" fontAlgn="auto" latinLnBrk="0" hangingPunct="0">
+              <a:lnSpc>
+                <a:spcPct val="100000"/>
+              </a:lnSpc>
+              <a:spcBef>
+                <a:spcPts val="0"/>
+              </a:spcBef>
+              <a:spcAft>
+                <a:spcPts val="0"/>
+              </a:spcAft>
+              <a:buClrTx/>
+              <a:buSzTx/>
+              <a:buFontTx/>
+              <a:buNone/>
+            </a:pPr>
+            <a:r>
+              <a:rPr kumimoji="0" lang="zh-CN" altLang="en-US" sz="2000" b="0" i="0" u="none" strike="noStrike" cap="none" spc="0" normalizeH="0" baseline="0" dirty="0" smtClean="0">
+                <a:solidFill>
+                  <a:schemeClr val="bg1">
+                    <a:lumMod val="50000"/>
+                  </a:schemeClr>
+                </a:solidFill>
+                <a:latin typeface="苹方-简" panose="020B0400000000000000" charset="-122"/>
+                <a:ea typeface="苹方-简" panose="020B0400000000000000" charset="-122"/>
+                <a:cs typeface="苹方-简" panose="020B0400000000000000" charset="-122"/>
+                <a:sym typeface="Times New Roman" panose="02020803070505020304"/>
+              </a:rPr>
+              <a:t>https://open.work.weixin.qq.com/api/doc/90001/90143/90603</a:t>
+            </a:r>
+            <a:endParaRPr kumimoji="0" lang="zh-CN" altLang="en-US" sz="2000" b="0" i="0" u="none" strike="noStrike" cap="none" spc="0" normalizeH="0" baseline="0" dirty="0" smtClean="0">
+              <a:solidFill>
+                <a:schemeClr val="bg1">
+                  <a:lumMod val="50000"/>
+                </a:schemeClr>
+              </a:solidFill>
+              <a:latin typeface="苹方-简" panose="020B0400000000000000" charset="-122"/>
+              <a:ea typeface="苹方-简" panose="020B0400000000000000" charset="-122"/>
+              <a:cs typeface="苹方-简" panose="020B0400000000000000" charset="-122"/>
+              <a:sym typeface="Times New Roman" panose="02020803070505020304"/>
+            </a:endParaRPr>
+          </a:p>
+          <a:p>
+            <a:pPr marL="0" marR="0" indent="0" algn="l" defTabSz="914400" rtl="0" fontAlgn="auto" latinLnBrk="0" hangingPunct="0">
+              <a:lnSpc>
+                <a:spcPct val="100000"/>
+              </a:lnSpc>
+              <a:spcBef>
+                <a:spcPts val="0"/>
+              </a:spcBef>
+              <a:spcAft>
+                <a:spcPts val="0"/>
+              </a:spcAft>
+              <a:buClrTx/>
+              <a:buSzTx/>
+              <a:buFontTx/>
+              <a:buNone/>
+            </a:pPr>
+            <a:r>
+              <a:rPr kumimoji="0" lang="zh-CN" altLang="en-US" sz="2000" b="0" i="0" u="none" strike="noStrike" cap="none" spc="0" normalizeH="0" baseline="0" dirty="0" smtClean="0">
+                <a:solidFill>
+                  <a:schemeClr val="bg1">
+                    <a:lumMod val="50000"/>
+                  </a:schemeClr>
+                </a:solidFill>
+                <a:latin typeface="苹方-简" panose="020B0400000000000000" charset="-122"/>
+                <a:ea typeface="苹方-简" panose="020B0400000000000000" charset="-122"/>
+                <a:cs typeface="苹方-简" panose="020B0400000000000000" charset="-122"/>
+                <a:sym typeface="Times New Roman" panose="02020803070505020304"/>
+              </a:rPr>
+              <a:t> https://qyapi.weixin.qq.com/cgi-bin/service/get_permanent_code?suite_access_token=SUITE_ACCESS_TOKEN</a:t>
+            </a:r>
+            <a:endParaRPr kumimoji="0" lang="zh-CN" altLang="en-US" sz="2000" b="0" i="0" u="none" strike="noStrike" cap="none" spc="0" normalizeH="0" baseline="0" dirty="0" smtClean="0">
+              <a:solidFill>
+                <a:schemeClr val="bg1">
+                  <a:lumMod val="50000"/>
+                </a:schemeClr>
+              </a:solidFill>
+              <a:latin typeface="苹方-简" panose="020B0400000000000000" charset="-122"/>
+              <a:ea typeface="苹方-简" panose="020B0400000000000000" charset="-122"/>
+              <a:cs typeface="苹方-简" panose="020B0400000000000000" charset="-122"/>
+              <a:sym typeface="Times New Roman" panose="02020803070505020304"/>
+            </a:endParaRPr>
+          </a:p>
+          <a:p>
+            <a:pPr marL="0" marR="0" indent="0" algn="l" defTabSz="914400" rtl="0" fontAlgn="auto" latinLnBrk="0" hangingPunct="0">
+              <a:lnSpc>
+                <a:spcPct val="100000"/>
+              </a:lnSpc>
+              <a:spcBef>
+                <a:spcPts val="0"/>
+              </a:spcBef>
+              <a:spcAft>
+                <a:spcPts val="0"/>
+              </a:spcAft>
+              <a:buClrTx/>
+              <a:buSzTx/>
+              <a:buFontTx/>
+              <a:buNone/>
+            </a:pPr>
+            <a:r>
+              <a:rPr kumimoji="0" lang="zh-CN" altLang="en-US" sz="2000" b="0" i="0" u="none" strike="noStrike" cap="none" spc="0" normalizeH="0" baseline="0" dirty="0" smtClean="0">
+                <a:solidFill>
+                  <a:schemeClr val="bg1">
+                    <a:lumMod val="50000"/>
+                  </a:schemeClr>
+                </a:solidFill>
+                <a:latin typeface="苹方-简" panose="020B0400000000000000" charset="-122"/>
+                <a:ea typeface="苹方-简" panose="020B0400000000000000" charset="-122"/>
+                <a:cs typeface="苹方-简" panose="020B0400000000000000" charset="-122"/>
+                <a:sym typeface="Times New Roman" panose="02020803070505020304"/>
+              </a:rPr>
+              <a:t>{</a:t>
+            </a:r>
+            <a:endParaRPr kumimoji="0" lang="zh-CN" altLang="en-US" sz="2000" b="0" i="0" u="none" strike="noStrike" cap="none" spc="0" normalizeH="0" baseline="0" dirty="0" smtClean="0">
+              <a:solidFill>
+                <a:schemeClr val="bg1">
+                  <a:lumMod val="50000"/>
+                </a:schemeClr>
+              </a:solidFill>
+              <a:latin typeface="苹方-简" panose="020B0400000000000000" charset="-122"/>
+              <a:ea typeface="苹方-简" panose="020B0400000000000000" charset="-122"/>
+              <a:cs typeface="苹方-简" panose="020B0400000000000000" charset="-122"/>
+              <a:sym typeface="Times New Roman" panose="02020803070505020304"/>
+            </a:endParaRPr>
+          </a:p>
+          <a:p>
+            <a:pPr marL="0" marR="0" indent="0" algn="l" defTabSz="914400" rtl="0" fontAlgn="auto" latinLnBrk="0" hangingPunct="0">
+              <a:lnSpc>
+                <a:spcPct val="100000"/>
+              </a:lnSpc>
+              <a:spcBef>
+                <a:spcPts val="0"/>
+              </a:spcBef>
+              <a:spcAft>
+                <a:spcPts val="0"/>
+              </a:spcAft>
+              <a:buClrTx/>
+              <a:buSzTx/>
+              <a:buFontTx/>
+              <a:buNone/>
+            </a:pPr>
+            <a:r>
+              <a:rPr kumimoji="0" lang="zh-CN" altLang="en-US" sz="2000" b="0" i="0" u="none" strike="noStrike" cap="none" spc="0" normalizeH="0" baseline="0" dirty="0" smtClean="0">
+                <a:solidFill>
+                  <a:schemeClr val="bg1">
+                    <a:lumMod val="50000"/>
+                  </a:schemeClr>
+                </a:solidFill>
+                <a:latin typeface="苹方-简" panose="020B0400000000000000" charset="-122"/>
+                <a:ea typeface="苹方-简" panose="020B0400000000000000" charset="-122"/>
+                <a:cs typeface="苹方-简" panose="020B0400000000000000" charset="-122"/>
+                <a:sym typeface="Times New Roman" panose="02020803070505020304"/>
+              </a:rPr>
+              <a:t>    "auth_code": "auth_code_value"</a:t>
+            </a:r>
+            <a:endParaRPr kumimoji="0" lang="zh-CN" altLang="en-US" sz="2000" b="0" i="0" u="none" strike="noStrike" cap="none" spc="0" normalizeH="0" baseline="0" dirty="0" smtClean="0">
+              <a:solidFill>
+                <a:schemeClr val="bg1">
+                  <a:lumMod val="50000"/>
+                </a:schemeClr>
+              </a:solidFill>
+              <a:latin typeface="苹方-简" panose="020B0400000000000000" charset="-122"/>
+              <a:ea typeface="苹方-简" panose="020B0400000000000000" charset="-122"/>
+              <a:cs typeface="苹方-简" panose="020B0400000000000000" charset="-122"/>
+              <a:sym typeface="Times New Roman" panose="02020803070505020304"/>
+            </a:endParaRPr>
+          </a:p>
+          <a:p>
+            <a:pPr marL="0" marR="0" indent="0" algn="l" defTabSz="914400" rtl="0" fontAlgn="auto" latinLnBrk="0" hangingPunct="0">
+              <a:lnSpc>
+                <a:spcPct val="100000"/>
+              </a:lnSpc>
+              <a:spcBef>
+                <a:spcPts val="0"/>
+              </a:spcBef>
+              <a:spcAft>
+                <a:spcPts val="0"/>
+              </a:spcAft>
+              <a:buClrTx/>
+              <a:buSzTx/>
+              <a:buFontTx/>
+              <a:buNone/>
+            </a:pPr>
+            <a:r>
+              <a:rPr kumimoji="0" lang="zh-CN" altLang="en-US" sz="2000" b="0" i="0" u="none" strike="noStrike" cap="none" spc="0" normalizeH="0" baseline="0" dirty="0" smtClean="0">
+                <a:solidFill>
+                  <a:schemeClr val="bg1">
+                    <a:lumMod val="50000"/>
+                  </a:schemeClr>
+                </a:solidFill>
+                <a:latin typeface="苹方-简" panose="020B0400000000000000" charset="-122"/>
+                <a:ea typeface="苹方-简" panose="020B0400000000000000" charset="-122"/>
+                <a:cs typeface="苹方-简" panose="020B0400000000000000" charset="-122"/>
+                <a:sym typeface="Times New Roman" panose="02020803070505020304"/>
+              </a:rPr>
+              <a:t>}</a:t>
+            </a:r>
+            <a:endParaRPr kumimoji="0" lang="zh-CN" altLang="en-US" sz="2000" b="0" i="0" u="none" strike="noStrike" cap="none" spc="0" normalizeH="0" baseline="0" dirty="0" smtClean="0">
+              <a:solidFill>
+                <a:schemeClr val="bg1">
+                  <a:lumMod val="50000"/>
+                </a:schemeClr>
+              </a:solidFill>
+              <a:latin typeface="苹方-简" panose="020B0400000000000000" charset="-122"/>
+              <a:ea typeface="苹方-简" panose="020B0400000000000000" charset="-122"/>
+              <a:cs typeface="苹方-简" panose="020B0400000000000000" charset="-122"/>
+              <a:sym typeface="Times New Roman" panose="02020803070505020304"/>
+            </a:endParaRPr>
+          </a:p>
+          <a:p>
+            <a:pPr marL="0" marR="0" indent="0" algn="l" defTabSz="914400" rtl="0" fontAlgn="auto" latinLnBrk="0" hangingPunct="0">
+              <a:lnSpc>
+                <a:spcPct val="100000"/>
+              </a:lnSpc>
+              <a:spcBef>
+                <a:spcPts val="0"/>
+              </a:spcBef>
+              <a:spcAft>
+                <a:spcPts val="0"/>
+              </a:spcAft>
+              <a:buClrTx/>
+              <a:buSzTx/>
+              <a:buFontTx/>
+              <a:buNone/>
+            </a:pPr>
+            <a:r>
+              <a:rPr kumimoji="0" lang="zh-CN" altLang="en-US" sz="2000" b="0" i="0" u="none" strike="noStrike" cap="none" spc="0" normalizeH="0" baseline="0" dirty="0" smtClean="0">
+                <a:solidFill>
+                  <a:schemeClr val="bg1">
+                    <a:lumMod val="50000"/>
+                  </a:schemeClr>
+                </a:solidFill>
+                <a:latin typeface="苹方-简" panose="020B0400000000000000" charset="-122"/>
+                <a:ea typeface="苹方-简" panose="020B0400000000000000" charset="-122"/>
+                <a:cs typeface="苹方-简" panose="020B0400000000000000" charset="-122"/>
+                <a:sym typeface="Times New Roman" panose="02020803070505020304"/>
+              </a:rPr>
+              <a:t>即AuthCode </a:t>
+            </a:r>
+            <a:r>
+              <a:rPr kumimoji="0" lang="en-US" altLang="zh-CN" sz="2000" b="0" i="0" u="none" strike="noStrike" cap="none" spc="0" normalizeH="0" baseline="0" dirty="0" smtClean="0">
+                <a:solidFill>
+                  <a:schemeClr val="bg1">
+                    <a:lumMod val="50000"/>
+                  </a:schemeClr>
+                </a:solidFill>
+                <a:latin typeface="苹方-简" panose="020B0400000000000000" charset="-122"/>
+                <a:ea typeface="苹方-简" panose="020B0400000000000000" charset="-122"/>
+                <a:cs typeface="苹方-简" panose="020B0400000000000000" charset="-122"/>
+                <a:sym typeface="Times New Roman" panose="02020803070505020304"/>
+              </a:rPr>
+              <a:t>+  SUITE_ACCESS_TOKEN</a:t>
+            </a:r>
+            <a:endParaRPr kumimoji="0" lang="en-US" altLang="zh-CN" sz="2000" b="0" i="0" u="none" strike="noStrike" cap="none" spc="0" normalizeH="0" baseline="0" dirty="0" smtClean="0">
+              <a:solidFill>
+                <a:schemeClr val="bg1">
+                  <a:lumMod val="50000"/>
+                </a:schemeClr>
+              </a:solidFill>
+              <a:latin typeface="苹方-简" panose="020B0400000000000000" charset="-122"/>
+              <a:ea typeface="苹方-简" panose="020B0400000000000000" charset="-122"/>
+              <a:cs typeface="苹方-简" panose="020B0400000000000000" charset="-122"/>
+              <a:sym typeface="Times New Roman" panose="02020803070505020304"/>
+            </a:endParaRPr>
+          </a:p>
+          <a:p>
+            <a:pPr marL="0" marR="0" indent="0" algn="l" defTabSz="914400" rtl="0" fontAlgn="auto" latinLnBrk="0" hangingPunct="0">
+              <a:lnSpc>
+                <a:spcPct val="100000"/>
+              </a:lnSpc>
+              <a:spcBef>
+                <a:spcPts val="0"/>
+              </a:spcBef>
+              <a:spcAft>
+                <a:spcPts val="0"/>
+              </a:spcAft>
+              <a:buClrTx/>
+              <a:buSzTx/>
+              <a:buFontTx/>
+              <a:buNone/>
+            </a:pPr>
+            <a:endParaRPr kumimoji="0" lang="zh-CN" altLang="en-US" sz="2000" b="0" i="0" u="none" strike="noStrike" cap="none" spc="0" normalizeH="0" baseline="0" dirty="0" smtClean="0">
+              <a:solidFill>
+                <a:schemeClr val="bg1">
+                  <a:lumMod val="50000"/>
+                </a:schemeClr>
+              </a:solidFill>
+              <a:latin typeface="苹方-简" panose="020B0400000000000000" charset="-122"/>
+              <a:ea typeface="苹方-简" panose="020B0400000000000000" charset="-122"/>
+              <a:cs typeface="苹方-简" panose="020B0400000000000000" charset="-122"/>
+              <a:sym typeface="Times New Roman" panose="02020803070505020304"/>
+            </a:endParaRPr>
+          </a:p>
+          <a:p>
+            <a:pPr marL="0" marR="0" indent="0" algn="l" defTabSz="914400" rtl="0" fontAlgn="auto" latinLnBrk="0" hangingPunct="0">
+              <a:lnSpc>
+                <a:spcPct val="100000"/>
+              </a:lnSpc>
+              <a:spcBef>
+                <a:spcPts val="0"/>
+              </a:spcBef>
+              <a:spcAft>
+                <a:spcPts val="0"/>
+              </a:spcAft>
+              <a:buClrTx/>
+              <a:buSzTx/>
+              <a:buFontTx/>
+              <a:buNone/>
+            </a:pPr>
+            <a:r>
+              <a:rPr lang="zh-CN" altLang="en-US" sz="2000" dirty="0" smtClean="0">
+                <a:solidFill>
+                  <a:schemeClr val="bg1">
+                    <a:lumMod val="50000"/>
+                  </a:schemeClr>
+                </a:solidFill>
+                <a:latin typeface="苹方-简" panose="020B0400000000000000" charset="-122"/>
+                <a:ea typeface="苹方-简" panose="020B0400000000000000" charset="-122"/>
+                <a:cs typeface="苹方-简" panose="020B0400000000000000" charset="-122"/>
+                <a:sym typeface="Times New Roman" panose="02020803070505020304"/>
+              </a:rPr>
+              <a:t>二</a:t>
+            </a:r>
+            <a:r>
+              <a:rPr lang="en-US" altLang="zh-CN" sz="2000" dirty="0" smtClean="0">
+                <a:solidFill>
+                  <a:schemeClr val="bg1">
+                    <a:lumMod val="50000"/>
+                  </a:schemeClr>
+                </a:solidFill>
+                <a:latin typeface="苹方-简" panose="020B0400000000000000" charset="-122"/>
+                <a:ea typeface="苹方-简" panose="020B0400000000000000" charset="-122"/>
+                <a:cs typeface="苹方-简" panose="020B0400000000000000" charset="-122"/>
+                <a:sym typeface="Times New Roman" panose="02020803070505020304"/>
+              </a:rPr>
+              <a:t>,</a:t>
+            </a:r>
+            <a:r>
+              <a:rPr lang="zh-CN" altLang="en-US" sz="2000" dirty="0" smtClean="0">
+                <a:solidFill>
+                  <a:schemeClr val="bg1">
+                    <a:lumMod val="50000"/>
+                  </a:schemeClr>
+                </a:solidFill>
+                <a:latin typeface="苹方-简" panose="020B0400000000000000" charset="-122"/>
+                <a:ea typeface="苹方-简" panose="020B0400000000000000" charset="-122"/>
+                <a:cs typeface="苹方-简" panose="020B0400000000000000" charset="-122"/>
+                <a:sym typeface="Times New Roman" panose="02020803070505020304"/>
+              </a:rPr>
+              <a:t>需要获取</a:t>
+            </a:r>
+            <a:r>
+              <a:rPr lang="en-US" altLang="zh-CN" sz="2000" dirty="0" smtClean="0">
+                <a:solidFill>
+                  <a:schemeClr val="bg1">
+                    <a:lumMod val="50000"/>
+                  </a:schemeClr>
+                </a:solidFill>
+                <a:latin typeface="苹方-简" panose="020B0400000000000000" charset="-122"/>
+                <a:ea typeface="苹方-简" panose="020B0400000000000000" charset="-122"/>
+                <a:cs typeface="苹方-简" panose="020B0400000000000000" charset="-122"/>
+                <a:sym typeface="Times New Roman" panose="02020803070505020304"/>
+              </a:rPr>
+              <a:t>SUITE_ACCESS_TOKEN </a:t>
+            </a:r>
+            <a:r>
+              <a:rPr lang="zh-CN" altLang="en-US" sz="2000" dirty="0" smtClean="0">
+                <a:solidFill>
+                  <a:schemeClr val="bg1">
+                    <a:lumMod val="50000"/>
+                  </a:schemeClr>
+                </a:solidFill>
+                <a:latin typeface="苹方-简" panose="020B0400000000000000" charset="-122"/>
+                <a:ea typeface="苹方-简" panose="020B0400000000000000" charset="-122"/>
+                <a:cs typeface="苹方-简" panose="020B0400000000000000" charset="-122"/>
+                <a:sym typeface="Times New Roman" panose="02020803070505020304"/>
+              </a:rPr>
+              <a:t>suite</a:t>
+            </a:r>
+            <a:r>
+              <a:rPr lang="en-US" altLang="zh-CN" sz="2000" dirty="0" smtClean="0">
+                <a:solidFill>
+                  <a:schemeClr val="bg1">
+                    <a:lumMod val="50000"/>
+                  </a:schemeClr>
+                </a:solidFill>
+                <a:latin typeface="苹方-简" panose="020B0400000000000000" charset="-122"/>
+                <a:ea typeface="苹方-简" panose="020B0400000000000000" charset="-122"/>
+                <a:cs typeface="苹方-简" panose="020B0400000000000000" charset="-122"/>
+                <a:sym typeface="Times New Roman" panose="02020803070505020304"/>
+              </a:rPr>
+              <a:t>_id</a:t>
+            </a:r>
+            <a:r>
+              <a:rPr lang="zh-CN" altLang="en-US" sz="2000" dirty="0" smtClean="0">
+                <a:solidFill>
+                  <a:schemeClr val="bg1">
+                    <a:lumMod val="50000"/>
+                  </a:schemeClr>
+                </a:solidFill>
+                <a:latin typeface="苹方-简" panose="020B0400000000000000" charset="-122"/>
+                <a:ea typeface="苹方-简" panose="020B0400000000000000" charset="-122"/>
+                <a:cs typeface="苹方-简" panose="020B0400000000000000" charset="-122"/>
+                <a:sym typeface="Times New Roman" panose="02020803070505020304"/>
+              </a:rPr>
+              <a:t>与suite</a:t>
+            </a:r>
+            <a:r>
+              <a:rPr lang="en-US" altLang="zh-CN" sz="2000" dirty="0" smtClean="0">
+                <a:solidFill>
+                  <a:schemeClr val="bg1">
+                    <a:lumMod val="50000"/>
+                  </a:schemeClr>
+                </a:solidFill>
+                <a:latin typeface="苹方-简" panose="020B0400000000000000" charset="-122"/>
+                <a:ea typeface="苹方-简" panose="020B0400000000000000" charset="-122"/>
+                <a:cs typeface="苹方-简" panose="020B0400000000000000" charset="-122"/>
+                <a:sym typeface="Times New Roman" panose="02020803070505020304"/>
+              </a:rPr>
+              <a:t>_secret</a:t>
+            </a:r>
+            <a:r>
+              <a:rPr lang="zh-CN" altLang="en-US" sz="2000" dirty="0" smtClean="0">
+                <a:solidFill>
+                  <a:schemeClr val="bg1">
+                    <a:lumMod val="50000"/>
+                  </a:schemeClr>
+                </a:solidFill>
+                <a:latin typeface="苹方-简" panose="020B0400000000000000" charset="-122"/>
+                <a:ea typeface="苹方-简" panose="020B0400000000000000" charset="-122"/>
+                <a:cs typeface="苹方-简" panose="020B0400000000000000" charset="-122"/>
+                <a:sym typeface="Times New Roman" panose="02020803070505020304"/>
+              </a:rPr>
+              <a:t>就是模板的</a:t>
+            </a:r>
+            <a:r>
+              <a:rPr lang="en-US" altLang="zh-CN" sz="2000" dirty="0" smtClean="0">
+                <a:solidFill>
+                  <a:schemeClr val="bg1">
+                    <a:lumMod val="50000"/>
+                  </a:schemeClr>
+                </a:solidFill>
+                <a:latin typeface="苹方-简" panose="020B0400000000000000" charset="-122"/>
+                <a:ea typeface="苹方-简" panose="020B0400000000000000" charset="-122"/>
+                <a:cs typeface="苹方-简" panose="020B0400000000000000" charset="-122"/>
+                <a:sym typeface="Times New Roman" panose="02020803070505020304"/>
+              </a:rPr>
+              <a:t>id</a:t>
+            </a:r>
+            <a:r>
+              <a:rPr lang="zh-CN" altLang="en-US" sz="2000" dirty="0" smtClean="0">
+                <a:solidFill>
+                  <a:schemeClr val="bg1">
+                    <a:lumMod val="50000"/>
+                  </a:schemeClr>
+                </a:solidFill>
+                <a:latin typeface="苹方-简" panose="020B0400000000000000" charset="-122"/>
+                <a:ea typeface="苹方-简" panose="020B0400000000000000" charset="-122"/>
+                <a:cs typeface="苹方-简" panose="020B0400000000000000" charset="-122"/>
+                <a:sym typeface="Times New Roman" panose="02020803070505020304"/>
+              </a:rPr>
+              <a:t>与</a:t>
+            </a:r>
+            <a:r>
+              <a:rPr lang="en-US" altLang="zh-CN" sz="2000" dirty="0" smtClean="0">
+                <a:solidFill>
+                  <a:schemeClr val="bg1">
+                    <a:lumMod val="50000"/>
+                  </a:schemeClr>
+                </a:solidFill>
+                <a:latin typeface="苹方-简" panose="020B0400000000000000" charset="-122"/>
+                <a:ea typeface="苹方-简" panose="020B0400000000000000" charset="-122"/>
+                <a:cs typeface="苹方-简" panose="020B0400000000000000" charset="-122"/>
+                <a:sym typeface="Times New Roman" panose="02020803070505020304"/>
+              </a:rPr>
+              <a:t>secret</a:t>
+            </a:r>
+            <a:endParaRPr kumimoji="0" lang="zh-CN" altLang="en-US" sz="2000" b="0" i="0" u="none" strike="noStrike" cap="none" spc="0" normalizeH="0" baseline="0" dirty="0" smtClean="0">
+              <a:solidFill>
+                <a:schemeClr val="bg1">
+                  <a:lumMod val="50000"/>
+                </a:schemeClr>
+              </a:solidFill>
+              <a:latin typeface="苹方-简" panose="020B0400000000000000" charset="-122"/>
+              <a:ea typeface="苹方-简" panose="020B0400000000000000" charset="-122"/>
+              <a:cs typeface="苹方-简" panose="020B0400000000000000" charset="-122"/>
+              <a:sym typeface="Times New Roman" panose="02020803070505020304"/>
+            </a:endParaRPr>
+          </a:p>
+          <a:p>
+            <a:pPr marL="0" marR="0" indent="0" algn="l" defTabSz="914400" rtl="0" fontAlgn="auto" latinLnBrk="0" hangingPunct="0">
+              <a:lnSpc>
+                <a:spcPct val="100000"/>
+              </a:lnSpc>
+              <a:spcBef>
+                <a:spcPts val="0"/>
+              </a:spcBef>
+              <a:spcAft>
+                <a:spcPts val="0"/>
+              </a:spcAft>
+              <a:buClrTx/>
+              <a:buSzTx/>
+              <a:buFontTx/>
+              <a:buNone/>
+            </a:pPr>
+            <a:r>
+              <a:rPr kumimoji="0" lang="zh-CN" altLang="en-US" sz="2000" b="0" i="0" u="none" strike="noStrike" cap="none" spc="0" normalizeH="0" baseline="0" dirty="0" smtClean="0">
+                <a:solidFill>
+                  <a:schemeClr val="bg1">
+                    <a:lumMod val="50000"/>
+                  </a:schemeClr>
+                </a:solidFill>
+                <a:latin typeface="苹方-简" panose="020B0400000000000000" charset="-122"/>
+                <a:ea typeface="苹方-简" panose="020B0400000000000000" charset="-122"/>
+                <a:cs typeface="苹方-简" panose="020B0400000000000000" charset="-122"/>
+                <a:sym typeface="Times New Roman" panose="02020803070505020304"/>
+              </a:rPr>
+              <a:t>https://open.work.weixin.qq.com/api/doc/90001/90143/90600</a:t>
+            </a:r>
+            <a:endParaRPr kumimoji="0" lang="zh-CN" altLang="en-US" sz="2000" b="0" i="0" u="none" strike="noStrike" cap="none" spc="0" normalizeH="0" baseline="0" dirty="0" smtClean="0">
+              <a:solidFill>
+                <a:schemeClr val="bg1">
+                  <a:lumMod val="50000"/>
+                </a:schemeClr>
+              </a:solidFill>
+              <a:latin typeface="苹方-简" panose="020B0400000000000000" charset="-122"/>
+              <a:ea typeface="苹方-简" panose="020B0400000000000000" charset="-122"/>
+              <a:cs typeface="苹方-简" panose="020B0400000000000000" charset="-122"/>
+              <a:sym typeface="Times New Roman" panose="02020803070505020304"/>
+            </a:endParaRPr>
+          </a:p>
+          <a:p>
+            <a:pPr marL="0" marR="0" indent="0" algn="l" defTabSz="914400" rtl="0" fontAlgn="auto" latinLnBrk="0" hangingPunct="0">
+              <a:lnSpc>
+                <a:spcPct val="100000"/>
+              </a:lnSpc>
+              <a:spcBef>
+                <a:spcPts val="0"/>
+              </a:spcBef>
+              <a:spcAft>
+                <a:spcPts val="0"/>
+              </a:spcAft>
+              <a:buClrTx/>
+              <a:buSzTx/>
+              <a:buFontTx/>
+              <a:buNone/>
+            </a:pPr>
+            <a:r>
+              <a:rPr kumimoji="0" lang="zh-CN" altLang="en-US" sz="2000" b="0" i="0" u="none" strike="noStrike" cap="none" spc="0" normalizeH="0" baseline="0" dirty="0" smtClean="0">
+                <a:solidFill>
+                  <a:schemeClr val="bg1">
+                    <a:lumMod val="50000"/>
+                  </a:schemeClr>
+                </a:solidFill>
+                <a:latin typeface="苹方-简" panose="020B0400000000000000" charset="-122"/>
+                <a:ea typeface="苹方-简" panose="020B0400000000000000" charset="-122"/>
+                <a:cs typeface="苹方-简" panose="020B0400000000000000" charset="-122"/>
+                <a:sym typeface="Times New Roman" panose="02020803070505020304"/>
+              </a:rPr>
+              <a:t> https://qyapi.weixin.qq.com/cgi-bin/service/get_suite_token</a:t>
+            </a:r>
+            <a:endParaRPr kumimoji="0" lang="zh-CN" altLang="en-US" sz="2000" b="0" i="0" u="none" strike="noStrike" cap="none" spc="0" normalizeH="0" baseline="0" dirty="0" smtClean="0">
+              <a:solidFill>
+                <a:schemeClr val="bg1">
+                  <a:lumMod val="50000"/>
+                </a:schemeClr>
+              </a:solidFill>
+              <a:latin typeface="苹方-简" panose="020B0400000000000000" charset="-122"/>
+              <a:ea typeface="苹方-简" panose="020B0400000000000000" charset="-122"/>
+              <a:cs typeface="苹方-简" panose="020B0400000000000000" charset="-122"/>
+              <a:sym typeface="Times New Roman" panose="02020803070505020304"/>
+            </a:endParaRPr>
+          </a:p>
+          <a:p>
+            <a:pPr marL="0" marR="0" indent="0" algn="l" defTabSz="914400" rtl="0" fontAlgn="auto" latinLnBrk="0" hangingPunct="0">
+              <a:lnSpc>
+                <a:spcPct val="100000"/>
+              </a:lnSpc>
+              <a:spcBef>
+                <a:spcPts val="0"/>
+              </a:spcBef>
+              <a:spcAft>
+                <a:spcPts val="0"/>
+              </a:spcAft>
+              <a:buClrTx/>
+              <a:buSzTx/>
+              <a:buFontTx/>
+              <a:buNone/>
+            </a:pPr>
+            <a:r>
+              <a:rPr kumimoji="0" lang="zh-CN" altLang="en-US" sz="2000" b="0" i="0" u="none" strike="noStrike" cap="none" spc="0" normalizeH="0" baseline="0" dirty="0" smtClean="0">
+                <a:solidFill>
+                  <a:schemeClr val="bg1">
+                    <a:lumMod val="50000"/>
+                  </a:schemeClr>
+                </a:solidFill>
+                <a:latin typeface="苹方-简" panose="020B0400000000000000" charset="-122"/>
+                <a:ea typeface="苹方-简" panose="020B0400000000000000" charset="-122"/>
+                <a:cs typeface="苹方-简" panose="020B0400000000000000" charset="-122"/>
+                <a:sym typeface="Times New Roman" panose="02020803070505020304"/>
+              </a:rPr>
+              <a:t>{</a:t>
+            </a:r>
+            <a:endParaRPr kumimoji="0" lang="zh-CN" altLang="en-US" sz="2000" b="0" i="0" u="none" strike="noStrike" cap="none" spc="0" normalizeH="0" baseline="0" dirty="0" smtClean="0">
+              <a:solidFill>
+                <a:schemeClr val="bg1">
+                  <a:lumMod val="50000"/>
+                </a:schemeClr>
+              </a:solidFill>
+              <a:latin typeface="苹方-简" panose="020B0400000000000000" charset="-122"/>
+              <a:ea typeface="苹方-简" panose="020B0400000000000000" charset="-122"/>
+              <a:cs typeface="苹方-简" panose="020B0400000000000000" charset="-122"/>
+              <a:sym typeface="Times New Roman" panose="02020803070505020304"/>
+            </a:endParaRPr>
+          </a:p>
+          <a:p>
+            <a:pPr marL="0" marR="0" indent="0" algn="l" defTabSz="914400" rtl="0" fontAlgn="auto" latinLnBrk="0" hangingPunct="0">
+              <a:lnSpc>
+                <a:spcPct val="100000"/>
+              </a:lnSpc>
+              <a:spcBef>
+                <a:spcPts val="0"/>
+              </a:spcBef>
+              <a:spcAft>
+                <a:spcPts val="0"/>
+              </a:spcAft>
+              <a:buClrTx/>
+              <a:buSzTx/>
+              <a:buFontTx/>
+              <a:buNone/>
+            </a:pPr>
+            <a:r>
+              <a:rPr kumimoji="0" lang="zh-CN" altLang="en-US" sz="2000" b="0" i="0" u="none" strike="noStrike" cap="none" spc="0" normalizeH="0" baseline="0" dirty="0" smtClean="0">
+                <a:solidFill>
+                  <a:schemeClr val="bg1">
+                    <a:lumMod val="50000"/>
+                  </a:schemeClr>
+                </a:solidFill>
+                <a:latin typeface="苹方-简" panose="020B0400000000000000" charset="-122"/>
+                <a:ea typeface="苹方-简" panose="020B0400000000000000" charset="-122"/>
+                <a:cs typeface="苹方-简" panose="020B0400000000000000" charset="-122"/>
+                <a:sym typeface="Times New Roman" panose="02020803070505020304"/>
+              </a:rPr>
+              <a:t>    "suite_id":"wwddddccc7775555aaa" ,</a:t>
+            </a:r>
+            <a:endParaRPr kumimoji="0" lang="zh-CN" altLang="en-US" sz="2000" b="0" i="0" u="none" strike="noStrike" cap="none" spc="0" normalizeH="0" baseline="0" dirty="0" smtClean="0">
+              <a:solidFill>
+                <a:schemeClr val="bg1">
+                  <a:lumMod val="50000"/>
+                </a:schemeClr>
+              </a:solidFill>
+              <a:latin typeface="苹方-简" panose="020B0400000000000000" charset="-122"/>
+              <a:ea typeface="苹方-简" panose="020B0400000000000000" charset="-122"/>
+              <a:cs typeface="苹方-简" panose="020B0400000000000000" charset="-122"/>
+              <a:sym typeface="Times New Roman" panose="02020803070505020304"/>
+            </a:endParaRPr>
+          </a:p>
+          <a:p>
+            <a:pPr marL="0" marR="0" indent="0" algn="l" defTabSz="914400" rtl="0" fontAlgn="auto" latinLnBrk="0" hangingPunct="0">
+              <a:lnSpc>
+                <a:spcPct val="100000"/>
+              </a:lnSpc>
+              <a:spcBef>
+                <a:spcPts val="0"/>
+              </a:spcBef>
+              <a:spcAft>
+                <a:spcPts val="0"/>
+              </a:spcAft>
+              <a:buClrTx/>
+              <a:buSzTx/>
+              <a:buFontTx/>
+              <a:buNone/>
+            </a:pPr>
+            <a:r>
+              <a:rPr kumimoji="0" lang="zh-CN" altLang="en-US" sz="2000" b="0" i="0" u="none" strike="noStrike" cap="none" spc="0" normalizeH="0" baseline="0" dirty="0" smtClean="0">
+                <a:solidFill>
+                  <a:schemeClr val="bg1">
+                    <a:lumMod val="50000"/>
+                  </a:schemeClr>
+                </a:solidFill>
+                <a:latin typeface="苹方-简" panose="020B0400000000000000" charset="-122"/>
+                <a:ea typeface="苹方-简" panose="020B0400000000000000" charset="-122"/>
+                <a:cs typeface="苹方-简" panose="020B0400000000000000" charset="-122"/>
+                <a:sym typeface="Times New Roman" panose="02020803070505020304"/>
+              </a:rPr>
+              <a:t>    "suite_secret": "ldAE_H9anCRN21GKXVfdAAAAAAAAAAAAAAAAAA", </a:t>
+            </a:r>
+            <a:endParaRPr kumimoji="0" lang="zh-CN" altLang="en-US" sz="2000" b="0" i="0" u="none" strike="noStrike" cap="none" spc="0" normalizeH="0" baseline="0" dirty="0" smtClean="0">
+              <a:solidFill>
+                <a:schemeClr val="bg1">
+                  <a:lumMod val="50000"/>
+                </a:schemeClr>
+              </a:solidFill>
+              <a:latin typeface="苹方-简" panose="020B0400000000000000" charset="-122"/>
+              <a:ea typeface="苹方-简" panose="020B0400000000000000" charset="-122"/>
+              <a:cs typeface="苹方-简" panose="020B0400000000000000" charset="-122"/>
+              <a:sym typeface="Times New Roman" panose="02020803070505020304"/>
+            </a:endParaRPr>
+          </a:p>
+          <a:p>
+            <a:pPr marL="0" marR="0" indent="0" algn="l" defTabSz="914400" rtl="0" fontAlgn="auto" latinLnBrk="0" hangingPunct="0">
+              <a:lnSpc>
+                <a:spcPct val="100000"/>
+              </a:lnSpc>
+              <a:spcBef>
+                <a:spcPts val="0"/>
+              </a:spcBef>
+              <a:spcAft>
+                <a:spcPts val="0"/>
+              </a:spcAft>
+              <a:buClrTx/>
+              <a:buSzTx/>
+              <a:buFontTx/>
+              <a:buNone/>
+            </a:pPr>
+            <a:r>
+              <a:rPr kumimoji="0" lang="zh-CN" altLang="en-US" sz="2000" b="0" i="0" u="none" strike="noStrike" cap="none" spc="0" normalizeH="0" baseline="0" dirty="0" smtClean="0">
+                <a:solidFill>
+                  <a:schemeClr val="bg1">
+                    <a:lumMod val="50000"/>
+                  </a:schemeClr>
+                </a:solidFill>
+                <a:latin typeface="苹方-简" panose="020B0400000000000000" charset="-122"/>
+                <a:ea typeface="苹方-简" panose="020B0400000000000000" charset="-122"/>
+                <a:cs typeface="苹方-简" panose="020B0400000000000000" charset="-122"/>
+                <a:sym typeface="Times New Roman" panose="02020803070505020304"/>
+              </a:rPr>
+              <a:t>    "suite_ticket": "Cfp0_givEagXcYJIztF6sfbdmIZCmpaR8ZBsvJEFFNBrWmnD5-CGYJ3_NhYexMyw" </a:t>
+            </a:r>
+            <a:endParaRPr kumimoji="0" lang="zh-CN" altLang="en-US" sz="2000" b="0" i="0" u="none" strike="noStrike" cap="none" spc="0" normalizeH="0" baseline="0" dirty="0" smtClean="0">
+              <a:solidFill>
+                <a:schemeClr val="bg1">
+                  <a:lumMod val="50000"/>
+                </a:schemeClr>
+              </a:solidFill>
+              <a:latin typeface="苹方-简" panose="020B0400000000000000" charset="-122"/>
+              <a:ea typeface="苹方-简" panose="020B0400000000000000" charset="-122"/>
+              <a:cs typeface="苹方-简" panose="020B0400000000000000" charset="-122"/>
+              <a:sym typeface="Times New Roman" panose="02020803070505020304"/>
+            </a:endParaRPr>
+          </a:p>
+          <a:p>
+            <a:pPr marL="0" marR="0" indent="0" algn="l" defTabSz="914400" rtl="0" fontAlgn="auto" latinLnBrk="0" hangingPunct="0">
+              <a:lnSpc>
+                <a:spcPct val="100000"/>
+              </a:lnSpc>
+              <a:spcBef>
+                <a:spcPts val="0"/>
+              </a:spcBef>
+              <a:spcAft>
+                <a:spcPts val="0"/>
+              </a:spcAft>
+              <a:buClrTx/>
+              <a:buSzTx/>
+              <a:buFontTx/>
+              <a:buNone/>
+            </a:pPr>
+            <a:r>
+              <a:rPr kumimoji="0" lang="zh-CN" altLang="en-US" sz="2000" b="0" i="0" u="none" strike="noStrike" cap="none" spc="0" normalizeH="0" baseline="0" dirty="0" smtClean="0">
+                <a:solidFill>
+                  <a:schemeClr val="bg1">
+                    <a:lumMod val="50000"/>
+                  </a:schemeClr>
+                </a:solidFill>
+                <a:latin typeface="苹方-简" panose="020B0400000000000000" charset="-122"/>
+                <a:ea typeface="苹方-简" panose="020B0400000000000000" charset="-122"/>
+                <a:cs typeface="苹方-简" panose="020B0400000000000000" charset="-122"/>
+                <a:sym typeface="Times New Roman" panose="02020803070505020304"/>
+              </a:rPr>
+              <a:t>}</a:t>
+            </a:r>
+            <a:endParaRPr kumimoji="0" lang="zh-CN" altLang="en-US" sz="2000" b="0" i="0" u="none" strike="noStrike" cap="none" spc="0" normalizeH="0" baseline="0" dirty="0" smtClean="0">
+              <a:solidFill>
+                <a:schemeClr val="bg1">
+                  <a:lumMod val="50000"/>
+                </a:schemeClr>
+              </a:solidFill>
+              <a:latin typeface="苹方-简" panose="020B0400000000000000" charset="-122"/>
+              <a:ea typeface="苹方-简" panose="020B0400000000000000" charset="-122"/>
+              <a:cs typeface="苹方-简" panose="020B0400000000000000" charset="-122"/>
+              <a:sym typeface="Times New Roman" panose="02020803070505020304"/>
+            </a:endParaRPr>
+          </a:p>
+          <a:p>
+            <a:pPr marL="0" marR="0" indent="0" algn="l" defTabSz="914400" rtl="0" fontAlgn="auto" latinLnBrk="0" hangingPunct="0">
+              <a:lnSpc>
+                <a:spcPct val="100000"/>
+              </a:lnSpc>
+              <a:spcBef>
+                <a:spcPts val="0"/>
+              </a:spcBef>
+              <a:spcAft>
+                <a:spcPts val="0"/>
+              </a:spcAft>
+              <a:buClrTx/>
+              <a:buSzTx/>
+              <a:buFontTx/>
+              <a:buNone/>
+            </a:pPr>
+            <a:endParaRPr kumimoji="0" lang="zh-CN" altLang="en-US" sz="2000" b="0" i="0" u="none" strike="noStrike" cap="none" spc="0" normalizeH="0" baseline="0" dirty="0" smtClean="0">
+              <a:solidFill>
+                <a:schemeClr val="bg1">
+                  <a:lumMod val="50000"/>
+                </a:schemeClr>
+              </a:solidFill>
+              <a:latin typeface="苹方-简" panose="020B0400000000000000" charset="-122"/>
+              <a:ea typeface="苹方-简" panose="020B0400000000000000" charset="-122"/>
+              <a:cs typeface="苹方-简" panose="020B0400000000000000" charset="-122"/>
+              <a:sym typeface="Times New Roman" panose="02020803070505020304"/>
+            </a:endParaRPr>
+          </a:p>
+          <a:p>
+            <a:pPr marL="0" marR="0" indent="0" algn="l" defTabSz="914400" rtl="0" fontAlgn="auto" latinLnBrk="0" hangingPunct="0">
+              <a:lnSpc>
+                <a:spcPct val="100000"/>
+              </a:lnSpc>
+              <a:spcBef>
+                <a:spcPts val="0"/>
+              </a:spcBef>
+              <a:spcAft>
+                <a:spcPts val="0"/>
+              </a:spcAft>
+              <a:buClrTx/>
+              <a:buSzTx/>
+              <a:buFontTx/>
+              <a:buNone/>
+            </a:pPr>
+            <a:endParaRPr kumimoji="0" lang="zh-CN" altLang="en-US" sz="2000" b="0" i="0" u="none" strike="noStrike" cap="none" spc="0" normalizeH="0" baseline="0" dirty="0" smtClean="0">
+              <a:solidFill>
+                <a:schemeClr val="bg1">
+                  <a:lumMod val="50000"/>
+                </a:schemeClr>
+              </a:solidFill>
+              <a:latin typeface="苹方-简" panose="020B0400000000000000" charset="-122"/>
+              <a:ea typeface="苹方-简" panose="020B0400000000000000" charset="-122"/>
+              <a:cs typeface="苹方-简" panose="020B0400000000000000" charset="-122"/>
+              <a:sym typeface="Times New Roman" panose="02020803070505020304"/>
+            </a:endParaRPr>
+          </a:p>
+          <a:p>
+            <a:pPr marL="0" marR="0" indent="0" algn="l" defTabSz="914400" rtl="0" fontAlgn="auto" latinLnBrk="0" hangingPunct="0">
+              <a:lnSpc>
+                <a:spcPct val="100000"/>
+              </a:lnSpc>
+              <a:spcBef>
+                <a:spcPts val="0"/>
+              </a:spcBef>
+              <a:spcAft>
+                <a:spcPts val="0"/>
+              </a:spcAft>
+              <a:buClrTx/>
+              <a:buSzTx/>
+              <a:buFontTx/>
+              <a:buNone/>
+            </a:pPr>
+            <a:endParaRPr kumimoji="0" lang="zh-CN" altLang="en-US" sz="2000" b="0" i="0" u="none" strike="noStrike" cap="none" spc="0" normalizeH="0" baseline="0" dirty="0" smtClean="0">
+              <a:solidFill>
+                <a:schemeClr val="bg1">
+                  <a:lumMod val="50000"/>
+                </a:schemeClr>
+              </a:solidFill>
+              <a:latin typeface="苹方-简" panose="020B0400000000000000" charset="-122"/>
+              <a:ea typeface="苹方-简" panose="020B0400000000000000" charset="-122"/>
+              <a:cs typeface="苹方-简" panose="020B0400000000000000" charset="-122"/>
+              <a:sym typeface="Times New Roman" panose="02020803070505020304"/>
+            </a:endParaRPr>
+          </a:p>
+        </p:txBody>
+      </p:sp>
+    </p:spTree>
+  </p:cSld>
+  <p:clrMapOvr>
+    <a:masterClrMapping/>
+  </p:clrMapOvr>
+  <p:transition spd="med"/>
+</p:sld>
+</file>
+
+<file path=ppt/slides/slide7.xml><?xml version="1.0" encoding="utf-8"?>
+<p:sld xmlns:a="http://schemas.openxmlformats.org/drawingml/2006/main" xmlns:r="http://schemas.openxmlformats.org/officeDocument/2006/relationships" xmlns:p="http://schemas.openxmlformats.org/presentationml/2006/main">
+  <p:cSld>
+    <p:spTree>
+      <p:nvGrpSpPr>
+        <p:cNvPr id="1" name=""/>
+        <p:cNvGrpSpPr/>
+        <p:nvPr/>
+      </p:nvGrpSpPr>
+      <p:grpSpPr/>
+      <p:sp>
+        <p:nvSpPr>
+          <p:cNvPr id="2" name="文本框 1"/>
+          <p:cNvSpPr txBox="1"/>
+          <p:nvPr/>
+        </p:nvSpPr>
+        <p:spPr>
+          <a:xfrm>
+            <a:off x="482600" y="411480"/>
+            <a:ext cx="11515090" cy="6553200"/>
+          </a:xfrm>
+          <a:prstGeom prst="rect">
+            <a:avLst/>
+          </a:prstGeom>
+          <a:noFill/>
+          <a:ln w="12700" cap="flat">
+            <a:noFill/>
+            <a:miter lim="400000"/>
+          </a:ln>
+        </p:spPr>
+        <p:style>
+          <a:lnRef idx="0">
+            <a:scrgbClr r="0" g="0" b="0"/>
+          </a:lnRef>
+          <a:fillRef idx="0">
+            <a:scrgbClr r="0" g="0" b="0"/>
+          </a:fillRef>
+          <a:effectRef idx="0">
+            <a:scrgbClr r="0" g="0" b="0"/>
+          </a:effectRef>
+          <a:fontRef idx="none"/>
+        </p:style>
+        <p:txBody>
+          <a:bodyPr rot="0" vertOverflow="overflow" horzOverflow="overflow" vert="horz" wrap="square" lIns="45719" tIns="45719" rIns="45719" bIns="45719" numCol="1" spcCol="38100" rtlCol="0" anchor="t" forceAA="0">
+            <a:spAutoFit/>
+          </a:bodyPr>
+          <a:p>
+            <a:pPr marL="0" marR="0" indent="0" algn="l" defTabSz="914400" rtl="0" fontAlgn="auto" latinLnBrk="0" hangingPunct="0">
+              <a:lnSpc>
+                <a:spcPct val="100000"/>
+              </a:lnSpc>
+              <a:spcBef>
+                <a:spcPts val="0"/>
+              </a:spcBef>
+              <a:spcAft>
+                <a:spcPts val="0"/>
+              </a:spcAft>
+              <a:buClrTx/>
+              <a:buSzTx/>
+              <a:buFontTx/>
+              <a:buNone/>
+            </a:pPr>
+            <a:r>
+              <a:rPr kumimoji="0" lang="zh-CN" altLang="en-US" sz="2000" b="0" i="0" u="none" strike="noStrike" cap="none" spc="0" normalizeH="0" baseline="0" dirty="0" smtClean="0">
+                <a:solidFill>
+                  <a:schemeClr val="bg1">
+                    <a:lumMod val="50000"/>
+                  </a:schemeClr>
+                </a:solidFill>
+                <a:latin typeface="苹方-简" panose="020B0400000000000000" charset="-122"/>
+                <a:ea typeface="苹方-简" panose="020B0400000000000000" charset="-122"/>
+                <a:cs typeface="苹方-简" panose="020B0400000000000000" charset="-122"/>
+                <a:sym typeface="Times New Roman" panose="02020803070505020304"/>
+              </a:rPr>
+              <a:t> 一  需要获取</a:t>
+            </a:r>
+            <a:r>
+              <a:rPr lang="zh-CN" altLang="en-US" sz="2000" dirty="0" smtClean="0">
+                <a:solidFill>
+                  <a:schemeClr val="bg1">
+                    <a:lumMod val="50000"/>
+                  </a:schemeClr>
+                </a:solidFill>
+                <a:latin typeface="苹方-简" panose="020B0400000000000000" charset="-122"/>
+                <a:ea typeface="苹方-简" panose="020B0400000000000000" charset="-122"/>
+                <a:cs typeface="苹方-简" panose="020B0400000000000000" charset="-122"/>
+                <a:sym typeface="Times New Roman" panose="02020803070505020304"/>
+              </a:rPr>
+              <a:t>suite_ticket</a:t>
+            </a:r>
+            <a:endParaRPr lang="zh-CN" altLang="en-US" sz="2000" dirty="0" smtClean="0">
+              <a:solidFill>
+                <a:schemeClr val="bg1">
+                  <a:lumMod val="50000"/>
+                </a:schemeClr>
+              </a:solidFill>
+              <a:latin typeface="苹方-简" panose="020B0400000000000000" charset="-122"/>
+              <a:ea typeface="苹方-简" panose="020B0400000000000000" charset="-122"/>
+              <a:cs typeface="苹方-简" panose="020B0400000000000000" charset="-122"/>
+              <a:sym typeface="Times New Roman" panose="02020803070505020304"/>
+            </a:endParaRPr>
+          </a:p>
+          <a:p>
+            <a:pPr marL="0" marR="0" indent="0" algn="l" defTabSz="914400" rtl="0" fontAlgn="auto" latinLnBrk="0" hangingPunct="0">
+              <a:lnSpc>
+                <a:spcPct val="100000"/>
+              </a:lnSpc>
+              <a:spcBef>
+                <a:spcPts val="0"/>
+              </a:spcBef>
+              <a:spcAft>
+                <a:spcPts val="0"/>
+              </a:spcAft>
+              <a:buClrTx/>
+              <a:buSzTx/>
+              <a:buFontTx/>
+              <a:buNone/>
+            </a:pPr>
+            <a:r>
+              <a:rPr kumimoji="0" lang="zh-CN" altLang="en-US" sz="2000" b="0" i="0" u="none" strike="noStrike" cap="none" spc="0" normalizeH="0" baseline="0" dirty="0" smtClean="0">
+                <a:solidFill>
+                  <a:schemeClr val="bg1">
+                    <a:lumMod val="50000"/>
+                  </a:schemeClr>
+                </a:solidFill>
+                <a:latin typeface="苹方-简" panose="020B0400000000000000" charset="-122"/>
+                <a:ea typeface="苹方-简" panose="020B0400000000000000" charset="-122"/>
+                <a:cs typeface="苹方-简" panose="020B0400000000000000" charset="-122"/>
+                <a:sym typeface="Times New Roman" panose="02020803070505020304"/>
+              </a:rPr>
+              <a:t>与授权成功通知一样企业微信会向代开发模板回调URL发送</a:t>
+            </a:r>
+            <a:r>
+              <a:rPr kumimoji="0" lang="en-US" altLang="zh-CN" sz="2000" b="0" i="0" u="none" strike="noStrike" cap="none" spc="0" normalizeH="0" baseline="0" dirty="0" smtClean="0">
+                <a:solidFill>
+                  <a:schemeClr val="bg1">
+                    <a:lumMod val="50000"/>
+                  </a:schemeClr>
+                </a:solidFill>
+                <a:latin typeface="苹方-简" panose="020B0400000000000000" charset="-122"/>
+                <a:ea typeface="苹方-简" panose="020B0400000000000000" charset="-122"/>
+                <a:cs typeface="苹方-简" panose="020B0400000000000000" charset="-122"/>
+                <a:sym typeface="Times New Roman" panose="02020803070505020304"/>
+              </a:rPr>
+              <a:t>post</a:t>
+            </a:r>
+            <a:r>
+              <a:rPr kumimoji="0" lang="zh-CN" altLang="en-US" sz="2000" b="0" i="0" u="none" strike="noStrike" cap="none" spc="0" normalizeH="0" baseline="0" dirty="0" smtClean="0">
+                <a:solidFill>
+                  <a:schemeClr val="bg1">
+                    <a:lumMod val="50000"/>
+                  </a:schemeClr>
+                </a:solidFill>
+                <a:latin typeface="苹方-简" panose="020B0400000000000000" charset="-122"/>
+                <a:ea typeface="苹方-简" panose="020B0400000000000000" charset="-122"/>
+                <a:cs typeface="苹方-简" panose="020B0400000000000000" charset="-122"/>
+                <a:sym typeface="Times New Roman" panose="02020803070505020304"/>
+              </a:rPr>
+              <a:t>请求</a:t>
+            </a:r>
+            <a:endParaRPr kumimoji="0" lang="zh-CN" altLang="en-US" sz="2000" b="0" i="0" u="none" strike="noStrike" cap="none" spc="0" normalizeH="0" baseline="0" dirty="0" smtClean="0">
+              <a:solidFill>
+                <a:schemeClr val="bg1">
+                  <a:lumMod val="50000"/>
+                </a:schemeClr>
+              </a:solidFill>
+              <a:latin typeface="苹方-简" panose="020B0400000000000000" charset="-122"/>
+              <a:ea typeface="苹方-简" panose="020B0400000000000000" charset="-122"/>
+              <a:cs typeface="苹方-简" panose="020B0400000000000000" charset="-122"/>
+              <a:sym typeface="Times New Roman" panose="02020803070505020304"/>
+            </a:endParaRPr>
+          </a:p>
+          <a:p>
+            <a:pPr marL="0" marR="0" indent="0" algn="l" defTabSz="914400" rtl="0" fontAlgn="auto" latinLnBrk="0" hangingPunct="0">
+              <a:lnSpc>
+                <a:spcPct val="100000"/>
+              </a:lnSpc>
+              <a:spcBef>
+                <a:spcPts val="0"/>
+              </a:spcBef>
+              <a:spcAft>
+                <a:spcPts val="0"/>
+              </a:spcAft>
+              <a:buClrTx/>
+              <a:buSzTx/>
+              <a:buFontTx/>
+              <a:buNone/>
+            </a:pPr>
+            <a:r>
+              <a:rPr kumimoji="0" lang="zh-CN" altLang="en-US" sz="2000" b="0" i="0" u="none" strike="noStrike" cap="none" spc="0" normalizeH="0" baseline="0" dirty="0" smtClean="0">
+                <a:solidFill>
+                  <a:schemeClr val="bg1">
+                    <a:lumMod val="50000"/>
+                  </a:schemeClr>
+                </a:solidFill>
+                <a:latin typeface="苹方-简" panose="020B0400000000000000" charset="-122"/>
+                <a:ea typeface="苹方-简" panose="020B0400000000000000" charset="-122"/>
+                <a:cs typeface="苹方-简" panose="020B0400000000000000" charset="-122"/>
+                <a:sym typeface="Times New Roman" panose="02020803070505020304"/>
+              </a:rPr>
+              <a:t>企业微信服务器会定时（每十分钟）推送ticket。ticket会实时变更，并用于后续接口的调用。</a:t>
+            </a:r>
+            <a:endParaRPr kumimoji="0" lang="zh-CN" altLang="en-US" sz="2000" b="0" i="0" u="none" strike="noStrike" cap="none" spc="0" normalizeH="0" baseline="0" dirty="0" smtClean="0">
+              <a:solidFill>
+                <a:schemeClr val="bg1">
+                  <a:lumMod val="50000"/>
+                </a:schemeClr>
+              </a:solidFill>
+              <a:latin typeface="苹方-简" panose="020B0400000000000000" charset="-122"/>
+              <a:ea typeface="苹方-简" panose="020B0400000000000000" charset="-122"/>
+              <a:cs typeface="苹方-简" panose="020B0400000000000000" charset="-122"/>
+              <a:sym typeface="Times New Roman" panose="02020803070505020304"/>
+            </a:endParaRPr>
+          </a:p>
+          <a:p>
+            <a:pPr marL="0" marR="0" indent="0" algn="l" defTabSz="914400" rtl="0" fontAlgn="auto" latinLnBrk="0" hangingPunct="0">
+              <a:lnSpc>
+                <a:spcPct val="100000"/>
+              </a:lnSpc>
+              <a:spcBef>
+                <a:spcPts val="0"/>
+              </a:spcBef>
+              <a:spcAft>
+                <a:spcPts val="0"/>
+              </a:spcAft>
+              <a:buClrTx/>
+              <a:buSzTx/>
+              <a:buFontTx/>
+              <a:buNone/>
+            </a:pPr>
+            <a:endParaRPr kumimoji="0" lang="zh-CN" altLang="en-US" sz="2000" b="0" i="0" u="none" strike="noStrike" cap="none" spc="0" normalizeH="0" baseline="0" dirty="0" smtClean="0">
+              <a:solidFill>
+                <a:schemeClr val="bg1">
+                  <a:lumMod val="50000"/>
+                </a:schemeClr>
+              </a:solidFill>
+              <a:latin typeface="苹方-简" panose="020B0400000000000000" charset="-122"/>
+              <a:ea typeface="苹方-简" panose="020B0400000000000000" charset="-122"/>
+              <a:cs typeface="苹方-简" panose="020B0400000000000000" charset="-122"/>
+              <a:sym typeface="Times New Roman" panose="02020803070505020304"/>
+            </a:endParaRPr>
+          </a:p>
+          <a:p>
+            <a:pPr marL="0" marR="0" indent="0" algn="l" defTabSz="914400" rtl="0" fontAlgn="auto" latinLnBrk="0" hangingPunct="0">
+              <a:lnSpc>
+                <a:spcPct val="100000"/>
+              </a:lnSpc>
+              <a:spcBef>
+                <a:spcPts val="0"/>
+              </a:spcBef>
+              <a:spcAft>
+                <a:spcPts val="0"/>
+              </a:spcAft>
+              <a:buClrTx/>
+              <a:buSzTx/>
+              <a:buFontTx/>
+              <a:buNone/>
+            </a:pPr>
+            <a:r>
+              <a:rPr lang="zh-CN" altLang="en-US" sz="2000" dirty="0" smtClean="0">
+                <a:solidFill>
+                  <a:schemeClr val="bg1">
+                    <a:lumMod val="50000"/>
+                  </a:schemeClr>
+                </a:solidFill>
+                <a:latin typeface="苹方-简" panose="020B0400000000000000" charset="-122"/>
+                <a:ea typeface="苹方-简" panose="020B0400000000000000" charset="-122"/>
+                <a:cs typeface="苹方-简" panose="020B0400000000000000" charset="-122"/>
+                <a:sym typeface="Times New Roman" panose="02020803070505020304"/>
+              </a:rPr>
+              <a:t>    &lt;xml&gt;</a:t>
+            </a:r>
+            <a:endParaRPr lang="zh-CN" altLang="en-US" sz="2000" dirty="0" smtClean="0">
+              <a:solidFill>
+                <a:schemeClr val="bg1">
+                  <a:lumMod val="50000"/>
+                </a:schemeClr>
+              </a:solidFill>
+              <a:latin typeface="苹方-简" panose="020B0400000000000000" charset="-122"/>
+              <a:ea typeface="苹方-简" panose="020B0400000000000000" charset="-122"/>
+              <a:cs typeface="苹方-简" panose="020B0400000000000000" charset="-122"/>
+              <a:sym typeface="Times New Roman" panose="02020803070505020304"/>
+            </a:endParaRPr>
+          </a:p>
+          <a:p>
+            <a:pPr marL="0" marR="0" indent="0" algn="l" defTabSz="914400" rtl="0" fontAlgn="auto" latinLnBrk="0" hangingPunct="0">
+              <a:lnSpc>
+                <a:spcPct val="100000"/>
+              </a:lnSpc>
+              <a:spcBef>
+                <a:spcPts val="0"/>
+              </a:spcBef>
+              <a:spcAft>
+                <a:spcPts val="0"/>
+              </a:spcAft>
+              <a:buClrTx/>
+              <a:buSzTx/>
+              <a:buFontTx/>
+              <a:buNone/>
+            </a:pPr>
+            <a:r>
+              <a:rPr lang="zh-CN" altLang="en-US" sz="2000" dirty="0" smtClean="0">
+                <a:solidFill>
+                  <a:schemeClr val="bg1">
+                    <a:lumMod val="50000"/>
+                  </a:schemeClr>
+                </a:solidFill>
+                <a:latin typeface="苹方-简" panose="020B0400000000000000" charset="-122"/>
+                <a:ea typeface="苹方-简" panose="020B0400000000000000" charset="-122"/>
+                <a:cs typeface="苹方-简" panose="020B0400000000000000" charset="-122"/>
+                <a:sym typeface="Times New Roman" panose="02020803070505020304"/>
+              </a:rPr>
+              <a:t>        &lt;SuiteId&gt;&lt;![CDATA[ww4asffe99e54c0fxxxx]]&gt;&lt;/SuiteId&gt;</a:t>
+            </a:r>
+            <a:endParaRPr lang="zh-CN" altLang="en-US" sz="2000" dirty="0" smtClean="0">
+              <a:solidFill>
+                <a:schemeClr val="bg1">
+                  <a:lumMod val="50000"/>
+                </a:schemeClr>
+              </a:solidFill>
+              <a:latin typeface="苹方-简" panose="020B0400000000000000" charset="-122"/>
+              <a:ea typeface="苹方-简" panose="020B0400000000000000" charset="-122"/>
+              <a:cs typeface="苹方-简" panose="020B0400000000000000" charset="-122"/>
+              <a:sym typeface="Times New Roman" panose="02020803070505020304"/>
+            </a:endParaRPr>
+          </a:p>
+          <a:p>
+            <a:pPr marL="0" marR="0" indent="0" algn="l" defTabSz="914400" rtl="0" fontAlgn="auto" latinLnBrk="0" hangingPunct="0">
+              <a:lnSpc>
+                <a:spcPct val="100000"/>
+              </a:lnSpc>
+              <a:spcBef>
+                <a:spcPts val="0"/>
+              </a:spcBef>
+              <a:spcAft>
+                <a:spcPts val="0"/>
+              </a:spcAft>
+              <a:buClrTx/>
+              <a:buSzTx/>
+              <a:buFontTx/>
+              <a:buNone/>
+            </a:pPr>
+            <a:r>
+              <a:rPr lang="zh-CN" altLang="en-US" sz="2000" dirty="0" smtClean="0">
+                <a:solidFill>
+                  <a:schemeClr val="bg1">
+                    <a:lumMod val="50000"/>
+                  </a:schemeClr>
+                </a:solidFill>
+                <a:latin typeface="苹方-简" panose="020B0400000000000000" charset="-122"/>
+                <a:ea typeface="苹方-简" panose="020B0400000000000000" charset="-122"/>
+                <a:cs typeface="苹方-简" panose="020B0400000000000000" charset="-122"/>
+                <a:sym typeface="Times New Roman" panose="02020803070505020304"/>
+              </a:rPr>
+              <a:t>        &lt;InfoType&gt; &lt;![CDATA[suite_ticket]]&gt;&lt;/InfoType&gt;</a:t>
+            </a:r>
+            <a:endParaRPr lang="zh-CN" altLang="en-US" sz="2000" dirty="0" smtClean="0">
+              <a:solidFill>
+                <a:schemeClr val="bg1">
+                  <a:lumMod val="50000"/>
+                </a:schemeClr>
+              </a:solidFill>
+              <a:latin typeface="苹方-简" panose="020B0400000000000000" charset="-122"/>
+              <a:ea typeface="苹方-简" panose="020B0400000000000000" charset="-122"/>
+              <a:cs typeface="苹方-简" panose="020B0400000000000000" charset="-122"/>
+              <a:sym typeface="Times New Roman" panose="02020803070505020304"/>
+            </a:endParaRPr>
+          </a:p>
+          <a:p>
+            <a:pPr marL="0" marR="0" indent="0" algn="l" defTabSz="914400" rtl="0" fontAlgn="auto" latinLnBrk="0" hangingPunct="0">
+              <a:lnSpc>
+                <a:spcPct val="100000"/>
+              </a:lnSpc>
+              <a:spcBef>
+                <a:spcPts val="0"/>
+              </a:spcBef>
+              <a:spcAft>
+                <a:spcPts val="0"/>
+              </a:spcAft>
+              <a:buClrTx/>
+              <a:buSzTx/>
+              <a:buFontTx/>
+              <a:buNone/>
+            </a:pPr>
+            <a:r>
+              <a:rPr lang="zh-CN" altLang="en-US" sz="2000" dirty="0" smtClean="0">
+                <a:solidFill>
+                  <a:schemeClr val="bg1">
+                    <a:lumMod val="50000"/>
+                  </a:schemeClr>
+                </a:solidFill>
+                <a:latin typeface="苹方-简" panose="020B0400000000000000" charset="-122"/>
+                <a:ea typeface="苹方-简" panose="020B0400000000000000" charset="-122"/>
+                <a:cs typeface="苹方-简" panose="020B0400000000000000" charset="-122"/>
+                <a:sym typeface="Times New Roman" panose="02020803070505020304"/>
+              </a:rPr>
+              <a:t>        &lt;TimeStamp&gt;1403610513&lt;/TimeStamp&gt;</a:t>
+            </a:r>
+            <a:endParaRPr lang="zh-CN" altLang="en-US" sz="2000" dirty="0" smtClean="0">
+              <a:solidFill>
+                <a:schemeClr val="bg1">
+                  <a:lumMod val="50000"/>
+                </a:schemeClr>
+              </a:solidFill>
+              <a:latin typeface="苹方-简" panose="020B0400000000000000" charset="-122"/>
+              <a:ea typeface="苹方-简" panose="020B0400000000000000" charset="-122"/>
+              <a:cs typeface="苹方-简" panose="020B0400000000000000" charset="-122"/>
+              <a:sym typeface="Times New Roman" panose="02020803070505020304"/>
+            </a:endParaRPr>
+          </a:p>
+          <a:p>
+            <a:pPr marL="0" marR="0" indent="0" algn="l" defTabSz="914400" rtl="0" fontAlgn="auto" latinLnBrk="0" hangingPunct="0">
+              <a:lnSpc>
+                <a:spcPct val="100000"/>
+              </a:lnSpc>
+              <a:spcBef>
+                <a:spcPts val="0"/>
+              </a:spcBef>
+              <a:spcAft>
+                <a:spcPts val="0"/>
+              </a:spcAft>
+              <a:buClrTx/>
+              <a:buSzTx/>
+              <a:buFontTx/>
+              <a:buNone/>
+            </a:pPr>
+            <a:r>
+              <a:rPr lang="zh-CN" altLang="en-US" sz="2000" dirty="0" smtClean="0">
+                <a:solidFill>
+                  <a:schemeClr val="bg1">
+                    <a:lumMod val="50000"/>
+                  </a:schemeClr>
+                </a:solidFill>
+                <a:latin typeface="苹方-简" panose="020B0400000000000000" charset="-122"/>
+                <a:ea typeface="苹方-简" panose="020B0400000000000000" charset="-122"/>
+                <a:cs typeface="苹方-简" panose="020B0400000000000000" charset="-122"/>
+                <a:sym typeface="Times New Roman" panose="02020803070505020304"/>
+              </a:rPr>
+              <a:t>        &lt;SuiteTicket&gt;&lt;![CDATA[asdfasfdasdfasdf]]&gt;&lt;/SuiteTicket&gt;</a:t>
+            </a:r>
+            <a:endParaRPr lang="zh-CN" altLang="en-US" sz="2000" dirty="0" smtClean="0">
+              <a:solidFill>
+                <a:schemeClr val="bg1">
+                  <a:lumMod val="50000"/>
+                </a:schemeClr>
+              </a:solidFill>
+              <a:latin typeface="苹方-简" panose="020B0400000000000000" charset="-122"/>
+              <a:ea typeface="苹方-简" panose="020B0400000000000000" charset="-122"/>
+              <a:cs typeface="苹方-简" panose="020B0400000000000000" charset="-122"/>
+              <a:sym typeface="Times New Roman" panose="02020803070505020304"/>
+            </a:endParaRPr>
+          </a:p>
+          <a:p>
+            <a:pPr marL="0" marR="0" indent="0" algn="l" defTabSz="914400" rtl="0" fontAlgn="auto" latinLnBrk="0" hangingPunct="0">
+              <a:lnSpc>
+                <a:spcPct val="100000"/>
+              </a:lnSpc>
+              <a:spcBef>
+                <a:spcPts val="0"/>
+              </a:spcBef>
+              <a:spcAft>
+                <a:spcPts val="0"/>
+              </a:spcAft>
+              <a:buClrTx/>
+              <a:buSzTx/>
+              <a:buFontTx/>
+              <a:buNone/>
+            </a:pPr>
+            <a:r>
+              <a:rPr lang="zh-CN" altLang="en-US" sz="2000" dirty="0" smtClean="0">
+                <a:solidFill>
+                  <a:schemeClr val="bg1">
+                    <a:lumMod val="50000"/>
+                  </a:schemeClr>
+                </a:solidFill>
+                <a:latin typeface="苹方-简" panose="020B0400000000000000" charset="-122"/>
+                <a:ea typeface="苹方-简" panose="020B0400000000000000" charset="-122"/>
+                <a:cs typeface="苹方-简" panose="020B0400000000000000" charset="-122"/>
+                <a:sym typeface="Times New Roman" panose="02020803070505020304"/>
+              </a:rPr>
+              <a:t>    &lt;/xml&gt;</a:t>
+            </a:r>
+            <a:endParaRPr lang="zh-CN" altLang="en-US" sz="2000" dirty="0" smtClean="0">
+              <a:solidFill>
+                <a:schemeClr val="bg1">
+                  <a:lumMod val="50000"/>
+                </a:schemeClr>
+              </a:solidFill>
+              <a:latin typeface="苹方-简" panose="020B0400000000000000" charset="-122"/>
+              <a:ea typeface="苹方-简" panose="020B0400000000000000" charset="-122"/>
+              <a:cs typeface="苹方-简" panose="020B0400000000000000" charset="-122"/>
+              <a:sym typeface="Times New Roman" panose="02020803070505020304"/>
+            </a:endParaRPr>
+          </a:p>
+          <a:p>
+            <a:pPr marL="0" marR="0" indent="0" algn="l" defTabSz="914400" rtl="0" fontAlgn="auto" latinLnBrk="0" hangingPunct="0">
+              <a:lnSpc>
+                <a:spcPct val="100000"/>
+              </a:lnSpc>
+              <a:spcBef>
+                <a:spcPts val="0"/>
+              </a:spcBef>
+              <a:spcAft>
+                <a:spcPts val="0"/>
+              </a:spcAft>
+              <a:buClrTx/>
+              <a:buSzTx/>
+              <a:buFontTx/>
+              <a:buNone/>
+            </a:pPr>
+            <a:endParaRPr kumimoji="0" lang="zh-CN" altLang="en-US" sz="2000" b="0" i="0" u="none" strike="noStrike" cap="none" spc="0" normalizeH="0" baseline="0" dirty="0" smtClean="0">
+              <a:solidFill>
+                <a:schemeClr val="bg1">
+                  <a:lumMod val="50000"/>
+                </a:schemeClr>
+              </a:solidFill>
+              <a:latin typeface="苹方-简" panose="020B0400000000000000" charset="-122"/>
+              <a:ea typeface="苹方-简" panose="020B0400000000000000" charset="-122"/>
+              <a:cs typeface="苹方-简" panose="020B0400000000000000" charset="-122"/>
+              <a:sym typeface="Times New Roman" panose="02020803070505020304"/>
+            </a:endParaRPr>
+          </a:p>
+          <a:p>
+            <a:pPr marL="0" marR="0" indent="0" algn="l" defTabSz="914400" rtl="0" fontAlgn="auto" latinLnBrk="0" hangingPunct="0">
+              <a:lnSpc>
+                <a:spcPct val="100000"/>
+              </a:lnSpc>
+              <a:spcBef>
+                <a:spcPts val="0"/>
+              </a:spcBef>
+              <a:spcAft>
+                <a:spcPts val="0"/>
+              </a:spcAft>
+              <a:buClrTx/>
+              <a:buSzTx/>
+              <a:buFontTx/>
+              <a:buNone/>
+            </a:pPr>
+            <a:r>
+              <a:rPr kumimoji="0" lang="zh-CN" altLang="en-US" sz="2000" b="0" i="0" u="none" strike="noStrike" cap="none" spc="0" normalizeH="0" baseline="0" dirty="0" smtClean="0">
+                <a:solidFill>
+                  <a:schemeClr val="bg1">
+                    <a:lumMod val="50000"/>
+                  </a:schemeClr>
+                </a:solidFill>
+                <a:latin typeface="苹方-简" panose="020B0400000000000000" charset="-122"/>
+                <a:ea typeface="苹方-简" panose="020B0400000000000000" charset="-122"/>
+                <a:cs typeface="苹方-简" panose="020B0400000000000000" charset="-122"/>
+                <a:sym typeface="Times New Roman" panose="02020803070505020304"/>
+              </a:rPr>
+              <a:t>授权成功一定要好好处理获取永久授权码，并且我们要自己保存公司信息，应用</a:t>
+            </a:r>
+            <a:r>
+              <a:rPr kumimoji="0" lang="en-US" altLang="zh-CN" sz="2000" b="0" i="0" u="none" strike="noStrike" cap="none" spc="0" normalizeH="0" baseline="0" dirty="0" smtClean="0">
+                <a:solidFill>
+                  <a:schemeClr val="bg1">
+                    <a:lumMod val="50000"/>
+                  </a:schemeClr>
+                </a:solidFill>
+                <a:latin typeface="苹方-简" panose="020B0400000000000000" charset="-122"/>
+                <a:ea typeface="苹方-简" panose="020B0400000000000000" charset="-122"/>
+                <a:cs typeface="苹方-简" panose="020B0400000000000000" charset="-122"/>
+                <a:sym typeface="Times New Roman" panose="02020803070505020304"/>
+              </a:rPr>
+              <a:t>secret id</a:t>
+            </a:r>
+            <a:r>
+              <a:rPr kumimoji="0" lang="zh-CN" altLang="en-US" sz="2000" b="0" i="0" u="none" strike="noStrike" cap="none" spc="0" normalizeH="0" baseline="0" dirty="0" smtClean="0">
+                <a:solidFill>
+                  <a:schemeClr val="bg1">
+                    <a:lumMod val="50000"/>
+                  </a:schemeClr>
+                </a:solidFill>
+                <a:latin typeface="苹方-简" panose="020B0400000000000000" charset="-122"/>
+                <a:ea typeface="苹方-简" panose="020B0400000000000000" charset="-122"/>
+                <a:cs typeface="苹方-简" panose="020B0400000000000000" charset="-122"/>
+                <a:sym typeface="Times New Roman" panose="02020803070505020304"/>
+              </a:rPr>
+              <a:t>等</a:t>
+            </a:r>
+            <a:endParaRPr kumimoji="0" lang="zh-CN" altLang="en-US" sz="2000" b="0" i="0" u="none" strike="noStrike" cap="none" spc="0" normalizeH="0" baseline="0" dirty="0" smtClean="0">
+              <a:solidFill>
+                <a:schemeClr val="bg1">
+                  <a:lumMod val="50000"/>
+                </a:schemeClr>
+              </a:solidFill>
+              <a:latin typeface="苹方-简" panose="020B0400000000000000" charset="-122"/>
+              <a:ea typeface="苹方-简" panose="020B0400000000000000" charset="-122"/>
+              <a:cs typeface="苹方-简" panose="020B0400000000000000" charset="-122"/>
+              <a:sym typeface="Times New Roman" panose="02020803070505020304"/>
+            </a:endParaRPr>
+          </a:p>
+          <a:p>
+            <a:pPr marL="0" marR="0" indent="0" algn="l" defTabSz="914400" rtl="0" fontAlgn="auto" latinLnBrk="0" hangingPunct="0">
+              <a:lnSpc>
+                <a:spcPct val="100000"/>
+              </a:lnSpc>
+              <a:spcBef>
+                <a:spcPts val="0"/>
+              </a:spcBef>
+              <a:spcAft>
+                <a:spcPts val="0"/>
+              </a:spcAft>
+              <a:buClrTx/>
+              <a:buSzTx/>
+              <a:buFontTx/>
+              <a:buNone/>
+            </a:pPr>
+            <a:r>
+              <a:rPr kumimoji="0" lang="zh-CN" altLang="en-US" sz="2000" b="0" i="0" u="none" strike="noStrike" cap="none" spc="0" normalizeH="0" baseline="0" dirty="0" smtClean="0">
+                <a:solidFill>
+                  <a:schemeClr val="bg1">
+                    <a:lumMod val="50000"/>
+                  </a:schemeClr>
+                </a:solidFill>
+                <a:latin typeface="苹方-简" panose="020B0400000000000000" charset="-122"/>
+                <a:ea typeface="苹方-简" panose="020B0400000000000000" charset="-122"/>
+                <a:cs typeface="苹方-简" panose="020B0400000000000000" charset="-122"/>
+                <a:sym typeface="Times New Roman" panose="02020803070505020304"/>
+              </a:rPr>
+              <a:t>目前只能授权成功一次回调。</a:t>
+            </a:r>
+            <a:endParaRPr kumimoji="0" lang="zh-CN" altLang="en-US" sz="2000" b="0" i="0" u="none" strike="noStrike" cap="none" spc="0" normalizeH="0" baseline="0" dirty="0" smtClean="0">
+              <a:solidFill>
+                <a:schemeClr val="bg1">
+                  <a:lumMod val="50000"/>
+                </a:schemeClr>
+              </a:solidFill>
+              <a:latin typeface="苹方-简" panose="020B0400000000000000" charset="-122"/>
+              <a:ea typeface="苹方-简" panose="020B0400000000000000" charset="-122"/>
+              <a:cs typeface="苹方-简" panose="020B0400000000000000" charset="-122"/>
+              <a:sym typeface="Times New Roman" panose="02020803070505020304"/>
+            </a:endParaRPr>
+          </a:p>
+          <a:p>
+            <a:pPr marL="0" marR="0" indent="0" algn="l" defTabSz="914400" rtl="0" fontAlgn="auto" latinLnBrk="0" hangingPunct="0">
+              <a:lnSpc>
+                <a:spcPct val="100000"/>
+              </a:lnSpc>
+              <a:spcBef>
+                <a:spcPts val="0"/>
+              </a:spcBef>
+              <a:spcAft>
+                <a:spcPts val="0"/>
+              </a:spcAft>
+              <a:buClrTx/>
+              <a:buSzTx/>
+              <a:buFontTx/>
+              <a:buNone/>
+            </a:pPr>
+            <a:r>
+              <a:rPr kumimoji="0" lang="zh-CN" altLang="en-US" sz="2000" b="0" i="0" u="none" strike="noStrike" cap="none" spc="0" normalizeH="0" baseline="0" dirty="0" smtClean="0">
+                <a:solidFill>
+                  <a:schemeClr val="bg1">
+                    <a:lumMod val="50000"/>
+                  </a:schemeClr>
+                </a:solidFill>
+                <a:latin typeface="苹方-简" panose="020B0400000000000000" charset="-122"/>
+                <a:ea typeface="苹方-简" panose="020B0400000000000000" charset="-122"/>
+                <a:cs typeface="苹方-简" panose="020B0400000000000000" charset="-122"/>
+                <a:sym typeface="Times New Roman" panose="02020803070505020304"/>
+              </a:rPr>
+              <a:t>如果要想再次授权，只能客户取消授权。</a:t>
+            </a:r>
+            <a:endParaRPr kumimoji="0" lang="zh-CN" altLang="en-US" sz="2000" b="0" i="0" u="none" strike="noStrike" cap="none" spc="0" normalizeH="0" baseline="0" dirty="0" smtClean="0">
+              <a:solidFill>
+                <a:schemeClr val="bg1">
+                  <a:lumMod val="50000"/>
+                </a:schemeClr>
+              </a:solidFill>
+              <a:latin typeface="苹方-简" panose="020B0400000000000000" charset="-122"/>
+              <a:ea typeface="苹方-简" panose="020B0400000000000000" charset="-122"/>
+              <a:cs typeface="苹方-简" panose="020B0400000000000000" charset="-122"/>
+              <a:sym typeface="Times New Roman" panose="02020803070505020304"/>
+            </a:endParaRPr>
+          </a:p>
+          <a:p>
+            <a:pPr marL="0" marR="0" indent="0" algn="l" defTabSz="914400" rtl="0" fontAlgn="auto" latinLnBrk="0" hangingPunct="0">
+              <a:lnSpc>
+                <a:spcPct val="100000"/>
+              </a:lnSpc>
+              <a:spcBef>
+                <a:spcPts val="0"/>
+              </a:spcBef>
+              <a:spcAft>
+                <a:spcPts val="0"/>
+              </a:spcAft>
+              <a:buClrTx/>
+              <a:buSzTx/>
+              <a:buFontTx/>
+              <a:buNone/>
+            </a:pPr>
+            <a:r>
+              <a:rPr kumimoji="0" lang="zh-CN" altLang="en-US" sz="2000" b="0" i="0" u="none" strike="noStrike" cap="none" spc="0" normalizeH="0" baseline="0" dirty="0" smtClean="0">
+                <a:solidFill>
+                  <a:schemeClr val="bg1">
+                    <a:lumMod val="50000"/>
+                  </a:schemeClr>
+                </a:solidFill>
+                <a:latin typeface="苹方-简" panose="020B0400000000000000" charset="-122"/>
+                <a:ea typeface="苹方-简" panose="020B0400000000000000" charset="-122"/>
+                <a:cs typeface="苹方-简" panose="020B0400000000000000" charset="-122"/>
+                <a:sym typeface="Times New Roman" panose="02020803070505020304"/>
+              </a:rPr>
+              <a:t>    代开发应用的</a:t>
+            </a:r>
+            <a:r>
+              <a:rPr kumimoji="0" lang="en-US" altLang="zh-CN" sz="2000" b="0" i="0" u="none" strike="noStrike" cap="none" spc="0" normalizeH="0" baseline="0" dirty="0" smtClean="0">
+                <a:solidFill>
+                  <a:schemeClr val="bg1">
+                    <a:lumMod val="50000"/>
+                  </a:schemeClr>
+                </a:solidFill>
+                <a:latin typeface="苹方-简" panose="020B0400000000000000" charset="-122"/>
+                <a:ea typeface="苹方-简" panose="020B0400000000000000" charset="-122"/>
+                <a:cs typeface="苹方-简" panose="020B0400000000000000" charset="-122"/>
+                <a:sym typeface="Times New Roman" panose="02020803070505020304"/>
+              </a:rPr>
+              <a:t>secret     "permanent_code": "HjHWLrE13B36myBA7Qxd-xy0UKE5TgDD0Iz9UDtrqpc",</a:t>
+            </a:r>
+            <a:endParaRPr kumimoji="0" lang="en-US" altLang="zh-CN" sz="2000" b="0" i="0" u="none" strike="noStrike" cap="none" spc="0" normalizeH="0" baseline="0" dirty="0" smtClean="0">
+              <a:solidFill>
+                <a:schemeClr val="bg1">
+                  <a:lumMod val="50000"/>
+                </a:schemeClr>
+              </a:solidFill>
+              <a:latin typeface="苹方-简" panose="020B0400000000000000" charset="-122"/>
+              <a:ea typeface="苹方-简" panose="020B0400000000000000" charset="-122"/>
+              <a:cs typeface="苹方-简" panose="020B0400000000000000" charset="-122"/>
+              <a:sym typeface="Times New Roman" panose="02020803070505020304"/>
+            </a:endParaRPr>
+          </a:p>
+          <a:p>
+            <a:pPr marL="0" marR="0" indent="0" algn="l" defTabSz="914400" rtl="0" fontAlgn="auto" latinLnBrk="0" hangingPunct="0">
+              <a:lnSpc>
+                <a:spcPct val="100000"/>
+              </a:lnSpc>
+              <a:spcBef>
+                <a:spcPts val="0"/>
+              </a:spcBef>
+              <a:spcAft>
+                <a:spcPts val="0"/>
+              </a:spcAft>
+              <a:buClrTx/>
+              <a:buSzTx/>
+              <a:buFontTx/>
+              <a:buNone/>
+            </a:pPr>
+            <a:r>
+              <a:rPr kumimoji="0" lang="en-US" altLang="zh-CN" sz="2000" b="0" i="0" u="none" strike="noStrike" cap="none" spc="0" normalizeH="0" baseline="0" dirty="0" smtClean="0">
+                <a:solidFill>
+                  <a:schemeClr val="bg1">
+                    <a:lumMod val="50000"/>
+                  </a:schemeClr>
+                </a:solidFill>
+                <a:latin typeface="苹方-简" panose="020B0400000000000000" charset="-122"/>
+                <a:ea typeface="苹方-简" panose="020B0400000000000000" charset="-122"/>
+                <a:cs typeface="苹方-简" panose="020B0400000000000000" charset="-122"/>
+                <a:sym typeface="Times New Roman" panose="02020803070505020304"/>
+              </a:rPr>
+              <a:t>"agentid": 1000063,  "auth_corp_info": {</a:t>
+            </a:r>
+            <a:endParaRPr kumimoji="0" lang="en-US" altLang="zh-CN" sz="2000" b="0" i="0" u="none" strike="noStrike" cap="none" spc="0" normalizeH="0" baseline="0" dirty="0" smtClean="0">
+              <a:solidFill>
+                <a:schemeClr val="bg1">
+                  <a:lumMod val="50000"/>
+                </a:schemeClr>
+              </a:solidFill>
+              <a:latin typeface="苹方-简" panose="020B0400000000000000" charset="-122"/>
+              <a:ea typeface="苹方-简" panose="020B0400000000000000" charset="-122"/>
+              <a:cs typeface="苹方-简" panose="020B0400000000000000" charset="-122"/>
+              <a:sym typeface="Times New Roman" panose="02020803070505020304"/>
+            </a:endParaRPr>
+          </a:p>
+          <a:p>
+            <a:pPr marL="0" marR="0" indent="0" algn="l" defTabSz="914400" rtl="0" fontAlgn="auto" latinLnBrk="0" hangingPunct="0">
+              <a:lnSpc>
+                <a:spcPct val="100000"/>
+              </a:lnSpc>
+              <a:spcBef>
+                <a:spcPts val="0"/>
+              </a:spcBef>
+              <a:spcAft>
+                <a:spcPts val="0"/>
+              </a:spcAft>
+              <a:buClrTx/>
+              <a:buSzTx/>
+              <a:buFontTx/>
+              <a:buNone/>
+            </a:pPr>
+            <a:r>
+              <a:rPr kumimoji="0" lang="en-US" altLang="zh-CN" sz="2000" b="0" i="0" u="none" strike="noStrike" cap="none" spc="0" normalizeH="0" baseline="0" dirty="0" smtClean="0">
+                <a:solidFill>
+                  <a:schemeClr val="bg1">
+                    <a:lumMod val="50000"/>
+                  </a:schemeClr>
+                </a:solidFill>
+                <a:latin typeface="苹方-简" panose="020B0400000000000000" charset="-122"/>
+                <a:ea typeface="苹方-简" panose="020B0400000000000000" charset="-122"/>
+                <a:cs typeface="苹方-简" panose="020B0400000000000000" charset="-122"/>
+                <a:sym typeface="Times New Roman" panose="02020803070505020304"/>
+              </a:rPr>
+              <a:t>        "corpid": "wwe58c8eb857ded23d",</a:t>
+            </a:r>
+            <a:endParaRPr kumimoji="0" lang="en-US" altLang="zh-CN" sz="2000" b="0" i="0" u="none" strike="noStrike" cap="none" spc="0" normalizeH="0" baseline="0" dirty="0" smtClean="0">
+              <a:solidFill>
+                <a:schemeClr val="bg1">
+                  <a:lumMod val="50000"/>
+                </a:schemeClr>
+              </a:solidFill>
+              <a:latin typeface="苹方-简" panose="020B0400000000000000" charset="-122"/>
+              <a:ea typeface="苹方-简" panose="020B0400000000000000" charset="-122"/>
+              <a:cs typeface="苹方-简" panose="020B0400000000000000" charset="-122"/>
+              <a:sym typeface="Times New Roman" panose="02020803070505020304"/>
+            </a:endParaRPr>
+          </a:p>
+          <a:p>
+            <a:pPr marL="0" marR="0" indent="0" algn="l" defTabSz="914400" rtl="0" fontAlgn="auto" latinLnBrk="0" hangingPunct="0">
+              <a:lnSpc>
+                <a:spcPct val="100000"/>
+              </a:lnSpc>
+              <a:spcBef>
+                <a:spcPts val="0"/>
+              </a:spcBef>
+              <a:spcAft>
+                <a:spcPts val="0"/>
+              </a:spcAft>
+              <a:buClrTx/>
+              <a:buSzTx/>
+              <a:buFontTx/>
+              <a:buNone/>
+            </a:pPr>
+            <a:r>
+              <a:rPr kumimoji="0" lang="en-US" altLang="zh-CN" sz="2000" b="0" i="0" u="none" strike="noStrike" cap="none" spc="0" normalizeH="0" baseline="0" dirty="0" smtClean="0">
+                <a:solidFill>
+                  <a:schemeClr val="bg1">
+                    <a:lumMod val="50000"/>
+                  </a:schemeClr>
+                </a:solidFill>
+                <a:latin typeface="苹方-简" panose="020B0400000000000000" charset="-122"/>
+                <a:ea typeface="苹方-简" panose="020B0400000000000000" charset="-122"/>
+                <a:cs typeface="苹方-简" panose="020B0400000000000000" charset="-122"/>
+                <a:sym typeface="Times New Roman" panose="02020803070505020304"/>
+              </a:rPr>
+              <a:t>        "corp_name": "ToBDev李月喜",</a:t>
+            </a:r>
+            <a:endParaRPr kumimoji="0" lang="en-US" altLang="zh-CN" sz="2000" b="0" i="0" u="none" strike="noStrike" cap="none" spc="0" normalizeH="0" baseline="0" dirty="0" smtClean="0">
+              <a:solidFill>
+                <a:schemeClr val="bg1">
+                  <a:lumMod val="50000"/>
+                </a:schemeClr>
+              </a:solidFill>
+              <a:latin typeface="苹方-简" panose="020B0400000000000000" charset="-122"/>
+              <a:ea typeface="苹方-简" panose="020B0400000000000000" charset="-122"/>
+              <a:cs typeface="苹方-简" panose="020B0400000000000000" charset="-122"/>
+              <a:sym typeface="Times New Roman" panose="02020803070505020304"/>
+            </a:endParaRPr>
+          </a:p>
+          <a:p>
+            <a:pPr marL="0" marR="0" indent="0" algn="l" defTabSz="914400" rtl="0" fontAlgn="auto" latinLnBrk="0" hangingPunct="0">
+              <a:lnSpc>
+                <a:spcPct val="100000"/>
+              </a:lnSpc>
+              <a:spcBef>
+                <a:spcPts val="0"/>
+              </a:spcBef>
+              <a:spcAft>
+                <a:spcPts val="0"/>
+              </a:spcAft>
+              <a:buClrTx/>
+              <a:buSzTx/>
+              <a:buFontTx/>
+              <a:buNone/>
+            </a:pPr>
+            <a:r>
+              <a:rPr kumimoji="0" lang="en-US" altLang="zh-CN" sz="2000" b="0" i="0" u="none" strike="noStrike" cap="none" spc="0" normalizeH="0" baseline="0" dirty="0" smtClean="0">
+                <a:solidFill>
+                  <a:schemeClr val="bg1">
+                    <a:lumMod val="50000"/>
+                  </a:schemeClr>
+                </a:solidFill>
+                <a:latin typeface="苹方-简" panose="020B0400000000000000" charset="-122"/>
+                <a:ea typeface="苹方-简" panose="020B0400000000000000" charset="-122"/>
+                <a:cs typeface="苹方-简" panose="020B0400000000000000" charset="-122"/>
+                <a:sym typeface="Times New Roman" panose="02020803070505020304"/>
+              </a:rPr>
+              <a:t>        "corp_type": "unverified",</a:t>
+            </a:r>
+            <a:endParaRPr kumimoji="0" lang="en-US" altLang="zh-CN" sz="2000" b="0" i="0" u="none" strike="noStrike" cap="none" spc="0" normalizeH="0" baseline="0" dirty="0" smtClean="0">
+              <a:solidFill>
+                <a:schemeClr val="bg1">
+                  <a:lumMod val="50000"/>
+                </a:schemeClr>
+              </a:solidFill>
+              <a:latin typeface="苹方-简" panose="020B0400000000000000" charset="-122"/>
+              <a:ea typeface="苹方-简" panose="020B0400000000000000" charset="-122"/>
+              <a:cs typeface="苹方-简" panose="020B0400000000000000" charset="-122"/>
+              <a:sym typeface="Times New Roman" panose="02020803070505020304"/>
+            </a:endParaRPr>
+          </a:p>
+          <a:p>
+            <a:pPr marL="0" marR="0" indent="0" algn="l" defTabSz="914400" rtl="0" fontAlgn="auto" latinLnBrk="0" hangingPunct="0">
+              <a:lnSpc>
+                <a:spcPct val="100000"/>
+              </a:lnSpc>
+              <a:spcBef>
+                <a:spcPts val="0"/>
+              </a:spcBef>
+              <a:spcAft>
+                <a:spcPts val="0"/>
+              </a:spcAft>
+              <a:buClrTx/>
+              <a:buSzTx/>
+              <a:buFontTx/>
+              <a:buNone/>
+            </a:pPr>
+            <a:endParaRPr kumimoji="0" lang="zh-CN" altLang="en-US" sz="2000" b="0" i="0" u="none" strike="noStrike" cap="none" spc="0" normalizeH="0" baseline="0" dirty="0" smtClean="0">
+              <a:solidFill>
+                <a:schemeClr val="bg1">
+                  <a:lumMod val="50000"/>
+                </a:schemeClr>
+              </a:solidFill>
+              <a:latin typeface="苹方-简" panose="020B0400000000000000" charset="-122"/>
+              <a:ea typeface="苹方-简" panose="020B0400000000000000" charset="-122"/>
+              <a:cs typeface="苹方-简" panose="020B0400000000000000" charset="-122"/>
+              <a:sym typeface="Times New Roman" panose="02020803070505020304"/>
+            </a:endParaRPr>
+          </a:p>
+        </p:txBody>
+      </p:sp>
+    </p:spTree>
+  </p:cSld>
+  <p:clrMapOvr>
+    <a:masterClrMapping/>
+  </p:clrMapOvr>
+  <p:transition spd="med"/>
+</p:sld>
+</file>
+
+<file path=ppt/slides/slide8.xml><?xml version="1.0" encoding="utf-8"?>
+<p:sld xmlns:a="http://schemas.openxmlformats.org/drawingml/2006/main" xmlns:r="http://schemas.openxmlformats.org/officeDocument/2006/relationships" xmlns:p="http://schemas.openxmlformats.org/presentationml/2006/main">
+  <p:cSld>
+    <p:spTree>
+      <p:nvGrpSpPr>
+        <p:cNvPr id="1" name=""/>
+        <p:cNvGrpSpPr/>
+        <p:nvPr/>
+      </p:nvGrpSpPr>
+      <p:grpSpPr/>
+      <p:sp>
+        <p:nvSpPr>
+          <p:cNvPr id="2" name="文本框 1"/>
+          <p:cNvSpPr txBox="1"/>
+          <p:nvPr/>
+        </p:nvSpPr>
+        <p:spPr>
+          <a:xfrm>
+            <a:off x="482600" y="411480"/>
+            <a:ext cx="11515090" cy="16402685"/>
+          </a:xfrm>
+          <a:prstGeom prst="rect">
+            <a:avLst/>
+          </a:prstGeom>
+          <a:noFill/>
+          <a:ln w="12700" cap="flat">
+            <a:noFill/>
+            <a:miter lim="400000"/>
+          </a:ln>
+        </p:spPr>
+        <p:style>
+          <a:lnRef idx="0">
+            <a:scrgbClr r="0" g="0" b="0"/>
+          </a:lnRef>
+          <a:fillRef idx="0">
+            <a:scrgbClr r="0" g="0" b="0"/>
+          </a:fillRef>
+          <a:effectRef idx="0">
+            <a:scrgbClr r="0" g="0" b="0"/>
+          </a:effectRef>
+          <a:fontRef idx="none"/>
+        </p:style>
+        <p:txBody>
+          <a:bodyPr rot="0" vertOverflow="overflow" horzOverflow="overflow" vert="horz" wrap="square" lIns="45719" tIns="45719" rIns="45719" bIns="45719" numCol="1" spcCol="38100" rtlCol="0" anchor="t" forceAA="0">
+            <a:spAutoFit/>
+          </a:bodyPr>
+          <a:p>
+            <a:pPr marL="0" marR="0" indent="0" algn="l" defTabSz="914400" rtl="0" fontAlgn="auto" latinLnBrk="0" hangingPunct="0">
+              <a:lnSpc>
+                <a:spcPct val="100000"/>
+              </a:lnSpc>
+              <a:spcBef>
+                <a:spcPts val="0"/>
+              </a:spcBef>
+              <a:spcAft>
+                <a:spcPts val="0"/>
+              </a:spcAft>
+              <a:buClrTx/>
+              <a:buSzTx/>
+              <a:buFontTx/>
+              <a:buNone/>
+            </a:pPr>
+            <a:endParaRPr kumimoji="0" lang="zh-CN" altLang="en-US" sz="2000" b="0" i="0" u="none" strike="noStrike" cap="none" spc="0" normalizeH="0" baseline="0" dirty="0" smtClean="0">
+              <a:solidFill>
+                <a:schemeClr val="bg1">
+                  <a:lumMod val="50000"/>
+                </a:schemeClr>
+              </a:solidFill>
+              <a:latin typeface="苹方-简" panose="020B0400000000000000" charset="-122"/>
+              <a:ea typeface="苹方-简" panose="020B0400000000000000" charset="-122"/>
+              <a:cs typeface="苹方-简" panose="020B0400000000000000" charset="-122"/>
+              <a:sym typeface="Times New Roman" panose="02020803070505020304"/>
+            </a:endParaRPr>
+          </a:p>
+          <a:p>
+            <a:pPr marL="0" marR="0" indent="0" algn="l" defTabSz="914400" rtl="0" fontAlgn="auto" latinLnBrk="0" hangingPunct="0">
+              <a:lnSpc>
+                <a:spcPct val="100000"/>
+              </a:lnSpc>
+              <a:spcBef>
+                <a:spcPts val="0"/>
+              </a:spcBef>
+              <a:spcAft>
+                <a:spcPts val="0"/>
+              </a:spcAft>
+              <a:buClrTx/>
+              <a:buSzTx/>
+              <a:buFontTx/>
+              <a:buNone/>
+            </a:pPr>
+            <a:endParaRPr kumimoji="0" lang="zh-CN" altLang="en-US" sz="2000" b="0" i="0" u="none" strike="noStrike" cap="none" spc="0" normalizeH="0" baseline="0" dirty="0" smtClean="0">
+              <a:solidFill>
+                <a:schemeClr val="bg1">
+                  <a:lumMod val="50000"/>
+                </a:schemeClr>
+              </a:solidFill>
+              <a:latin typeface="苹方-简" panose="020B0400000000000000" charset="-122"/>
+              <a:ea typeface="苹方-简" panose="020B0400000000000000" charset="-122"/>
+              <a:cs typeface="苹方-简" panose="020B0400000000000000" charset="-122"/>
+              <a:sym typeface="Times New Roman" panose="02020803070505020304"/>
+            </a:endParaRPr>
+          </a:p>
+          <a:p>
+            <a:pPr marL="0" marR="0" indent="0" algn="l" defTabSz="914400" rtl="0" fontAlgn="auto" latinLnBrk="0" hangingPunct="0">
+              <a:lnSpc>
+                <a:spcPct val="100000"/>
+              </a:lnSpc>
+              <a:spcBef>
+                <a:spcPts val="0"/>
+              </a:spcBef>
+              <a:spcAft>
+                <a:spcPts val="0"/>
+              </a:spcAft>
+              <a:buClrTx/>
+              <a:buSzTx/>
+              <a:buFontTx/>
+              <a:buNone/>
+            </a:pPr>
+            <a:r>
+              <a:rPr kumimoji="0" lang="zh-CN" altLang="en-US" sz="2000" b="0" i="0" u="none" strike="noStrike" cap="none" spc="0" normalizeH="0" baseline="0" dirty="0" smtClean="0">
+                <a:solidFill>
+                  <a:schemeClr val="bg1">
+                    <a:lumMod val="50000"/>
+                  </a:schemeClr>
+                </a:solidFill>
+                <a:latin typeface="苹方-简" panose="020B0400000000000000" charset="-122"/>
+                <a:ea typeface="苹方-简" panose="020B0400000000000000" charset="-122"/>
+                <a:cs typeface="苹方-简" panose="020B0400000000000000" charset="-122"/>
+                <a:sym typeface="Times New Roman" panose="02020803070505020304"/>
+              </a:rPr>
+              <a:t>{</a:t>
+            </a:r>
+            <a:endParaRPr kumimoji="0" lang="zh-CN" altLang="en-US" sz="2000" b="0" i="0" u="none" strike="noStrike" cap="none" spc="0" normalizeH="0" baseline="0" dirty="0" smtClean="0">
+              <a:solidFill>
+                <a:schemeClr val="bg1">
+                  <a:lumMod val="50000"/>
+                </a:schemeClr>
+              </a:solidFill>
+              <a:latin typeface="苹方-简" panose="020B0400000000000000" charset="-122"/>
+              <a:ea typeface="苹方-简" panose="020B0400000000000000" charset="-122"/>
+              <a:cs typeface="苹方-简" panose="020B0400000000000000" charset="-122"/>
+              <a:sym typeface="Times New Roman" panose="02020803070505020304"/>
+            </a:endParaRPr>
+          </a:p>
+          <a:p>
+            <a:pPr marL="0" marR="0" indent="0" algn="l" defTabSz="914400" rtl="0" fontAlgn="auto" latinLnBrk="0" hangingPunct="0">
+              <a:lnSpc>
+                <a:spcPct val="100000"/>
+              </a:lnSpc>
+              <a:spcBef>
+                <a:spcPts val="0"/>
+              </a:spcBef>
+              <a:spcAft>
+                <a:spcPts val="0"/>
+              </a:spcAft>
+              <a:buClrTx/>
+              <a:buSzTx/>
+              <a:buFontTx/>
+              <a:buNone/>
+            </a:pPr>
+            <a:r>
+              <a:rPr kumimoji="0" lang="zh-CN" altLang="en-US" sz="2000" b="0" i="0" u="none" strike="noStrike" cap="none" spc="0" normalizeH="0" baseline="0" dirty="0" smtClean="0">
+                <a:solidFill>
+                  <a:schemeClr val="bg1">
+                    <a:lumMod val="50000"/>
+                  </a:schemeClr>
+                </a:solidFill>
+                <a:latin typeface="苹方-简" panose="020B0400000000000000" charset="-122"/>
+                <a:ea typeface="苹方-简" panose="020B0400000000000000" charset="-122"/>
+                <a:cs typeface="苹方-简" panose="020B0400000000000000" charset="-122"/>
+                <a:sym typeface="Times New Roman" panose="02020803070505020304"/>
+              </a:rPr>
+              <a:t>    "permanent_code": "HjHWLrE13B36myBA7Qxd-xy0UKE5TgDD0Iz9UDtrqpc",</a:t>
+            </a:r>
+            <a:endParaRPr kumimoji="0" lang="zh-CN" altLang="en-US" sz="2000" b="0" i="0" u="none" strike="noStrike" cap="none" spc="0" normalizeH="0" baseline="0" dirty="0" smtClean="0">
+              <a:solidFill>
+                <a:schemeClr val="bg1">
+                  <a:lumMod val="50000"/>
+                </a:schemeClr>
+              </a:solidFill>
+              <a:latin typeface="苹方-简" panose="020B0400000000000000" charset="-122"/>
+              <a:ea typeface="苹方-简" panose="020B0400000000000000" charset="-122"/>
+              <a:cs typeface="苹方-简" panose="020B0400000000000000" charset="-122"/>
+              <a:sym typeface="Times New Roman" panose="02020803070505020304"/>
+            </a:endParaRPr>
+          </a:p>
+          <a:p>
+            <a:pPr marL="0" marR="0" indent="0" algn="l" defTabSz="914400" rtl="0" fontAlgn="auto" latinLnBrk="0" hangingPunct="0">
+              <a:lnSpc>
+                <a:spcPct val="100000"/>
+              </a:lnSpc>
+              <a:spcBef>
+                <a:spcPts val="0"/>
+              </a:spcBef>
+              <a:spcAft>
+                <a:spcPts val="0"/>
+              </a:spcAft>
+              <a:buClrTx/>
+              <a:buSzTx/>
+              <a:buFontTx/>
+              <a:buNone/>
+            </a:pPr>
+            <a:r>
+              <a:rPr kumimoji="0" lang="zh-CN" altLang="en-US" sz="2000" b="0" i="0" u="none" strike="noStrike" cap="none" spc="0" normalizeH="0" baseline="0" dirty="0" smtClean="0">
+                <a:solidFill>
+                  <a:schemeClr val="bg1">
+                    <a:lumMod val="50000"/>
+                  </a:schemeClr>
+                </a:solidFill>
+                <a:latin typeface="苹方-简" panose="020B0400000000000000" charset="-122"/>
+                <a:ea typeface="苹方-简" panose="020B0400000000000000" charset="-122"/>
+                <a:cs typeface="苹方-简" panose="020B0400000000000000" charset="-122"/>
+                <a:sym typeface="Times New Roman" panose="02020803070505020304"/>
+              </a:rPr>
+              <a:t>    "auth_corp_info": {</a:t>
+            </a:r>
+            <a:endParaRPr kumimoji="0" lang="zh-CN" altLang="en-US" sz="2000" b="0" i="0" u="none" strike="noStrike" cap="none" spc="0" normalizeH="0" baseline="0" dirty="0" smtClean="0">
+              <a:solidFill>
+                <a:schemeClr val="bg1">
+                  <a:lumMod val="50000"/>
+                </a:schemeClr>
+              </a:solidFill>
+              <a:latin typeface="苹方-简" panose="020B0400000000000000" charset="-122"/>
+              <a:ea typeface="苹方-简" panose="020B0400000000000000" charset="-122"/>
+              <a:cs typeface="苹方-简" panose="020B0400000000000000" charset="-122"/>
+              <a:sym typeface="Times New Roman" panose="02020803070505020304"/>
+            </a:endParaRPr>
+          </a:p>
+          <a:p>
+            <a:pPr marL="0" marR="0" indent="0" algn="l" defTabSz="914400" rtl="0" fontAlgn="auto" latinLnBrk="0" hangingPunct="0">
+              <a:lnSpc>
+                <a:spcPct val="100000"/>
+              </a:lnSpc>
+              <a:spcBef>
+                <a:spcPts val="0"/>
+              </a:spcBef>
+              <a:spcAft>
+                <a:spcPts val="0"/>
+              </a:spcAft>
+              <a:buClrTx/>
+              <a:buSzTx/>
+              <a:buFontTx/>
+              <a:buNone/>
+            </a:pPr>
+            <a:r>
+              <a:rPr kumimoji="0" lang="zh-CN" altLang="en-US" sz="2000" b="0" i="0" u="none" strike="noStrike" cap="none" spc="0" normalizeH="0" baseline="0" dirty="0" smtClean="0">
+                <a:solidFill>
+                  <a:schemeClr val="bg1">
+                    <a:lumMod val="50000"/>
+                  </a:schemeClr>
+                </a:solidFill>
+                <a:latin typeface="苹方-简" panose="020B0400000000000000" charset="-122"/>
+                <a:ea typeface="苹方-简" panose="020B0400000000000000" charset="-122"/>
+                <a:cs typeface="苹方-简" panose="020B0400000000000000" charset="-122"/>
+                <a:sym typeface="Times New Roman" panose="02020803070505020304"/>
+              </a:rPr>
+              <a:t>        "corpid": "wwe58c8eb857ded23d",</a:t>
+            </a:r>
+            <a:endParaRPr kumimoji="0" lang="zh-CN" altLang="en-US" sz="2000" b="0" i="0" u="none" strike="noStrike" cap="none" spc="0" normalizeH="0" baseline="0" dirty="0" smtClean="0">
+              <a:solidFill>
+                <a:schemeClr val="bg1">
+                  <a:lumMod val="50000"/>
+                </a:schemeClr>
+              </a:solidFill>
+              <a:latin typeface="苹方-简" panose="020B0400000000000000" charset="-122"/>
+              <a:ea typeface="苹方-简" panose="020B0400000000000000" charset="-122"/>
+              <a:cs typeface="苹方-简" panose="020B0400000000000000" charset="-122"/>
+              <a:sym typeface="Times New Roman" panose="02020803070505020304"/>
+            </a:endParaRPr>
+          </a:p>
+          <a:p>
+            <a:pPr marL="0" marR="0" indent="0" algn="l" defTabSz="914400" rtl="0" fontAlgn="auto" latinLnBrk="0" hangingPunct="0">
+              <a:lnSpc>
+                <a:spcPct val="100000"/>
+              </a:lnSpc>
+              <a:spcBef>
+                <a:spcPts val="0"/>
+              </a:spcBef>
+              <a:spcAft>
+                <a:spcPts val="0"/>
+              </a:spcAft>
+              <a:buClrTx/>
+              <a:buSzTx/>
+              <a:buFontTx/>
+              <a:buNone/>
+            </a:pPr>
+            <a:r>
+              <a:rPr kumimoji="0" lang="zh-CN" altLang="en-US" sz="2000" b="0" i="0" u="none" strike="noStrike" cap="none" spc="0" normalizeH="0" baseline="0" dirty="0" smtClean="0">
+                <a:solidFill>
+                  <a:schemeClr val="bg1">
+                    <a:lumMod val="50000"/>
+                  </a:schemeClr>
+                </a:solidFill>
+                <a:latin typeface="苹方-简" panose="020B0400000000000000" charset="-122"/>
+                <a:ea typeface="苹方-简" panose="020B0400000000000000" charset="-122"/>
+                <a:cs typeface="苹方-简" panose="020B0400000000000000" charset="-122"/>
+                <a:sym typeface="Times New Roman" panose="02020803070505020304"/>
+              </a:rPr>
+              <a:t>        "corp_name": "ToBDev李月喜",</a:t>
+            </a:r>
+            <a:endParaRPr kumimoji="0" lang="zh-CN" altLang="en-US" sz="2000" b="0" i="0" u="none" strike="noStrike" cap="none" spc="0" normalizeH="0" baseline="0" dirty="0" smtClean="0">
+              <a:solidFill>
+                <a:schemeClr val="bg1">
+                  <a:lumMod val="50000"/>
+                </a:schemeClr>
+              </a:solidFill>
+              <a:latin typeface="苹方-简" panose="020B0400000000000000" charset="-122"/>
+              <a:ea typeface="苹方-简" panose="020B0400000000000000" charset="-122"/>
+              <a:cs typeface="苹方-简" panose="020B0400000000000000" charset="-122"/>
+              <a:sym typeface="Times New Roman" panose="02020803070505020304"/>
+            </a:endParaRPr>
+          </a:p>
+          <a:p>
+            <a:pPr marL="0" marR="0" indent="0" algn="l" defTabSz="914400" rtl="0" fontAlgn="auto" latinLnBrk="0" hangingPunct="0">
+              <a:lnSpc>
+                <a:spcPct val="100000"/>
+              </a:lnSpc>
+              <a:spcBef>
+                <a:spcPts val="0"/>
+              </a:spcBef>
+              <a:spcAft>
+                <a:spcPts val="0"/>
+              </a:spcAft>
+              <a:buClrTx/>
+              <a:buSzTx/>
+              <a:buFontTx/>
+              <a:buNone/>
+            </a:pPr>
+            <a:r>
+              <a:rPr kumimoji="0" lang="zh-CN" altLang="en-US" sz="2000" b="0" i="0" u="none" strike="noStrike" cap="none" spc="0" normalizeH="0" baseline="0" dirty="0" smtClean="0">
+                <a:solidFill>
+                  <a:schemeClr val="bg1">
+                    <a:lumMod val="50000"/>
+                  </a:schemeClr>
+                </a:solidFill>
+                <a:latin typeface="苹方-简" panose="020B0400000000000000" charset="-122"/>
+                <a:ea typeface="苹方-简" panose="020B0400000000000000" charset="-122"/>
+                <a:cs typeface="苹方-简" panose="020B0400000000000000" charset="-122"/>
+                <a:sym typeface="Times New Roman" panose="02020803070505020304"/>
+              </a:rPr>
+              <a:t>        "corp_type": "unverified",</a:t>
+            </a:r>
+            <a:endParaRPr kumimoji="0" lang="zh-CN" altLang="en-US" sz="2000" b="0" i="0" u="none" strike="noStrike" cap="none" spc="0" normalizeH="0" baseline="0" dirty="0" smtClean="0">
+              <a:solidFill>
+                <a:schemeClr val="bg1">
+                  <a:lumMod val="50000"/>
+                </a:schemeClr>
+              </a:solidFill>
+              <a:latin typeface="苹方-简" panose="020B0400000000000000" charset="-122"/>
+              <a:ea typeface="苹方-简" panose="020B0400000000000000" charset="-122"/>
+              <a:cs typeface="苹方-简" panose="020B0400000000000000" charset="-122"/>
+              <a:sym typeface="Times New Roman" panose="02020803070505020304"/>
+            </a:endParaRPr>
+          </a:p>
+          <a:p>
+            <a:pPr marL="0" marR="0" indent="0" algn="l" defTabSz="914400" rtl="0" fontAlgn="auto" latinLnBrk="0" hangingPunct="0">
+              <a:lnSpc>
+                <a:spcPct val="100000"/>
+              </a:lnSpc>
+              <a:spcBef>
+                <a:spcPts val="0"/>
+              </a:spcBef>
+              <a:spcAft>
+                <a:spcPts val="0"/>
+              </a:spcAft>
+              <a:buClrTx/>
+              <a:buSzTx/>
+              <a:buFontTx/>
+              <a:buNone/>
+            </a:pPr>
+            <a:r>
+              <a:rPr kumimoji="0" lang="zh-CN" altLang="en-US" sz="2000" b="0" i="0" u="none" strike="noStrike" cap="none" spc="0" normalizeH="0" baseline="0" dirty="0" smtClean="0">
+                <a:solidFill>
+                  <a:schemeClr val="bg1">
+                    <a:lumMod val="50000"/>
+                  </a:schemeClr>
+                </a:solidFill>
+                <a:latin typeface="苹方-简" panose="020B0400000000000000" charset="-122"/>
+                <a:ea typeface="苹方-简" panose="020B0400000000000000" charset="-122"/>
+                <a:cs typeface="苹方-简" panose="020B0400000000000000" charset="-122"/>
+                <a:sym typeface="Times New Roman" panose="02020803070505020304"/>
+              </a:rPr>
+              <a:t>        "corp_round_logo_url": "https://wework.qpic.cn/wwpic/773052_ji6dX80sT76XZG9_1598797067/0",</a:t>
+            </a:r>
+            <a:endParaRPr kumimoji="0" lang="zh-CN" altLang="en-US" sz="2000" b="0" i="0" u="none" strike="noStrike" cap="none" spc="0" normalizeH="0" baseline="0" dirty="0" smtClean="0">
+              <a:solidFill>
+                <a:schemeClr val="bg1">
+                  <a:lumMod val="50000"/>
+                </a:schemeClr>
+              </a:solidFill>
+              <a:latin typeface="苹方-简" panose="020B0400000000000000" charset="-122"/>
+              <a:ea typeface="苹方-简" panose="020B0400000000000000" charset="-122"/>
+              <a:cs typeface="苹方-简" panose="020B0400000000000000" charset="-122"/>
+              <a:sym typeface="Times New Roman" panose="02020803070505020304"/>
+            </a:endParaRPr>
+          </a:p>
+          <a:p>
+            <a:pPr marL="0" marR="0" indent="0" algn="l" defTabSz="914400" rtl="0" fontAlgn="auto" latinLnBrk="0" hangingPunct="0">
+              <a:lnSpc>
+                <a:spcPct val="100000"/>
+              </a:lnSpc>
+              <a:spcBef>
+                <a:spcPts val="0"/>
+              </a:spcBef>
+              <a:spcAft>
+                <a:spcPts val="0"/>
+              </a:spcAft>
+              <a:buClrTx/>
+              <a:buSzTx/>
+              <a:buFontTx/>
+              <a:buNone/>
+            </a:pPr>
+            <a:r>
+              <a:rPr kumimoji="0" lang="zh-CN" altLang="en-US" sz="2000" b="0" i="0" u="none" strike="noStrike" cap="none" spc="0" normalizeH="0" baseline="0" dirty="0" smtClean="0">
+                <a:solidFill>
+                  <a:schemeClr val="bg1">
+                    <a:lumMod val="50000"/>
+                  </a:schemeClr>
+                </a:solidFill>
+                <a:latin typeface="苹方-简" panose="020B0400000000000000" charset="-122"/>
+                <a:ea typeface="苹方-简" panose="020B0400000000000000" charset="-122"/>
+                <a:cs typeface="苹方-简" panose="020B0400000000000000" charset="-122"/>
+                <a:sym typeface="Times New Roman" panose="02020803070505020304"/>
+              </a:rPr>
+              <a:t>        "corp_square_logo_url": "https://p.qlogo.cn/bizmail/lKt1bRlxFOiaRmH5lu8IGbRqib68aTWzQY9RibtylwsH9fhXDd75M6QlA/0",</a:t>
+            </a:r>
+            <a:endParaRPr kumimoji="0" lang="zh-CN" altLang="en-US" sz="2000" b="0" i="0" u="none" strike="noStrike" cap="none" spc="0" normalizeH="0" baseline="0" dirty="0" smtClean="0">
+              <a:solidFill>
+                <a:schemeClr val="bg1">
+                  <a:lumMod val="50000"/>
+                </a:schemeClr>
+              </a:solidFill>
+              <a:latin typeface="苹方-简" panose="020B0400000000000000" charset="-122"/>
+              <a:ea typeface="苹方-简" panose="020B0400000000000000" charset="-122"/>
+              <a:cs typeface="苹方-简" panose="020B0400000000000000" charset="-122"/>
+              <a:sym typeface="Times New Roman" panose="02020803070505020304"/>
+            </a:endParaRPr>
+          </a:p>
+          <a:p>
+            <a:pPr marL="0" marR="0" indent="0" algn="l" defTabSz="914400" rtl="0" fontAlgn="auto" latinLnBrk="0" hangingPunct="0">
+              <a:lnSpc>
+                <a:spcPct val="100000"/>
+              </a:lnSpc>
+              <a:spcBef>
+                <a:spcPts val="0"/>
+              </a:spcBef>
+              <a:spcAft>
+                <a:spcPts val="0"/>
+              </a:spcAft>
+              <a:buClrTx/>
+              <a:buSzTx/>
+              <a:buFontTx/>
+              <a:buNone/>
+            </a:pPr>
+            <a:r>
+              <a:rPr kumimoji="0" lang="zh-CN" altLang="en-US" sz="2000" b="0" i="0" u="none" strike="noStrike" cap="none" spc="0" normalizeH="0" baseline="0" dirty="0" smtClean="0">
+                <a:solidFill>
+                  <a:schemeClr val="bg1">
+                    <a:lumMod val="50000"/>
+                  </a:schemeClr>
+                </a:solidFill>
+                <a:latin typeface="苹方-简" panose="020B0400000000000000" charset="-122"/>
+                <a:ea typeface="苹方-简" panose="020B0400000000000000" charset="-122"/>
+                <a:cs typeface="苹方-简" panose="020B0400000000000000" charset="-122"/>
+                <a:sym typeface="Times New Roman" panose="02020803070505020304"/>
+              </a:rPr>
+              <a:t>        "corp_user_max": 200,</a:t>
+            </a:r>
+            <a:endParaRPr kumimoji="0" lang="zh-CN" altLang="en-US" sz="2000" b="0" i="0" u="none" strike="noStrike" cap="none" spc="0" normalizeH="0" baseline="0" dirty="0" smtClean="0">
+              <a:solidFill>
+                <a:schemeClr val="bg1">
+                  <a:lumMod val="50000"/>
+                </a:schemeClr>
+              </a:solidFill>
+              <a:latin typeface="苹方-简" panose="020B0400000000000000" charset="-122"/>
+              <a:ea typeface="苹方-简" panose="020B0400000000000000" charset="-122"/>
+              <a:cs typeface="苹方-简" panose="020B0400000000000000" charset="-122"/>
+              <a:sym typeface="Times New Roman" panose="02020803070505020304"/>
+            </a:endParaRPr>
+          </a:p>
+          <a:p>
+            <a:pPr marL="0" marR="0" indent="0" algn="l" defTabSz="914400" rtl="0" fontAlgn="auto" latinLnBrk="0" hangingPunct="0">
+              <a:lnSpc>
+                <a:spcPct val="100000"/>
+              </a:lnSpc>
+              <a:spcBef>
+                <a:spcPts val="0"/>
+              </a:spcBef>
+              <a:spcAft>
+                <a:spcPts val="0"/>
+              </a:spcAft>
+              <a:buClrTx/>
+              <a:buSzTx/>
+              <a:buFontTx/>
+              <a:buNone/>
+            </a:pPr>
+            <a:r>
+              <a:rPr kumimoji="0" lang="zh-CN" altLang="en-US" sz="2000" b="0" i="0" u="none" strike="noStrike" cap="none" spc="0" normalizeH="0" baseline="0" dirty="0" smtClean="0">
+                <a:solidFill>
+                  <a:schemeClr val="bg1">
+                    <a:lumMod val="50000"/>
+                  </a:schemeClr>
+                </a:solidFill>
+                <a:latin typeface="苹方-简" panose="020B0400000000000000" charset="-122"/>
+                <a:ea typeface="苹方-简" panose="020B0400000000000000" charset="-122"/>
+                <a:cs typeface="苹方-简" panose="020B0400000000000000" charset="-122"/>
+                <a:sym typeface="Times New Roman" panose="02020803070505020304"/>
+              </a:rPr>
+              <a:t>        "corp_wxqrcode": "https://wework.qpic.cn/wwpic/7446_-F29bhrTS-eulUt_1638805526/0",</a:t>
+            </a:r>
+            <a:endParaRPr kumimoji="0" lang="zh-CN" altLang="en-US" sz="2000" b="0" i="0" u="none" strike="noStrike" cap="none" spc="0" normalizeH="0" baseline="0" dirty="0" smtClean="0">
+              <a:solidFill>
+                <a:schemeClr val="bg1">
+                  <a:lumMod val="50000"/>
+                </a:schemeClr>
+              </a:solidFill>
+              <a:latin typeface="苹方-简" panose="020B0400000000000000" charset="-122"/>
+              <a:ea typeface="苹方-简" panose="020B0400000000000000" charset="-122"/>
+              <a:cs typeface="苹方-简" panose="020B0400000000000000" charset="-122"/>
+              <a:sym typeface="Times New Roman" panose="02020803070505020304"/>
+            </a:endParaRPr>
+          </a:p>
+          <a:p>
+            <a:pPr marL="0" marR="0" indent="0" algn="l" defTabSz="914400" rtl="0" fontAlgn="auto" latinLnBrk="0" hangingPunct="0">
+              <a:lnSpc>
+                <a:spcPct val="100000"/>
+              </a:lnSpc>
+              <a:spcBef>
+                <a:spcPts val="0"/>
+              </a:spcBef>
+              <a:spcAft>
+                <a:spcPts val="0"/>
+              </a:spcAft>
+              <a:buClrTx/>
+              <a:buSzTx/>
+              <a:buFontTx/>
+              <a:buNone/>
+            </a:pPr>
+            <a:r>
+              <a:rPr kumimoji="0" lang="zh-CN" altLang="en-US" sz="2000" b="0" i="0" u="none" strike="noStrike" cap="none" spc="0" normalizeH="0" baseline="0" dirty="0" smtClean="0">
+                <a:solidFill>
+                  <a:schemeClr val="bg1">
+                    <a:lumMod val="50000"/>
+                  </a:schemeClr>
+                </a:solidFill>
+                <a:latin typeface="苹方-简" panose="020B0400000000000000" charset="-122"/>
+                <a:ea typeface="苹方-简" panose="020B0400000000000000" charset="-122"/>
+                <a:cs typeface="苹方-简" panose="020B0400000000000000" charset="-122"/>
+                <a:sym typeface="Times New Roman" panose="02020803070505020304"/>
+              </a:rPr>
+              <a:t>        "subject_type": 1,</a:t>
+            </a:r>
+            <a:endParaRPr kumimoji="0" lang="zh-CN" altLang="en-US" sz="2000" b="0" i="0" u="none" strike="noStrike" cap="none" spc="0" normalizeH="0" baseline="0" dirty="0" smtClean="0">
+              <a:solidFill>
+                <a:schemeClr val="bg1">
+                  <a:lumMod val="50000"/>
+                </a:schemeClr>
+              </a:solidFill>
+              <a:latin typeface="苹方-简" panose="020B0400000000000000" charset="-122"/>
+              <a:ea typeface="苹方-简" panose="020B0400000000000000" charset="-122"/>
+              <a:cs typeface="苹方-简" panose="020B0400000000000000" charset="-122"/>
+              <a:sym typeface="Times New Roman" panose="02020803070505020304"/>
+            </a:endParaRPr>
+          </a:p>
+          <a:p>
+            <a:pPr marL="0" marR="0" indent="0" algn="l" defTabSz="914400" rtl="0" fontAlgn="auto" latinLnBrk="0" hangingPunct="0">
+              <a:lnSpc>
+                <a:spcPct val="100000"/>
+              </a:lnSpc>
+              <a:spcBef>
+                <a:spcPts val="0"/>
+              </a:spcBef>
+              <a:spcAft>
+                <a:spcPts val="0"/>
+              </a:spcAft>
+              <a:buClrTx/>
+              <a:buSzTx/>
+              <a:buFontTx/>
+              <a:buNone/>
+            </a:pPr>
+            <a:r>
+              <a:rPr kumimoji="0" lang="zh-CN" altLang="en-US" sz="2000" b="0" i="0" u="none" strike="noStrike" cap="none" spc="0" normalizeH="0" baseline="0" dirty="0" smtClean="0">
+                <a:solidFill>
+                  <a:schemeClr val="bg1">
+                    <a:lumMod val="50000"/>
+                  </a:schemeClr>
+                </a:solidFill>
+                <a:latin typeface="苹方-简" panose="020B0400000000000000" charset="-122"/>
+                <a:ea typeface="苹方-简" panose="020B0400000000000000" charset="-122"/>
+                <a:cs typeface="苹方-简" panose="020B0400000000000000" charset="-122"/>
+                <a:sym typeface="Times New Roman" panose="02020803070505020304"/>
+              </a:rPr>
+              <a:t>        "corp_scale": "1-50人",</a:t>
+            </a:r>
+            <a:endParaRPr kumimoji="0" lang="zh-CN" altLang="en-US" sz="2000" b="0" i="0" u="none" strike="noStrike" cap="none" spc="0" normalizeH="0" baseline="0" dirty="0" smtClean="0">
+              <a:solidFill>
+                <a:schemeClr val="bg1">
+                  <a:lumMod val="50000"/>
+                </a:schemeClr>
+              </a:solidFill>
+              <a:latin typeface="苹方-简" panose="020B0400000000000000" charset="-122"/>
+              <a:ea typeface="苹方-简" panose="020B0400000000000000" charset="-122"/>
+              <a:cs typeface="苹方-简" panose="020B0400000000000000" charset="-122"/>
+              <a:sym typeface="Times New Roman" panose="02020803070505020304"/>
+            </a:endParaRPr>
+          </a:p>
+          <a:p>
+            <a:pPr marL="0" marR="0" indent="0" algn="l" defTabSz="914400" rtl="0" fontAlgn="auto" latinLnBrk="0" hangingPunct="0">
+              <a:lnSpc>
+                <a:spcPct val="100000"/>
+              </a:lnSpc>
+              <a:spcBef>
+                <a:spcPts val="0"/>
+              </a:spcBef>
+              <a:spcAft>
+                <a:spcPts val="0"/>
+              </a:spcAft>
+              <a:buClrTx/>
+              <a:buSzTx/>
+              <a:buFontTx/>
+              <a:buNone/>
+            </a:pPr>
+            <a:r>
+              <a:rPr kumimoji="0" lang="zh-CN" altLang="en-US" sz="2000" b="0" i="0" u="none" strike="noStrike" cap="none" spc="0" normalizeH="0" baseline="0" dirty="0" smtClean="0">
+                <a:solidFill>
+                  <a:schemeClr val="bg1">
+                    <a:lumMod val="50000"/>
+                  </a:schemeClr>
+                </a:solidFill>
+                <a:latin typeface="苹方-简" panose="020B0400000000000000" charset="-122"/>
+                <a:ea typeface="苹方-简" panose="020B0400000000000000" charset="-122"/>
+                <a:cs typeface="苹方-简" panose="020B0400000000000000" charset="-122"/>
+                <a:sym typeface="Times New Roman" panose="02020803070505020304"/>
+              </a:rPr>
+              <a:t>        "corp_industry": "教育",</a:t>
+            </a:r>
+            <a:endParaRPr kumimoji="0" lang="zh-CN" altLang="en-US" sz="2000" b="0" i="0" u="none" strike="noStrike" cap="none" spc="0" normalizeH="0" baseline="0" dirty="0" smtClean="0">
+              <a:solidFill>
+                <a:schemeClr val="bg1">
+                  <a:lumMod val="50000"/>
+                </a:schemeClr>
+              </a:solidFill>
+              <a:latin typeface="苹方-简" panose="020B0400000000000000" charset="-122"/>
+              <a:ea typeface="苹方-简" panose="020B0400000000000000" charset="-122"/>
+              <a:cs typeface="苹方-简" panose="020B0400000000000000" charset="-122"/>
+              <a:sym typeface="Times New Roman" panose="02020803070505020304"/>
+            </a:endParaRPr>
+          </a:p>
+          <a:p>
+            <a:pPr marL="0" marR="0" indent="0" algn="l" defTabSz="914400" rtl="0" fontAlgn="auto" latinLnBrk="0" hangingPunct="0">
+              <a:lnSpc>
+                <a:spcPct val="100000"/>
+              </a:lnSpc>
+              <a:spcBef>
+                <a:spcPts val="0"/>
+              </a:spcBef>
+              <a:spcAft>
+                <a:spcPts val="0"/>
+              </a:spcAft>
+              <a:buClrTx/>
+              <a:buSzTx/>
+              <a:buFontTx/>
+              <a:buNone/>
+            </a:pPr>
+            <a:r>
+              <a:rPr kumimoji="0" lang="zh-CN" altLang="en-US" sz="2000" b="0" i="0" u="none" strike="noStrike" cap="none" spc="0" normalizeH="0" baseline="0" dirty="0" smtClean="0">
+                <a:solidFill>
+                  <a:schemeClr val="bg1">
+                    <a:lumMod val="50000"/>
+                  </a:schemeClr>
+                </a:solidFill>
+                <a:latin typeface="苹方-简" panose="020B0400000000000000" charset="-122"/>
+                <a:ea typeface="苹方-简" panose="020B0400000000000000" charset="-122"/>
+                <a:cs typeface="苹方-简" panose="020B0400000000000000" charset="-122"/>
+                <a:sym typeface="Times New Roman" panose="02020803070505020304"/>
+              </a:rPr>
+              <a:t>        "corp_sub_industry": "其他",</a:t>
+            </a:r>
+            <a:endParaRPr kumimoji="0" lang="zh-CN" altLang="en-US" sz="2000" b="0" i="0" u="none" strike="noStrike" cap="none" spc="0" normalizeH="0" baseline="0" dirty="0" smtClean="0">
+              <a:solidFill>
+                <a:schemeClr val="bg1">
+                  <a:lumMod val="50000"/>
+                </a:schemeClr>
+              </a:solidFill>
+              <a:latin typeface="苹方-简" panose="020B0400000000000000" charset="-122"/>
+              <a:ea typeface="苹方-简" panose="020B0400000000000000" charset="-122"/>
+              <a:cs typeface="苹方-简" panose="020B0400000000000000" charset="-122"/>
+              <a:sym typeface="Times New Roman" panose="02020803070505020304"/>
+            </a:endParaRPr>
+          </a:p>
+          <a:p>
+            <a:pPr marL="0" marR="0" indent="0" algn="l" defTabSz="914400" rtl="0" fontAlgn="auto" latinLnBrk="0" hangingPunct="0">
+              <a:lnSpc>
+                <a:spcPct val="100000"/>
+              </a:lnSpc>
+              <a:spcBef>
+                <a:spcPts val="0"/>
+              </a:spcBef>
+              <a:spcAft>
+                <a:spcPts val="0"/>
+              </a:spcAft>
+              <a:buClrTx/>
+              <a:buSzTx/>
+              <a:buFontTx/>
+              <a:buNone/>
+            </a:pPr>
+            <a:r>
+              <a:rPr kumimoji="0" lang="zh-CN" altLang="en-US" sz="2000" b="0" i="0" u="none" strike="noStrike" cap="none" spc="0" normalizeH="0" baseline="0" dirty="0" smtClean="0">
+                <a:solidFill>
+                  <a:schemeClr val="bg1">
+                    <a:lumMod val="50000"/>
+                  </a:schemeClr>
+                </a:solidFill>
+                <a:latin typeface="苹方-简" panose="020B0400000000000000" charset="-122"/>
+                <a:ea typeface="苹方-简" panose="020B0400000000000000" charset="-122"/>
+                <a:cs typeface="苹方-简" panose="020B0400000000000000" charset="-122"/>
+                <a:sym typeface="Times New Roman" panose="02020803070505020304"/>
+              </a:rPr>
+              <a:t>        "location": ""</a:t>
+            </a:r>
+            <a:endParaRPr kumimoji="0" lang="zh-CN" altLang="en-US" sz="2000" b="0" i="0" u="none" strike="noStrike" cap="none" spc="0" normalizeH="0" baseline="0" dirty="0" smtClean="0">
+              <a:solidFill>
+                <a:schemeClr val="bg1">
+                  <a:lumMod val="50000"/>
+                </a:schemeClr>
+              </a:solidFill>
+              <a:latin typeface="苹方-简" panose="020B0400000000000000" charset="-122"/>
+              <a:ea typeface="苹方-简" panose="020B0400000000000000" charset="-122"/>
+              <a:cs typeface="苹方-简" panose="020B0400000000000000" charset="-122"/>
+              <a:sym typeface="Times New Roman" panose="02020803070505020304"/>
+            </a:endParaRPr>
+          </a:p>
+          <a:p>
+            <a:pPr marL="0" marR="0" indent="0" algn="l" defTabSz="914400" rtl="0" fontAlgn="auto" latinLnBrk="0" hangingPunct="0">
+              <a:lnSpc>
+                <a:spcPct val="100000"/>
+              </a:lnSpc>
+              <a:spcBef>
+                <a:spcPts val="0"/>
+              </a:spcBef>
+              <a:spcAft>
+                <a:spcPts val="0"/>
+              </a:spcAft>
+              <a:buClrTx/>
+              <a:buSzTx/>
+              <a:buFontTx/>
+              <a:buNone/>
+            </a:pPr>
+            <a:r>
+              <a:rPr kumimoji="0" lang="zh-CN" altLang="en-US" sz="2000" b="0" i="0" u="none" strike="noStrike" cap="none" spc="0" normalizeH="0" baseline="0" dirty="0" smtClean="0">
+                <a:solidFill>
+                  <a:schemeClr val="bg1">
+                    <a:lumMod val="50000"/>
+                  </a:schemeClr>
+                </a:solidFill>
+                <a:latin typeface="苹方-简" panose="020B0400000000000000" charset="-122"/>
+                <a:ea typeface="苹方-简" panose="020B0400000000000000" charset="-122"/>
+                <a:cs typeface="苹方-简" panose="020B0400000000000000" charset="-122"/>
+                <a:sym typeface="Times New Roman" panose="02020803070505020304"/>
+              </a:rPr>
+              <a:t>    },</a:t>
+            </a:r>
+            <a:endParaRPr kumimoji="0" lang="zh-CN" altLang="en-US" sz="2000" b="0" i="0" u="none" strike="noStrike" cap="none" spc="0" normalizeH="0" baseline="0" dirty="0" smtClean="0">
+              <a:solidFill>
+                <a:schemeClr val="bg1">
+                  <a:lumMod val="50000"/>
+                </a:schemeClr>
+              </a:solidFill>
+              <a:latin typeface="苹方-简" panose="020B0400000000000000" charset="-122"/>
+              <a:ea typeface="苹方-简" panose="020B0400000000000000" charset="-122"/>
+              <a:cs typeface="苹方-简" panose="020B0400000000000000" charset="-122"/>
+              <a:sym typeface="Times New Roman" panose="02020803070505020304"/>
+            </a:endParaRPr>
+          </a:p>
+          <a:p>
+            <a:pPr marL="0" marR="0" indent="0" algn="l" defTabSz="914400" rtl="0" fontAlgn="auto" latinLnBrk="0" hangingPunct="0">
+              <a:lnSpc>
+                <a:spcPct val="100000"/>
+              </a:lnSpc>
+              <a:spcBef>
+                <a:spcPts val="0"/>
+              </a:spcBef>
+              <a:spcAft>
+                <a:spcPts val="0"/>
+              </a:spcAft>
+              <a:buClrTx/>
+              <a:buSzTx/>
+              <a:buFontTx/>
+              <a:buNone/>
+            </a:pPr>
+            <a:r>
+              <a:rPr kumimoji="0" lang="zh-CN" altLang="en-US" sz="2000" b="0" i="0" u="none" strike="noStrike" cap="none" spc="0" normalizeH="0" baseline="0" dirty="0" smtClean="0">
+                <a:solidFill>
+                  <a:schemeClr val="bg1">
+                    <a:lumMod val="50000"/>
+                  </a:schemeClr>
+                </a:solidFill>
+                <a:latin typeface="苹方-简" panose="020B0400000000000000" charset="-122"/>
+                <a:ea typeface="苹方-简" panose="020B0400000000000000" charset="-122"/>
+                <a:cs typeface="苹方-简" panose="020B0400000000000000" charset="-122"/>
+                <a:sym typeface="Times New Roman" panose="02020803070505020304"/>
+              </a:rPr>
+              <a:t>    "auth_info": {</a:t>
+            </a:r>
+            <a:endParaRPr kumimoji="0" lang="zh-CN" altLang="en-US" sz="2000" b="0" i="0" u="none" strike="noStrike" cap="none" spc="0" normalizeH="0" baseline="0" dirty="0" smtClean="0">
+              <a:solidFill>
+                <a:schemeClr val="bg1">
+                  <a:lumMod val="50000"/>
+                </a:schemeClr>
+              </a:solidFill>
+              <a:latin typeface="苹方-简" panose="020B0400000000000000" charset="-122"/>
+              <a:ea typeface="苹方-简" panose="020B0400000000000000" charset="-122"/>
+              <a:cs typeface="苹方-简" panose="020B0400000000000000" charset="-122"/>
+              <a:sym typeface="Times New Roman" panose="02020803070505020304"/>
+            </a:endParaRPr>
+          </a:p>
+          <a:p>
+            <a:pPr marL="0" marR="0" indent="0" algn="l" defTabSz="914400" rtl="0" fontAlgn="auto" latinLnBrk="0" hangingPunct="0">
+              <a:lnSpc>
+                <a:spcPct val="100000"/>
+              </a:lnSpc>
+              <a:spcBef>
+                <a:spcPts val="0"/>
+              </a:spcBef>
+              <a:spcAft>
+                <a:spcPts val="0"/>
+              </a:spcAft>
+              <a:buClrTx/>
+              <a:buSzTx/>
+              <a:buFontTx/>
+              <a:buNone/>
+            </a:pPr>
+            <a:r>
+              <a:rPr kumimoji="0" lang="zh-CN" altLang="en-US" sz="2000" b="0" i="0" u="none" strike="noStrike" cap="none" spc="0" normalizeH="0" baseline="0" dirty="0" smtClean="0">
+                <a:solidFill>
+                  <a:schemeClr val="bg1">
+                    <a:lumMod val="50000"/>
+                  </a:schemeClr>
+                </a:solidFill>
+                <a:latin typeface="苹方-简" panose="020B0400000000000000" charset="-122"/>
+                <a:ea typeface="苹方-简" panose="020B0400000000000000" charset="-122"/>
+                <a:cs typeface="苹方-简" panose="020B0400000000000000" charset="-122"/>
+                <a:sym typeface="Times New Roman" panose="02020803070505020304"/>
+              </a:rPr>
+              <a:t>        "agent": [</a:t>
+            </a:r>
+            <a:endParaRPr kumimoji="0" lang="zh-CN" altLang="en-US" sz="2000" b="0" i="0" u="none" strike="noStrike" cap="none" spc="0" normalizeH="0" baseline="0" dirty="0" smtClean="0">
+              <a:solidFill>
+                <a:schemeClr val="bg1">
+                  <a:lumMod val="50000"/>
+                </a:schemeClr>
+              </a:solidFill>
+              <a:latin typeface="苹方-简" panose="020B0400000000000000" charset="-122"/>
+              <a:ea typeface="苹方-简" panose="020B0400000000000000" charset="-122"/>
+              <a:cs typeface="苹方-简" panose="020B0400000000000000" charset="-122"/>
+              <a:sym typeface="Times New Roman" panose="02020803070505020304"/>
+            </a:endParaRPr>
+          </a:p>
+          <a:p>
+            <a:pPr marL="0" marR="0" indent="0" algn="l" defTabSz="914400" rtl="0" fontAlgn="auto" latinLnBrk="0" hangingPunct="0">
+              <a:lnSpc>
+                <a:spcPct val="100000"/>
+              </a:lnSpc>
+              <a:spcBef>
+                <a:spcPts val="0"/>
+              </a:spcBef>
+              <a:spcAft>
+                <a:spcPts val="0"/>
+              </a:spcAft>
+              <a:buClrTx/>
+              <a:buSzTx/>
+              <a:buFontTx/>
+              <a:buNone/>
+            </a:pPr>
+            <a:r>
+              <a:rPr kumimoji="0" lang="zh-CN" altLang="en-US" sz="2000" b="0" i="0" u="none" strike="noStrike" cap="none" spc="0" normalizeH="0" baseline="0" dirty="0" smtClean="0">
+                <a:solidFill>
+                  <a:schemeClr val="bg1">
+                    <a:lumMod val="50000"/>
+                  </a:schemeClr>
+                </a:solidFill>
+                <a:latin typeface="苹方-简" panose="020B0400000000000000" charset="-122"/>
+                <a:ea typeface="苹方-简" panose="020B0400000000000000" charset="-122"/>
+                <a:cs typeface="苹方-简" panose="020B0400000000000000" charset="-122"/>
+                <a:sym typeface="Times New Roman" panose="02020803070505020304"/>
+              </a:rPr>
+              <a:t>            {</a:t>
+            </a:r>
+            <a:endParaRPr kumimoji="0" lang="zh-CN" altLang="en-US" sz="2000" b="0" i="0" u="none" strike="noStrike" cap="none" spc="0" normalizeH="0" baseline="0" dirty="0" smtClean="0">
+              <a:solidFill>
+                <a:schemeClr val="bg1">
+                  <a:lumMod val="50000"/>
+                </a:schemeClr>
+              </a:solidFill>
+              <a:latin typeface="苹方-简" panose="020B0400000000000000" charset="-122"/>
+              <a:ea typeface="苹方-简" panose="020B0400000000000000" charset="-122"/>
+              <a:cs typeface="苹方-简" panose="020B0400000000000000" charset="-122"/>
+              <a:sym typeface="Times New Roman" panose="02020803070505020304"/>
+            </a:endParaRPr>
+          </a:p>
+          <a:p>
+            <a:pPr marL="0" marR="0" indent="0" algn="l" defTabSz="914400" rtl="0" fontAlgn="auto" latinLnBrk="0" hangingPunct="0">
+              <a:lnSpc>
+                <a:spcPct val="100000"/>
+              </a:lnSpc>
+              <a:spcBef>
+                <a:spcPts val="0"/>
+              </a:spcBef>
+              <a:spcAft>
+                <a:spcPts val="0"/>
+              </a:spcAft>
+              <a:buClrTx/>
+              <a:buSzTx/>
+              <a:buFontTx/>
+              <a:buNone/>
+            </a:pPr>
+            <a:r>
+              <a:rPr kumimoji="0" lang="zh-CN" altLang="en-US" sz="2000" b="0" i="0" u="none" strike="noStrike" cap="none" spc="0" normalizeH="0" baseline="0" dirty="0" smtClean="0">
+                <a:solidFill>
+                  <a:schemeClr val="bg1">
+                    <a:lumMod val="50000"/>
+                  </a:schemeClr>
+                </a:solidFill>
+                <a:latin typeface="苹方-简" panose="020B0400000000000000" charset="-122"/>
+                <a:ea typeface="苹方-简" panose="020B0400000000000000" charset="-122"/>
+                <a:cs typeface="苹方-简" panose="020B0400000000000000" charset="-122"/>
+                <a:sym typeface="Times New Roman" panose="02020803070505020304"/>
+              </a:rPr>
+              <a:t>                "agentid": 1000063,</a:t>
+            </a:r>
+            <a:endParaRPr kumimoji="0" lang="zh-CN" altLang="en-US" sz="2000" b="0" i="0" u="none" strike="noStrike" cap="none" spc="0" normalizeH="0" baseline="0" dirty="0" smtClean="0">
+              <a:solidFill>
+                <a:schemeClr val="bg1">
+                  <a:lumMod val="50000"/>
+                </a:schemeClr>
+              </a:solidFill>
+              <a:latin typeface="苹方-简" panose="020B0400000000000000" charset="-122"/>
+              <a:ea typeface="苹方-简" panose="020B0400000000000000" charset="-122"/>
+              <a:cs typeface="苹方-简" panose="020B0400000000000000" charset="-122"/>
+              <a:sym typeface="Times New Roman" panose="02020803070505020304"/>
+            </a:endParaRPr>
+          </a:p>
+          <a:p>
+            <a:pPr marL="0" marR="0" indent="0" algn="l" defTabSz="914400" rtl="0" fontAlgn="auto" latinLnBrk="0" hangingPunct="0">
+              <a:lnSpc>
+                <a:spcPct val="100000"/>
+              </a:lnSpc>
+              <a:spcBef>
+                <a:spcPts val="0"/>
+              </a:spcBef>
+              <a:spcAft>
+                <a:spcPts val="0"/>
+              </a:spcAft>
+              <a:buClrTx/>
+              <a:buSzTx/>
+              <a:buFontTx/>
+              <a:buNone/>
+            </a:pPr>
+            <a:r>
+              <a:rPr kumimoji="0" lang="zh-CN" altLang="en-US" sz="2000" b="0" i="0" u="none" strike="noStrike" cap="none" spc="0" normalizeH="0" baseline="0" dirty="0" smtClean="0">
+                <a:solidFill>
+                  <a:schemeClr val="bg1">
+                    <a:lumMod val="50000"/>
+                  </a:schemeClr>
+                </a:solidFill>
+                <a:latin typeface="苹方-简" panose="020B0400000000000000" charset="-122"/>
+                <a:ea typeface="苹方-简" panose="020B0400000000000000" charset="-122"/>
+                <a:cs typeface="苹方-简" panose="020B0400000000000000" charset="-122"/>
+                <a:sym typeface="Times New Roman" panose="02020803070505020304"/>
+              </a:rPr>
+              <a:t>                "name": "ToB Dev",</a:t>
+            </a:r>
+            <a:endParaRPr kumimoji="0" lang="zh-CN" altLang="en-US" sz="2000" b="0" i="0" u="none" strike="noStrike" cap="none" spc="0" normalizeH="0" baseline="0" dirty="0" smtClean="0">
+              <a:solidFill>
+                <a:schemeClr val="bg1">
+                  <a:lumMod val="50000"/>
+                </a:schemeClr>
+              </a:solidFill>
+              <a:latin typeface="苹方-简" panose="020B0400000000000000" charset="-122"/>
+              <a:ea typeface="苹方-简" panose="020B0400000000000000" charset="-122"/>
+              <a:cs typeface="苹方-简" panose="020B0400000000000000" charset="-122"/>
+              <a:sym typeface="Times New Roman" panose="02020803070505020304"/>
+            </a:endParaRPr>
+          </a:p>
+          <a:p>
+            <a:pPr marL="0" marR="0" indent="0" algn="l" defTabSz="914400" rtl="0" fontAlgn="auto" latinLnBrk="0" hangingPunct="0">
+              <a:lnSpc>
+                <a:spcPct val="100000"/>
+              </a:lnSpc>
+              <a:spcBef>
+                <a:spcPts val="0"/>
+              </a:spcBef>
+              <a:spcAft>
+                <a:spcPts val="0"/>
+              </a:spcAft>
+              <a:buClrTx/>
+              <a:buSzTx/>
+              <a:buFontTx/>
+              <a:buNone/>
+            </a:pPr>
+            <a:r>
+              <a:rPr kumimoji="0" lang="zh-CN" altLang="en-US" sz="2000" b="0" i="0" u="none" strike="noStrike" cap="none" spc="0" normalizeH="0" baseline="0" dirty="0" smtClean="0">
+                <a:solidFill>
+                  <a:schemeClr val="bg1">
+                    <a:lumMod val="50000"/>
+                  </a:schemeClr>
+                </a:solidFill>
+                <a:latin typeface="苹方-简" panose="020B0400000000000000" charset="-122"/>
+                <a:ea typeface="苹方-简" panose="020B0400000000000000" charset="-122"/>
+                <a:cs typeface="苹方-简" panose="020B0400000000000000" charset="-122"/>
+                <a:sym typeface="Times New Roman" panose="02020803070505020304"/>
+              </a:rPr>
+              <a:t>                "square_logo_url": "https://wework.qpic.cn/bizmail/nDiaoF2008iboG1NIsQd5YpNJDvniazCGwIziccvgNc98RWxPU2VI6pefA/0",</a:t>
+            </a:r>
+            <a:endParaRPr kumimoji="0" lang="zh-CN" altLang="en-US" sz="2000" b="0" i="0" u="none" strike="noStrike" cap="none" spc="0" normalizeH="0" baseline="0" dirty="0" smtClean="0">
+              <a:solidFill>
+                <a:schemeClr val="bg1">
+                  <a:lumMod val="50000"/>
+                </a:schemeClr>
+              </a:solidFill>
+              <a:latin typeface="苹方-简" panose="020B0400000000000000" charset="-122"/>
+              <a:ea typeface="苹方-简" panose="020B0400000000000000" charset="-122"/>
+              <a:cs typeface="苹方-简" panose="020B0400000000000000" charset="-122"/>
+              <a:sym typeface="Times New Roman" panose="02020803070505020304"/>
+            </a:endParaRPr>
+          </a:p>
+          <a:p>
+            <a:pPr marL="0" marR="0" indent="0" algn="l" defTabSz="914400" rtl="0" fontAlgn="auto" latinLnBrk="0" hangingPunct="0">
+              <a:lnSpc>
+                <a:spcPct val="100000"/>
+              </a:lnSpc>
+              <a:spcBef>
+                <a:spcPts val="0"/>
+              </a:spcBef>
+              <a:spcAft>
+                <a:spcPts val="0"/>
+              </a:spcAft>
+              <a:buClrTx/>
+              <a:buSzTx/>
+              <a:buFontTx/>
+              <a:buNone/>
+            </a:pPr>
+            <a:r>
+              <a:rPr kumimoji="0" lang="zh-CN" altLang="en-US" sz="2000" b="0" i="0" u="none" strike="noStrike" cap="none" spc="0" normalizeH="0" baseline="0" dirty="0" smtClean="0">
+                <a:solidFill>
+                  <a:schemeClr val="bg1">
+                    <a:lumMod val="50000"/>
+                  </a:schemeClr>
+                </a:solidFill>
+                <a:latin typeface="苹方-简" panose="020B0400000000000000" charset="-122"/>
+                <a:ea typeface="苹方-简" panose="020B0400000000000000" charset="-122"/>
+                <a:cs typeface="苹方-简" panose="020B0400000000000000" charset="-122"/>
+                <a:sym typeface="Times New Roman" panose="02020803070505020304"/>
+              </a:rPr>
+              <a:t>                "privilege": {</a:t>
+            </a:r>
+            <a:endParaRPr kumimoji="0" lang="zh-CN" altLang="en-US" sz="2000" b="0" i="0" u="none" strike="noStrike" cap="none" spc="0" normalizeH="0" baseline="0" dirty="0" smtClean="0">
+              <a:solidFill>
+                <a:schemeClr val="bg1">
+                  <a:lumMod val="50000"/>
+                </a:schemeClr>
+              </a:solidFill>
+              <a:latin typeface="苹方-简" panose="020B0400000000000000" charset="-122"/>
+              <a:ea typeface="苹方-简" panose="020B0400000000000000" charset="-122"/>
+              <a:cs typeface="苹方-简" panose="020B0400000000000000" charset="-122"/>
+              <a:sym typeface="Times New Roman" panose="02020803070505020304"/>
+            </a:endParaRPr>
+          </a:p>
+          <a:p>
+            <a:pPr marL="0" marR="0" indent="0" algn="l" defTabSz="914400" rtl="0" fontAlgn="auto" latinLnBrk="0" hangingPunct="0">
+              <a:lnSpc>
+                <a:spcPct val="100000"/>
+              </a:lnSpc>
+              <a:spcBef>
+                <a:spcPts val="0"/>
+              </a:spcBef>
+              <a:spcAft>
+                <a:spcPts val="0"/>
+              </a:spcAft>
+              <a:buClrTx/>
+              <a:buSzTx/>
+              <a:buFontTx/>
+              <a:buNone/>
+            </a:pPr>
+            <a:r>
+              <a:rPr kumimoji="0" lang="zh-CN" altLang="en-US" sz="2000" b="0" i="0" u="none" strike="noStrike" cap="none" spc="0" normalizeH="0" baseline="0" dirty="0" smtClean="0">
+                <a:solidFill>
+                  <a:schemeClr val="bg1">
+                    <a:lumMod val="50000"/>
+                  </a:schemeClr>
+                </a:solidFill>
+                <a:latin typeface="苹方-简" panose="020B0400000000000000" charset="-122"/>
+                <a:ea typeface="苹方-简" panose="020B0400000000000000" charset="-122"/>
+                <a:cs typeface="苹方-简" panose="020B0400000000000000" charset="-122"/>
+                <a:sym typeface="Times New Roman" panose="02020803070505020304"/>
+              </a:rPr>
+              <a:t>                    "level": 0,</a:t>
+            </a:r>
+            <a:endParaRPr kumimoji="0" lang="zh-CN" altLang="en-US" sz="2000" b="0" i="0" u="none" strike="noStrike" cap="none" spc="0" normalizeH="0" baseline="0" dirty="0" smtClean="0">
+              <a:solidFill>
+                <a:schemeClr val="bg1">
+                  <a:lumMod val="50000"/>
+                </a:schemeClr>
+              </a:solidFill>
+              <a:latin typeface="苹方-简" panose="020B0400000000000000" charset="-122"/>
+              <a:ea typeface="苹方-简" panose="020B0400000000000000" charset="-122"/>
+              <a:cs typeface="苹方-简" panose="020B0400000000000000" charset="-122"/>
+              <a:sym typeface="Times New Roman" panose="02020803070505020304"/>
+            </a:endParaRPr>
+          </a:p>
+          <a:p>
+            <a:pPr marL="0" marR="0" indent="0" algn="l" defTabSz="914400" rtl="0" fontAlgn="auto" latinLnBrk="0" hangingPunct="0">
+              <a:lnSpc>
+                <a:spcPct val="100000"/>
+              </a:lnSpc>
+              <a:spcBef>
+                <a:spcPts val="0"/>
+              </a:spcBef>
+              <a:spcAft>
+                <a:spcPts val="0"/>
+              </a:spcAft>
+              <a:buClrTx/>
+              <a:buSzTx/>
+              <a:buFontTx/>
+              <a:buNone/>
+            </a:pPr>
+            <a:r>
+              <a:rPr kumimoji="0" lang="zh-CN" altLang="en-US" sz="2000" b="0" i="0" u="none" strike="noStrike" cap="none" spc="0" normalizeH="0" baseline="0" dirty="0" smtClean="0">
+                <a:solidFill>
+                  <a:schemeClr val="bg1">
+                    <a:lumMod val="50000"/>
+                  </a:schemeClr>
+                </a:solidFill>
+                <a:latin typeface="苹方-简" panose="020B0400000000000000" charset="-122"/>
+                <a:ea typeface="苹方-简" panose="020B0400000000000000" charset="-122"/>
+                <a:cs typeface="苹方-简" panose="020B0400000000000000" charset="-122"/>
+                <a:sym typeface="Times New Roman" panose="02020803070505020304"/>
+              </a:rPr>
+              <a:t>                    "allow_party": [],</a:t>
+            </a:r>
+            <a:endParaRPr kumimoji="0" lang="zh-CN" altLang="en-US" sz="2000" b="0" i="0" u="none" strike="noStrike" cap="none" spc="0" normalizeH="0" baseline="0" dirty="0" smtClean="0">
+              <a:solidFill>
+                <a:schemeClr val="bg1">
+                  <a:lumMod val="50000"/>
+                </a:schemeClr>
+              </a:solidFill>
+              <a:latin typeface="苹方-简" panose="020B0400000000000000" charset="-122"/>
+              <a:ea typeface="苹方-简" panose="020B0400000000000000" charset="-122"/>
+              <a:cs typeface="苹方-简" panose="020B0400000000000000" charset="-122"/>
+              <a:sym typeface="Times New Roman" panose="02020803070505020304"/>
+            </a:endParaRPr>
+          </a:p>
+          <a:p>
+            <a:pPr marL="0" marR="0" indent="0" algn="l" defTabSz="914400" rtl="0" fontAlgn="auto" latinLnBrk="0" hangingPunct="0">
+              <a:lnSpc>
+                <a:spcPct val="100000"/>
+              </a:lnSpc>
+              <a:spcBef>
+                <a:spcPts val="0"/>
+              </a:spcBef>
+              <a:spcAft>
+                <a:spcPts val="0"/>
+              </a:spcAft>
+              <a:buClrTx/>
+              <a:buSzTx/>
+              <a:buFontTx/>
+              <a:buNone/>
+            </a:pPr>
+            <a:r>
+              <a:rPr kumimoji="0" lang="zh-CN" altLang="en-US" sz="2000" b="0" i="0" u="none" strike="noStrike" cap="none" spc="0" normalizeH="0" baseline="0" dirty="0" smtClean="0">
+                <a:solidFill>
+                  <a:schemeClr val="bg1">
+                    <a:lumMod val="50000"/>
+                  </a:schemeClr>
+                </a:solidFill>
+                <a:latin typeface="苹方-简" panose="020B0400000000000000" charset="-122"/>
+                <a:ea typeface="苹方-简" panose="020B0400000000000000" charset="-122"/>
+                <a:cs typeface="苹方-简" panose="020B0400000000000000" charset="-122"/>
+                <a:sym typeface="Times New Roman" panose="02020803070505020304"/>
+              </a:rPr>
+              <a:t>                    "allow_user": [],</a:t>
+            </a:r>
+            <a:endParaRPr kumimoji="0" lang="zh-CN" altLang="en-US" sz="2000" b="0" i="0" u="none" strike="noStrike" cap="none" spc="0" normalizeH="0" baseline="0" dirty="0" smtClean="0">
+              <a:solidFill>
+                <a:schemeClr val="bg1">
+                  <a:lumMod val="50000"/>
+                </a:schemeClr>
+              </a:solidFill>
+              <a:latin typeface="苹方-简" panose="020B0400000000000000" charset="-122"/>
+              <a:ea typeface="苹方-简" panose="020B0400000000000000" charset="-122"/>
+              <a:cs typeface="苹方-简" panose="020B0400000000000000" charset="-122"/>
+              <a:sym typeface="Times New Roman" panose="02020803070505020304"/>
+            </a:endParaRPr>
+          </a:p>
+          <a:p>
+            <a:pPr marL="0" marR="0" indent="0" algn="l" defTabSz="914400" rtl="0" fontAlgn="auto" latinLnBrk="0" hangingPunct="0">
+              <a:lnSpc>
+                <a:spcPct val="100000"/>
+              </a:lnSpc>
+              <a:spcBef>
+                <a:spcPts val="0"/>
+              </a:spcBef>
+              <a:spcAft>
+                <a:spcPts val="0"/>
+              </a:spcAft>
+              <a:buClrTx/>
+              <a:buSzTx/>
+              <a:buFontTx/>
+              <a:buNone/>
+            </a:pPr>
+            <a:r>
+              <a:rPr kumimoji="0" lang="zh-CN" altLang="en-US" sz="2000" b="0" i="0" u="none" strike="noStrike" cap="none" spc="0" normalizeH="0" baseline="0" dirty="0" smtClean="0">
+                <a:solidFill>
+                  <a:schemeClr val="bg1">
+                    <a:lumMod val="50000"/>
+                  </a:schemeClr>
+                </a:solidFill>
+                <a:latin typeface="苹方-简" panose="020B0400000000000000" charset="-122"/>
+                <a:ea typeface="苹方-简" panose="020B0400000000000000" charset="-122"/>
+                <a:cs typeface="苹方-简" panose="020B0400000000000000" charset="-122"/>
+                <a:sym typeface="Times New Roman" panose="02020803070505020304"/>
+              </a:rPr>
+              <a:t>                    "allow_tag": [],</a:t>
+            </a:r>
+            <a:endParaRPr kumimoji="0" lang="zh-CN" altLang="en-US" sz="2000" b="0" i="0" u="none" strike="noStrike" cap="none" spc="0" normalizeH="0" baseline="0" dirty="0" smtClean="0">
+              <a:solidFill>
+                <a:schemeClr val="bg1">
+                  <a:lumMod val="50000"/>
+                </a:schemeClr>
+              </a:solidFill>
+              <a:latin typeface="苹方-简" panose="020B0400000000000000" charset="-122"/>
+              <a:ea typeface="苹方-简" panose="020B0400000000000000" charset="-122"/>
+              <a:cs typeface="苹方-简" panose="020B0400000000000000" charset="-122"/>
+              <a:sym typeface="Times New Roman" panose="02020803070505020304"/>
+            </a:endParaRPr>
+          </a:p>
+          <a:p>
+            <a:pPr marL="0" marR="0" indent="0" algn="l" defTabSz="914400" rtl="0" fontAlgn="auto" latinLnBrk="0" hangingPunct="0">
+              <a:lnSpc>
+                <a:spcPct val="100000"/>
+              </a:lnSpc>
+              <a:spcBef>
+                <a:spcPts val="0"/>
+              </a:spcBef>
+              <a:spcAft>
+                <a:spcPts val="0"/>
+              </a:spcAft>
+              <a:buClrTx/>
+              <a:buSzTx/>
+              <a:buFontTx/>
+              <a:buNone/>
+            </a:pPr>
+            <a:r>
+              <a:rPr kumimoji="0" lang="zh-CN" altLang="en-US" sz="2000" b="0" i="0" u="none" strike="noStrike" cap="none" spc="0" normalizeH="0" baseline="0" dirty="0" smtClean="0">
+                <a:solidFill>
+                  <a:schemeClr val="bg1">
+                    <a:lumMod val="50000"/>
+                  </a:schemeClr>
+                </a:solidFill>
+                <a:latin typeface="苹方-简" panose="020B0400000000000000" charset="-122"/>
+                <a:ea typeface="苹方-简" panose="020B0400000000000000" charset="-122"/>
+                <a:cs typeface="苹方-简" panose="020B0400000000000000" charset="-122"/>
+                <a:sym typeface="Times New Roman" panose="02020803070505020304"/>
+              </a:rPr>
+              <a:t>                    "extra_party": [],</a:t>
+            </a:r>
+            <a:endParaRPr kumimoji="0" lang="zh-CN" altLang="en-US" sz="2000" b="0" i="0" u="none" strike="noStrike" cap="none" spc="0" normalizeH="0" baseline="0" dirty="0" smtClean="0">
+              <a:solidFill>
+                <a:schemeClr val="bg1">
+                  <a:lumMod val="50000"/>
+                </a:schemeClr>
+              </a:solidFill>
+              <a:latin typeface="苹方-简" panose="020B0400000000000000" charset="-122"/>
+              <a:ea typeface="苹方-简" panose="020B0400000000000000" charset="-122"/>
+              <a:cs typeface="苹方-简" panose="020B0400000000000000" charset="-122"/>
+              <a:sym typeface="Times New Roman" panose="02020803070505020304"/>
+            </a:endParaRPr>
+          </a:p>
+          <a:p>
+            <a:pPr marL="0" marR="0" indent="0" algn="l" defTabSz="914400" rtl="0" fontAlgn="auto" latinLnBrk="0" hangingPunct="0">
+              <a:lnSpc>
+                <a:spcPct val="100000"/>
+              </a:lnSpc>
+              <a:spcBef>
+                <a:spcPts val="0"/>
+              </a:spcBef>
+              <a:spcAft>
+                <a:spcPts val="0"/>
+              </a:spcAft>
+              <a:buClrTx/>
+              <a:buSzTx/>
+              <a:buFontTx/>
+              <a:buNone/>
+            </a:pPr>
+            <a:r>
+              <a:rPr kumimoji="0" lang="zh-CN" altLang="en-US" sz="2000" b="0" i="0" u="none" strike="noStrike" cap="none" spc="0" normalizeH="0" baseline="0" dirty="0" smtClean="0">
+                <a:solidFill>
+                  <a:schemeClr val="bg1">
+                    <a:lumMod val="50000"/>
+                  </a:schemeClr>
+                </a:solidFill>
+                <a:latin typeface="苹方-简" panose="020B0400000000000000" charset="-122"/>
+                <a:ea typeface="苹方-简" panose="020B0400000000000000" charset="-122"/>
+                <a:cs typeface="苹方-简" panose="020B0400000000000000" charset="-122"/>
+                <a:sym typeface="Times New Roman" panose="02020803070505020304"/>
+              </a:rPr>
+              <a:t>                    "extra_user": [],</a:t>
+            </a:r>
+            <a:endParaRPr kumimoji="0" lang="zh-CN" altLang="en-US" sz="2000" b="0" i="0" u="none" strike="noStrike" cap="none" spc="0" normalizeH="0" baseline="0" dirty="0" smtClean="0">
+              <a:solidFill>
+                <a:schemeClr val="bg1">
+                  <a:lumMod val="50000"/>
+                </a:schemeClr>
+              </a:solidFill>
+              <a:latin typeface="苹方-简" panose="020B0400000000000000" charset="-122"/>
+              <a:ea typeface="苹方-简" panose="020B0400000000000000" charset="-122"/>
+              <a:cs typeface="苹方-简" panose="020B0400000000000000" charset="-122"/>
+              <a:sym typeface="Times New Roman" panose="02020803070505020304"/>
+            </a:endParaRPr>
+          </a:p>
+          <a:p>
+            <a:pPr marL="0" marR="0" indent="0" algn="l" defTabSz="914400" rtl="0" fontAlgn="auto" latinLnBrk="0" hangingPunct="0">
+              <a:lnSpc>
+                <a:spcPct val="100000"/>
+              </a:lnSpc>
+              <a:spcBef>
+                <a:spcPts val="0"/>
+              </a:spcBef>
+              <a:spcAft>
+                <a:spcPts val="0"/>
+              </a:spcAft>
+              <a:buClrTx/>
+              <a:buSzTx/>
+              <a:buFontTx/>
+              <a:buNone/>
+            </a:pPr>
+            <a:r>
+              <a:rPr kumimoji="0" lang="zh-CN" altLang="en-US" sz="2000" b="0" i="0" u="none" strike="noStrike" cap="none" spc="0" normalizeH="0" baseline="0" dirty="0" smtClean="0">
+                <a:solidFill>
+                  <a:schemeClr val="bg1">
+                    <a:lumMod val="50000"/>
+                  </a:schemeClr>
+                </a:solidFill>
+                <a:latin typeface="苹方-简" panose="020B0400000000000000" charset="-122"/>
+                <a:ea typeface="苹方-简" panose="020B0400000000000000" charset="-122"/>
+                <a:cs typeface="苹方-简" panose="020B0400000000000000" charset="-122"/>
+                <a:sym typeface="Times New Roman" panose="02020803070505020304"/>
+              </a:rPr>
+              <a:t>                    "extra_tag": []</a:t>
+            </a:r>
+            <a:endParaRPr kumimoji="0" lang="zh-CN" altLang="en-US" sz="2000" b="0" i="0" u="none" strike="noStrike" cap="none" spc="0" normalizeH="0" baseline="0" dirty="0" smtClean="0">
+              <a:solidFill>
+                <a:schemeClr val="bg1">
+                  <a:lumMod val="50000"/>
+                </a:schemeClr>
+              </a:solidFill>
+              <a:latin typeface="苹方-简" panose="020B0400000000000000" charset="-122"/>
+              <a:ea typeface="苹方-简" panose="020B0400000000000000" charset="-122"/>
+              <a:cs typeface="苹方-简" panose="020B0400000000000000" charset="-122"/>
+              <a:sym typeface="Times New Roman" panose="02020803070505020304"/>
+            </a:endParaRPr>
+          </a:p>
+          <a:p>
+            <a:pPr marL="0" marR="0" indent="0" algn="l" defTabSz="914400" rtl="0" fontAlgn="auto" latinLnBrk="0" hangingPunct="0">
+              <a:lnSpc>
+                <a:spcPct val="100000"/>
+              </a:lnSpc>
+              <a:spcBef>
+                <a:spcPts val="0"/>
+              </a:spcBef>
+              <a:spcAft>
+                <a:spcPts val="0"/>
+              </a:spcAft>
+              <a:buClrTx/>
+              <a:buSzTx/>
+              <a:buFontTx/>
+              <a:buNone/>
+            </a:pPr>
+            <a:r>
+              <a:rPr kumimoji="0" lang="zh-CN" altLang="en-US" sz="2000" b="0" i="0" u="none" strike="noStrike" cap="none" spc="0" normalizeH="0" baseline="0" dirty="0" smtClean="0">
+                <a:solidFill>
+                  <a:schemeClr val="bg1">
+                    <a:lumMod val="50000"/>
+                  </a:schemeClr>
+                </a:solidFill>
+                <a:latin typeface="苹方-简" panose="020B0400000000000000" charset="-122"/>
+                <a:ea typeface="苹方-简" panose="020B0400000000000000" charset="-122"/>
+                <a:cs typeface="苹方-简" panose="020B0400000000000000" charset="-122"/>
+                <a:sym typeface="Times New Roman" panose="02020803070505020304"/>
+              </a:rPr>
+              <a:t>                },</a:t>
+            </a:r>
+            <a:endParaRPr kumimoji="0" lang="zh-CN" altLang="en-US" sz="2000" b="0" i="0" u="none" strike="noStrike" cap="none" spc="0" normalizeH="0" baseline="0" dirty="0" smtClean="0">
+              <a:solidFill>
+                <a:schemeClr val="bg1">
+                  <a:lumMod val="50000"/>
+                </a:schemeClr>
+              </a:solidFill>
+              <a:latin typeface="苹方-简" panose="020B0400000000000000" charset="-122"/>
+              <a:ea typeface="苹方-简" panose="020B0400000000000000" charset="-122"/>
+              <a:cs typeface="苹方-简" panose="020B0400000000000000" charset="-122"/>
+              <a:sym typeface="Times New Roman" panose="02020803070505020304"/>
+            </a:endParaRPr>
+          </a:p>
+          <a:p>
+            <a:pPr marL="0" marR="0" indent="0" algn="l" defTabSz="914400" rtl="0" fontAlgn="auto" latinLnBrk="0" hangingPunct="0">
+              <a:lnSpc>
+                <a:spcPct val="100000"/>
+              </a:lnSpc>
+              <a:spcBef>
+                <a:spcPts val="0"/>
+              </a:spcBef>
+              <a:spcAft>
+                <a:spcPts val="0"/>
+              </a:spcAft>
+              <a:buClrTx/>
+              <a:buSzTx/>
+              <a:buFontTx/>
+              <a:buNone/>
+            </a:pPr>
+            <a:r>
+              <a:rPr kumimoji="0" lang="zh-CN" altLang="en-US" sz="2000" b="0" i="0" u="none" strike="noStrike" cap="none" spc="0" normalizeH="0" baseline="0" dirty="0" smtClean="0">
+                <a:solidFill>
+                  <a:schemeClr val="bg1">
+                    <a:lumMod val="50000"/>
+                  </a:schemeClr>
+                </a:solidFill>
+                <a:latin typeface="苹方-简" panose="020B0400000000000000" charset="-122"/>
+                <a:ea typeface="苹方-简" panose="020B0400000000000000" charset="-122"/>
+                <a:cs typeface="苹方-简" panose="020B0400000000000000" charset="-122"/>
+                <a:sym typeface="Times New Roman" panose="02020803070505020304"/>
+              </a:rPr>
+              <a:t>                "is_customized_app": true</a:t>
+            </a:r>
+            <a:endParaRPr kumimoji="0" lang="zh-CN" altLang="en-US" sz="2000" b="0" i="0" u="none" strike="noStrike" cap="none" spc="0" normalizeH="0" baseline="0" dirty="0" smtClean="0">
+              <a:solidFill>
+                <a:schemeClr val="bg1">
+                  <a:lumMod val="50000"/>
+                </a:schemeClr>
+              </a:solidFill>
+              <a:latin typeface="苹方-简" panose="020B0400000000000000" charset="-122"/>
+              <a:ea typeface="苹方-简" panose="020B0400000000000000" charset="-122"/>
+              <a:cs typeface="苹方-简" panose="020B0400000000000000" charset="-122"/>
+              <a:sym typeface="Times New Roman" panose="02020803070505020304"/>
+            </a:endParaRPr>
+          </a:p>
+          <a:p>
+            <a:pPr marL="0" marR="0" indent="0" algn="l" defTabSz="914400" rtl="0" fontAlgn="auto" latinLnBrk="0" hangingPunct="0">
+              <a:lnSpc>
+                <a:spcPct val="100000"/>
+              </a:lnSpc>
+              <a:spcBef>
+                <a:spcPts val="0"/>
+              </a:spcBef>
+              <a:spcAft>
+                <a:spcPts val="0"/>
+              </a:spcAft>
+              <a:buClrTx/>
+              <a:buSzTx/>
+              <a:buFontTx/>
+              <a:buNone/>
+            </a:pPr>
+            <a:r>
+              <a:rPr kumimoji="0" lang="zh-CN" altLang="en-US" sz="2000" b="0" i="0" u="none" strike="noStrike" cap="none" spc="0" normalizeH="0" baseline="0" dirty="0" smtClean="0">
+                <a:solidFill>
+                  <a:schemeClr val="bg1">
+                    <a:lumMod val="50000"/>
+                  </a:schemeClr>
+                </a:solidFill>
+                <a:latin typeface="苹方-简" panose="020B0400000000000000" charset="-122"/>
+                <a:ea typeface="苹方-简" panose="020B0400000000000000" charset="-122"/>
+                <a:cs typeface="苹方-简" panose="020B0400000000000000" charset="-122"/>
+                <a:sym typeface="Times New Roman" panose="02020803070505020304"/>
+              </a:rPr>
+              <a:t>            }</a:t>
+            </a:r>
+            <a:endParaRPr kumimoji="0" lang="zh-CN" altLang="en-US" sz="2000" b="0" i="0" u="none" strike="noStrike" cap="none" spc="0" normalizeH="0" baseline="0" dirty="0" smtClean="0">
+              <a:solidFill>
+                <a:schemeClr val="bg1">
+                  <a:lumMod val="50000"/>
+                </a:schemeClr>
+              </a:solidFill>
+              <a:latin typeface="苹方-简" panose="020B0400000000000000" charset="-122"/>
+              <a:ea typeface="苹方-简" panose="020B0400000000000000" charset="-122"/>
+              <a:cs typeface="苹方-简" panose="020B0400000000000000" charset="-122"/>
+              <a:sym typeface="Times New Roman" panose="02020803070505020304"/>
+            </a:endParaRPr>
+          </a:p>
+          <a:p>
+            <a:pPr marL="0" marR="0" indent="0" algn="l" defTabSz="914400" rtl="0" fontAlgn="auto" latinLnBrk="0" hangingPunct="0">
+              <a:lnSpc>
+                <a:spcPct val="100000"/>
+              </a:lnSpc>
+              <a:spcBef>
+                <a:spcPts val="0"/>
+              </a:spcBef>
+              <a:spcAft>
+                <a:spcPts val="0"/>
+              </a:spcAft>
+              <a:buClrTx/>
+              <a:buSzTx/>
+              <a:buFontTx/>
+              <a:buNone/>
+            </a:pPr>
+            <a:r>
+              <a:rPr kumimoji="0" lang="zh-CN" altLang="en-US" sz="2000" b="0" i="0" u="none" strike="noStrike" cap="none" spc="0" normalizeH="0" baseline="0" dirty="0" smtClean="0">
+                <a:solidFill>
+                  <a:schemeClr val="bg1">
+                    <a:lumMod val="50000"/>
+                  </a:schemeClr>
+                </a:solidFill>
+                <a:latin typeface="苹方-简" panose="020B0400000000000000" charset="-122"/>
+                <a:ea typeface="苹方-简" panose="020B0400000000000000" charset="-122"/>
+                <a:cs typeface="苹方-简" panose="020B0400000000000000" charset="-122"/>
+                <a:sym typeface="Times New Roman" panose="02020803070505020304"/>
+              </a:rPr>
+              <a:t>        ]</a:t>
+            </a:r>
+            <a:endParaRPr kumimoji="0" lang="zh-CN" altLang="en-US" sz="2000" b="0" i="0" u="none" strike="noStrike" cap="none" spc="0" normalizeH="0" baseline="0" dirty="0" smtClean="0">
+              <a:solidFill>
+                <a:schemeClr val="bg1">
+                  <a:lumMod val="50000"/>
+                </a:schemeClr>
+              </a:solidFill>
+              <a:latin typeface="苹方-简" panose="020B0400000000000000" charset="-122"/>
+              <a:ea typeface="苹方-简" panose="020B0400000000000000" charset="-122"/>
+              <a:cs typeface="苹方-简" panose="020B0400000000000000" charset="-122"/>
+              <a:sym typeface="Times New Roman" panose="02020803070505020304"/>
+            </a:endParaRPr>
+          </a:p>
+          <a:p>
+            <a:pPr marL="0" marR="0" indent="0" algn="l" defTabSz="914400" rtl="0" fontAlgn="auto" latinLnBrk="0" hangingPunct="0">
+              <a:lnSpc>
+                <a:spcPct val="100000"/>
+              </a:lnSpc>
+              <a:spcBef>
+                <a:spcPts val="0"/>
+              </a:spcBef>
+              <a:spcAft>
+                <a:spcPts val="0"/>
+              </a:spcAft>
+              <a:buClrTx/>
+              <a:buSzTx/>
+              <a:buFontTx/>
+              <a:buNone/>
+            </a:pPr>
+            <a:r>
+              <a:rPr kumimoji="0" lang="zh-CN" altLang="en-US" sz="2000" b="0" i="0" u="none" strike="noStrike" cap="none" spc="0" normalizeH="0" baseline="0" dirty="0" smtClean="0">
+                <a:solidFill>
+                  <a:schemeClr val="bg1">
+                    <a:lumMod val="50000"/>
+                  </a:schemeClr>
+                </a:solidFill>
+                <a:latin typeface="苹方-简" panose="020B0400000000000000" charset="-122"/>
+                <a:ea typeface="苹方-简" panose="020B0400000000000000" charset="-122"/>
+                <a:cs typeface="苹方-简" panose="020B0400000000000000" charset="-122"/>
+                <a:sym typeface="Times New Roman" panose="02020803070505020304"/>
+              </a:rPr>
+              <a:t>    },</a:t>
+            </a:r>
+            <a:endParaRPr kumimoji="0" lang="zh-CN" altLang="en-US" sz="2000" b="0" i="0" u="none" strike="noStrike" cap="none" spc="0" normalizeH="0" baseline="0" dirty="0" smtClean="0">
+              <a:solidFill>
+                <a:schemeClr val="bg1">
+                  <a:lumMod val="50000"/>
+                </a:schemeClr>
+              </a:solidFill>
+              <a:latin typeface="苹方-简" panose="020B0400000000000000" charset="-122"/>
+              <a:ea typeface="苹方-简" panose="020B0400000000000000" charset="-122"/>
+              <a:cs typeface="苹方-简" panose="020B0400000000000000" charset="-122"/>
+              <a:sym typeface="Times New Roman" panose="02020803070505020304"/>
+            </a:endParaRPr>
+          </a:p>
+          <a:p>
+            <a:pPr marL="0" marR="0" indent="0" algn="l" defTabSz="914400" rtl="0" fontAlgn="auto" latinLnBrk="0" hangingPunct="0">
+              <a:lnSpc>
+                <a:spcPct val="100000"/>
+              </a:lnSpc>
+              <a:spcBef>
+                <a:spcPts val="0"/>
+              </a:spcBef>
+              <a:spcAft>
+                <a:spcPts val="0"/>
+              </a:spcAft>
+              <a:buClrTx/>
+              <a:buSzTx/>
+              <a:buFontTx/>
+              <a:buNone/>
+            </a:pPr>
+            <a:r>
+              <a:rPr kumimoji="0" lang="zh-CN" altLang="en-US" sz="2000" b="0" i="0" u="none" strike="noStrike" cap="none" spc="0" normalizeH="0" baseline="0" dirty="0" smtClean="0">
+                <a:solidFill>
+                  <a:schemeClr val="bg1">
+                    <a:lumMod val="50000"/>
+                  </a:schemeClr>
+                </a:solidFill>
+                <a:latin typeface="苹方-简" panose="020B0400000000000000" charset="-122"/>
+                <a:ea typeface="苹方-简" panose="020B0400000000000000" charset="-122"/>
+                <a:cs typeface="苹方-简" panose="020B0400000000000000" charset="-122"/>
+                <a:sym typeface="Times New Roman" panose="02020803070505020304"/>
+              </a:rPr>
+              <a:t>    "auth_user_info": {</a:t>
+            </a:r>
+            <a:endParaRPr kumimoji="0" lang="zh-CN" altLang="en-US" sz="2000" b="0" i="0" u="none" strike="noStrike" cap="none" spc="0" normalizeH="0" baseline="0" dirty="0" smtClean="0">
+              <a:solidFill>
+                <a:schemeClr val="bg1">
+                  <a:lumMod val="50000"/>
+                </a:schemeClr>
+              </a:solidFill>
+              <a:latin typeface="苹方-简" panose="020B0400000000000000" charset="-122"/>
+              <a:ea typeface="苹方-简" panose="020B0400000000000000" charset="-122"/>
+              <a:cs typeface="苹方-简" panose="020B0400000000000000" charset="-122"/>
+              <a:sym typeface="Times New Roman" panose="02020803070505020304"/>
+            </a:endParaRPr>
+          </a:p>
+          <a:p>
+            <a:pPr marL="0" marR="0" indent="0" algn="l" defTabSz="914400" rtl="0" fontAlgn="auto" latinLnBrk="0" hangingPunct="0">
+              <a:lnSpc>
+                <a:spcPct val="100000"/>
+              </a:lnSpc>
+              <a:spcBef>
+                <a:spcPts val="0"/>
+              </a:spcBef>
+              <a:spcAft>
+                <a:spcPts val="0"/>
+              </a:spcAft>
+              <a:buClrTx/>
+              <a:buSzTx/>
+              <a:buFontTx/>
+              <a:buNone/>
+            </a:pPr>
+            <a:r>
+              <a:rPr kumimoji="0" lang="zh-CN" altLang="en-US" sz="2000" b="0" i="0" u="none" strike="noStrike" cap="none" spc="0" normalizeH="0" baseline="0" dirty="0" smtClean="0">
+                <a:solidFill>
+                  <a:schemeClr val="bg1">
+                    <a:lumMod val="50000"/>
+                  </a:schemeClr>
+                </a:solidFill>
+                <a:latin typeface="苹方-简" panose="020B0400000000000000" charset="-122"/>
+                <a:ea typeface="苹方-简" panose="020B0400000000000000" charset="-122"/>
+                <a:cs typeface="苹方-简" panose="020B0400000000000000" charset="-122"/>
+                <a:sym typeface="Times New Roman" panose="02020803070505020304"/>
+              </a:rPr>
+              <a:t>        "userid": "LiYueXi",</a:t>
+            </a:r>
+            <a:endParaRPr kumimoji="0" lang="zh-CN" altLang="en-US" sz="2000" b="0" i="0" u="none" strike="noStrike" cap="none" spc="0" normalizeH="0" baseline="0" dirty="0" smtClean="0">
+              <a:solidFill>
+                <a:schemeClr val="bg1">
+                  <a:lumMod val="50000"/>
+                </a:schemeClr>
+              </a:solidFill>
+              <a:latin typeface="苹方-简" panose="020B0400000000000000" charset="-122"/>
+              <a:ea typeface="苹方-简" panose="020B0400000000000000" charset="-122"/>
+              <a:cs typeface="苹方-简" panose="020B0400000000000000" charset="-122"/>
+              <a:sym typeface="Times New Roman" panose="02020803070505020304"/>
+            </a:endParaRPr>
+          </a:p>
+          <a:p>
+            <a:pPr marL="0" marR="0" indent="0" algn="l" defTabSz="914400" rtl="0" fontAlgn="auto" latinLnBrk="0" hangingPunct="0">
+              <a:lnSpc>
+                <a:spcPct val="100000"/>
+              </a:lnSpc>
+              <a:spcBef>
+                <a:spcPts val="0"/>
+              </a:spcBef>
+              <a:spcAft>
+                <a:spcPts val="0"/>
+              </a:spcAft>
+              <a:buClrTx/>
+              <a:buSzTx/>
+              <a:buFontTx/>
+              <a:buNone/>
+            </a:pPr>
+            <a:r>
+              <a:rPr kumimoji="0" lang="zh-CN" altLang="en-US" sz="2000" b="0" i="0" u="none" strike="noStrike" cap="none" spc="0" normalizeH="0" baseline="0" dirty="0" smtClean="0">
+                <a:solidFill>
+                  <a:schemeClr val="bg1">
+                    <a:lumMod val="50000"/>
+                  </a:schemeClr>
+                </a:solidFill>
+                <a:latin typeface="苹方-简" panose="020B0400000000000000" charset="-122"/>
+                <a:ea typeface="苹方-简" panose="020B0400000000000000" charset="-122"/>
+                <a:cs typeface="苹方-简" panose="020B0400000000000000" charset="-122"/>
+                <a:sym typeface="Times New Roman" panose="02020803070505020304"/>
+              </a:rPr>
+              <a:t>        "name": "李月喜",</a:t>
+            </a:r>
+            <a:endParaRPr kumimoji="0" lang="zh-CN" altLang="en-US" sz="2000" b="0" i="0" u="none" strike="noStrike" cap="none" spc="0" normalizeH="0" baseline="0" dirty="0" smtClean="0">
+              <a:solidFill>
+                <a:schemeClr val="bg1">
+                  <a:lumMod val="50000"/>
+                </a:schemeClr>
+              </a:solidFill>
+              <a:latin typeface="苹方-简" panose="020B0400000000000000" charset="-122"/>
+              <a:ea typeface="苹方-简" panose="020B0400000000000000" charset="-122"/>
+              <a:cs typeface="苹方-简" panose="020B0400000000000000" charset="-122"/>
+              <a:sym typeface="Times New Roman" panose="02020803070505020304"/>
+            </a:endParaRPr>
+          </a:p>
+          <a:p>
+            <a:pPr marL="0" marR="0" indent="0" algn="l" defTabSz="914400" rtl="0" fontAlgn="auto" latinLnBrk="0" hangingPunct="0">
+              <a:lnSpc>
+                <a:spcPct val="100000"/>
+              </a:lnSpc>
+              <a:spcBef>
+                <a:spcPts val="0"/>
+              </a:spcBef>
+              <a:spcAft>
+                <a:spcPts val="0"/>
+              </a:spcAft>
+              <a:buClrTx/>
+              <a:buSzTx/>
+              <a:buFontTx/>
+              <a:buNone/>
+            </a:pPr>
+            <a:r>
+              <a:rPr kumimoji="0" lang="zh-CN" altLang="en-US" sz="2000" b="0" i="0" u="none" strike="noStrike" cap="none" spc="0" normalizeH="0" baseline="0" dirty="0" smtClean="0">
+                <a:solidFill>
+                  <a:schemeClr val="bg1">
+                    <a:lumMod val="50000"/>
+                  </a:schemeClr>
+                </a:solidFill>
+                <a:latin typeface="苹方-简" panose="020B0400000000000000" charset="-122"/>
+                <a:ea typeface="苹方-简" panose="020B0400000000000000" charset="-122"/>
+                <a:cs typeface="苹方-简" panose="020B0400000000000000" charset="-122"/>
+                <a:sym typeface="Times New Roman" panose="02020803070505020304"/>
+              </a:rPr>
+              <a:t>        "avatar": "http://wework.qpic.cn/bizmail/ZaLyxPDEoVwnaRMgT8JKzxiam15aTsQoRBTsiaz3iaMRWkNnVdMVKrCBw/0",</a:t>
+            </a:r>
+            <a:endParaRPr kumimoji="0" lang="zh-CN" altLang="en-US" sz="2000" b="0" i="0" u="none" strike="noStrike" cap="none" spc="0" normalizeH="0" baseline="0" dirty="0" smtClean="0">
+              <a:solidFill>
+                <a:schemeClr val="bg1">
+                  <a:lumMod val="50000"/>
+                </a:schemeClr>
+              </a:solidFill>
+              <a:latin typeface="苹方-简" panose="020B0400000000000000" charset="-122"/>
+              <a:ea typeface="苹方-简" panose="020B0400000000000000" charset="-122"/>
+              <a:cs typeface="苹方-简" panose="020B0400000000000000" charset="-122"/>
+              <a:sym typeface="Times New Roman" panose="02020803070505020304"/>
+            </a:endParaRPr>
+          </a:p>
+          <a:p>
+            <a:pPr marL="0" marR="0" indent="0" algn="l" defTabSz="914400" rtl="0" fontAlgn="auto" latinLnBrk="0" hangingPunct="0">
+              <a:lnSpc>
+                <a:spcPct val="100000"/>
+              </a:lnSpc>
+              <a:spcBef>
+                <a:spcPts val="0"/>
+              </a:spcBef>
+              <a:spcAft>
+                <a:spcPts val="0"/>
+              </a:spcAft>
+              <a:buClrTx/>
+              <a:buSzTx/>
+              <a:buFontTx/>
+              <a:buNone/>
+            </a:pPr>
+            <a:r>
+              <a:rPr kumimoji="0" lang="zh-CN" altLang="en-US" sz="2000" b="0" i="0" u="none" strike="noStrike" cap="none" spc="0" normalizeH="0" baseline="0" dirty="0" smtClean="0">
+                <a:solidFill>
+                  <a:schemeClr val="bg1">
+                    <a:lumMod val="50000"/>
+                  </a:schemeClr>
+                </a:solidFill>
+                <a:latin typeface="苹方-简" panose="020B0400000000000000" charset="-122"/>
+                <a:ea typeface="苹方-简" panose="020B0400000000000000" charset="-122"/>
+                <a:cs typeface="苹方-简" panose="020B0400000000000000" charset="-122"/>
+                <a:sym typeface="Times New Roman" panose="02020803070505020304"/>
+              </a:rPr>
+              <a:t>        "open_userid": "woKzI7BgAAK7kZ1FGgiTiAQunHXuM_NQ"</a:t>
+            </a:r>
+            <a:endParaRPr kumimoji="0" lang="zh-CN" altLang="en-US" sz="2000" b="0" i="0" u="none" strike="noStrike" cap="none" spc="0" normalizeH="0" baseline="0" dirty="0" smtClean="0">
+              <a:solidFill>
+                <a:schemeClr val="bg1">
+                  <a:lumMod val="50000"/>
+                </a:schemeClr>
+              </a:solidFill>
+              <a:latin typeface="苹方-简" panose="020B0400000000000000" charset="-122"/>
+              <a:ea typeface="苹方-简" panose="020B0400000000000000" charset="-122"/>
+              <a:cs typeface="苹方-简" panose="020B0400000000000000" charset="-122"/>
+              <a:sym typeface="Times New Roman" panose="02020803070505020304"/>
+            </a:endParaRPr>
+          </a:p>
+          <a:p>
+            <a:pPr marL="0" marR="0" indent="0" algn="l" defTabSz="914400" rtl="0" fontAlgn="auto" latinLnBrk="0" hangingPunct="0">
+              <a:lnSpc>
+                <a:spcPct val="100000"/>
+              </a:lnSpc>
+              <a:spcBef>
+                <a:spcPts val="0"/>
+              </a:spcBef>
+              <a:spcAft>
+                <a:spcPts val="0"/>
+              </a:spcAft>
+              <a:buClrTx/>
+              <a:buSzTx/>
+              <a:buFontTx/>
+              <a:buNone/>
+            </a:pPr>
+            <a:r>
+              <a:rPr kumimoji="0" lang="zh-CN" altLang="en-US" sz="2000" b="0" i="0" u="none" strike="noStrike" cap="none" spc="0" normalizeH="0" baseline="0" dirty="0" smtClean="0">
+                <a:solidFill>
+                  <a:schemeClr val="bg1">
+                    <a:lumMod val="50000"/>
+                  </a:schemeClr>
+                </a:solidFill>
+                <a:latin typeface="苹方-简" panose="020B0400000000000000" charset="-122"/>
+                <a:ea typeface="苹方-简" panose="020B0400000000000000" charset="-122"/>
+                <a:cs typeface="苹方-简" panose="020B0400000000000000" charset="-122"/>
+                <a:sym typeface="Times New Roman" panose="02020803070505020304"/>
+              </a:rPr>
+              <a:t>    }</a:t>
+            </a:r>
+            <a:endParaRPr kumimoji="0" lang="zh-CN" altLang="en-US" sz="2000" b="0" i="0" u="none" strike="noStrike" cap="none" spc="0" normalizeH="0" baseline="0" dirty="0" smtClean="0">
+              <a:solidFill>
+                <a:schemeClr val="bg1">
+                  <a:lumMod val="50000"/>
+                </a:schemeClr>
+              </a:solidFill>
+              <a:latin typeface="苹方-简" panose="020B0400000000000000" charset="-122"/>
+              <a:ea typeface="苹方-简" panose="020B0400000000000000" charset="-122"/>
+              <a:cs typeface="苹方-简" panose="020B0400000000000000" charset="-122"/>
+              <a:sym typeface="Times New Roman" panose="02020803070505020304"/>
+            </a:endParaRPr>
+          </a:p>
+          <a:p>
+            <a:pPr marL="0" marR="0" indent="0" algn="l" defTabSz="914400" rtl="0" fontAlgn="auto" latinLnBrk="0" hangingPunct="0">
+              <a:lnSpc>
+                <a:spcPct val="100000"/>
+              </a:lnSpc>
+              <a:spcBef>
+                <a:spcPts val="0"/>
+              </a:spcBef>
+              <a:spcAft>
+                <a:spcPts val="0"/>
+              </a:spcAft>
+              <a:buClrTx/>
+              <a:buSzTx/>
+              <a:buFontTx/>
+              <a:buNone/>
+            </a:pPr>
+            <a:r>
+              <a:rPr kumimoji="0" lang="zh-CN" altLang="en-US" sz="2000" b="0" i="0" u="none" strike="noStrike" cap="none" spc="0" normalizeH="0" baseline="0" dirty="0" smtClean="0">
+                <a:solidFill>
+                  <a:schemeClr val="bg1">
+                    <a:lumMod val="50000"/>
+                  </a:schemeClr>
+                </a:solidFill>
+                <a:latin typeface="苹方-简" panose="020B0400000000000000" charset="-122"/>
+                <a:ea typeface="苹方-简" panose="020B0400000000000000" charset="-122"/>
+                <a:cs typeface="苹方-简" panose="020B0400000000000000" charset="-122"/>
+                <a:sym typeface="Times New Roman" panose="02020803070505020304"/>
+              </a:rPr>
+              <a:t>}</a:t>
+            </a:r>
+            <a:endParaRPr kumimoji="0" lang="zh-CN" altLang="en-US" sz="2000" b="0" i="0" u="none" strike="noStrike" cap="none" spc="0" normalizeH="0" baseline="0" dirty="0" smtClean="0">
+              <a:solidFill>
+                <a:schemeClr val="bg1">
+                  <a:lumMod val="50000"/>
+                </a:schemeClr>
+              </a:solidFill>
+              <a:latin typeface="苹方-简" panose="020B0400000000000000" charset="-122"/>
+              <a:ea typeface="苹方-简" panose="020B0400000000000000" charset="-122"/>
+              <a:cs typeface="苹方-简" panose="020B0400000000000000" charset="-122"/>
+              <a:sym typeface="Times New Roman" panose="02020803070505020304"/>
+            </a:endParaRPr>
+          </a:p>
+          <a:p>
+            <a:pPr marL="0" marR="0" indent="0" algn="l" defTabSz="914400" rtl="0" fontAlgn="auto" latinLnBrk="0" hangingPunct="0">
+              <a:lnSpc>
+                <a:spcPct val="100000"/>
+              </a:lnSpc>
+              <a:spcBef>
+                <a:spcPts val="0"/>
+              </a:spcBef>
+              <a:spcAft>
+                <a:spcPts val="0"/>
+              </a:spcAft>
+              <a:buClrTx/>
+              <a:buSzTx/>
+              <a:buFontTx/>
+              <a:buNone/>
+            </a:pPr>
+            <a:endParaRPr kumimoji="0" lang="zh-CN" altLang="en-US" sz="2000" b="0" i="0" u="none" strike="noStrike" cap="none" spc="0" normalizeH="0" baseline="0" dirty="0" smtClean="0">
+              <a:solidFill>
+                <a:schemeClr val="bg1">
+                  <a:lumMod val="50000"/>
+                </a:schemeClr>
+              </a:solidFill>
+              <a:latin typeface="苹方-简" panose="020B0400000000000000" charset="-122"/>
+              <a:ea typeface="苹方-简" panose="020B0400000000000000" charset="-122"/>
+              <a:cs typeface="苹方-简" panose="020B0400000000000000" charset="-122"/>
+              <a:sym typeface="Times New Roman" panose="02020803070505020304"/>
+            </a:endParaRPr>
+          </a:p>
+        </p:txBody>
+      </p:sp>
+    </p:spTree>
+  </p:cSld>
+  <p:clrMapOvr>
+    <a:masterClrMapping/>
+  </p:clrMapOvr>
+  <p:transition spd="med"/>
+</p:sld>
+</file>
+
+<file path=ppt/slides/slide9.xml><?xml version="1.0" encoding="utf-8"?>
+<p:sld xmlns:a="http://schemas.openxmlformats.org/drawingml/2006/main" xmlns:r="http://schemas.openxmlformats.org/officeDocument/2006/relationships" xmlns:p="http://schemas.openxmlformats.org/presentationml/2006/main">
+  <p:cSld>
+    <p:spTree>
+      <p:nvGrpSpPr>
+        <p:cNvPr id="1" name=""/>
+        <p:cNvGrpSpPr/>
+        <p:nvPr/>
+      </p:nvGrpSpPr>
+      <p:grpSpPr/>
+      <p:sp>
+        <p:nvSpPr>
+          <p:cNvPr id="2" name="标题 1"/>
+          <p:cNvSpPr>
+            <a:spLocks noGrp="1"/>
+          </p:cNvSpPr>
+          <p:nvPr>
+            <p:ph type="ctrTitle"/>
+          </p:nvPr>
+        </p:nvSpPr>
+        <p:spPr/>
+        <p:txBody>
+          <a:bodyPr/>
+          <a:p>
+            <a:endParaRPr lang="zh-CN" altLang="en-US"/>
+          </a:p>
+        </p:txBody>
+      </p:sp>
+      <p:sp>
+        <p:nvSpPr>
+          <p:cNvPr id="3" name="副标题 2"/>
+          <p:cNvSpPr>
+            <a:spLocks noGrp="1"/>
+          </p:cNvSpPr>
+          <p:nvPr>
+            <p:ph type="subTitle" idx="1"/>
+          </p:nvPr>
+        </p:nvSpPr>
+        <p:spPr/>
+        <p:txBody>
+          <a:bodyPr/>
+          <a:p>
+            <a:endParaRPr lang="zh-CN" altLang="en-US"/>
+          </a:p>
+        </p:txBody>
+      </p:sp>
+    </p:spTree>
+  </p:cSld>
+  <p:clrMapOvr>
+    <a:masterClrMapping/>
+  </p:clrMapOvr>
+</p:sld>
+</file>
+
 <file path=ppt/tags/tag1.xml><?xml version="1.0" encoding="utf-8"?>
 <p:tagLst xmlns:p="http://schemas.openxmlformats.org/presentationml/2006/main">
   <p:tag name="KSO_WM_SLIDE_MODEL_TYPE" val="cover"/>
